--- a/Introduction to the Microsoft Bot Framework.pptx
+++ b/Introduction to the Microsoft Bot Framework.pptx
@@ -4,6 +4,9 @@
   <p:sldMasterIdLst>
     <p:sldMasterId id="2147483648" r:id="rId1"/>
   </p:sldMasterIdLst>
+  <p:notesMasterIdLst>
+    <p:notesMasterId r:id="rId27"/>
+  </p:notesMasterIdLst>
   <p:sldIdLst>
     <p:sldId id="256" r:id="rId2"/>
     <p:sldId id="281" r:id="rId3"/>
@@ -13,18 +16,18 @@
     <p:sldId id="270" r:id="rId7"/>
     <p:sldId id="259" r:id="rId8"/>
     <p:sldId id="272" r:id="rId9"/>
-    <p:sldId id="261" r:id="rId10"/>
-    <p:sldId id="260" r:id="rId11"/>
-    <p:sldId id="262" r:id="rId12"/>
-    <p:sldId id="263" r:id="rId13"/>
-    <p:sldId id="264" r:id="rId14"/>
-    <p:sldId id="265" r:id="rId15"/>
-    <p:sldId id="266" r:id="rId16"/>
-    <p:sldId id="267" r:id="rId17"/>
-    <p:sldId id="268" r:id="rId18"/>
-    <p:sldId id="269" r:id="rId19"/>
-    <p:sldId id="279" r:id="rId20"/>
-    <p:sldId id="280" r:id="rId21"/>
+    <p:sldId id="260" r:id="rId10"/>
+    <p:sldId id="262" r:id="rId11"/>
+    <p:sldId id="263" r:id="rId12"/>
+    <p:sldId id="264" r:id="rId13"/>
+    <p:sldId id="265" r:id="rId14"/>
+    <p:sldId id="266" r:id="rId15"/>
+    <p:sldId id="267" r:id="rId16"/>
+    <p:sldId id="268" r:id="rId17"/>
+    <p:sldId id="269" r:id="rId18"/>
+    <p:sldId id="279" r:id="rId19"/>
+    <p:sldId id="280" r:id="rId20"/>
+    <p:sldId id="284" r:id="rId21"/>
     <p:sldId id="273" r:id="rId22"/>
     <p:sldId id="274" r:id="rId23"/>
     <p:sldId id="275" r:id="rId24"/>
@@ -128,7 +131,453 @@
       </a:defRPr>
     </a:lvl9pPr>
   </p:defaultTextStyle>
+  <p:extLst>
+    <p:ext uri="{EFAFB233-063F-42B5-8137-9DF3F51BA10A}">
+      <p15:sldGuideLst xmlns:p15="http://schemas.microsoft.com/office/powerpoint/2012/main"/>
+    </p:ext>
+  </p:extLst>
 </p:presentation>
+</file>
+
+<file path=ppt/revisionInfo.xml><?xml version="1.0" encoding="utf-8"?>
+<p1510:revInfo xmlns:a="http://schemas.openxmlformats.org/drawingml/2006/main" xmlns:r="http://schemas.openxmlformats.org/officeDocument/2006/relationships" xmlns:p1510="http://schemas.microsoft.com/office/powerpoint/2015/10/main"/>
+</file>
+
+<file path=ppt/notesMasters/notesMaster1.xml><?xml version="1.0" encoding="utf-8"?>
+<p:notesMaster xmlns:a="http://schemas.openxmlformats.org/drawingml/2006/main" xmlns:r="http://schemas.openxmlformats.org/officeDocument/2006/relationships" xmlns:p="http://schemas.openxmlformats.org/presentationml/2006/main">
+  <p:cSld>
+    <p:bg>
+      <p:bgRef idx="1001">
+        <a:schemeClr val="bg1"/>
+      </p:bgRef>
+    </p:bg>
+    <p:spTree>
+      <p:nvGrpSpPr>
+        <p:cNvPr id="1" name=""/>
+        <p:cNvGrpSpPr/>
+        <p:nvPr/>
+      </p:nvGrpSpPr>
+      <p:grpSpPr>
+        <a:xfrm>
+          <a:off x="0" y="0"/>
+          <a:ext cx="0" cy="0"/>
+          <a:chOff x="0" y="0"/>
+          <a:chExt cx="0" cy="0"/>
+        </a:xfrm>
+      </p:grpSpPr>
+      <p:sp>
+        <p:nvSpPr>
+          <p:cNvPr id="2" name="Header Placeholder 1"/>
+          <p:cNvSpPr>
+            <a:spLocks noGrp="1"/>
+          </p:cNvSpPr>
+          <p:nvPr>
+            <p:ph type="hdr" sz="quarter"/>
+          </p:nvPr>
+        </p:nvSpPr>
+        <p:spPr>
+          <a:xfrm>
+            <a:off x="0" y="0"/>
+            <a:ext cx="2971800" cy="458788"/>
+          </a:xfrm>
+          <a:prstGeom prst="rect">
+            <a:avLst/>
+          </a:prstGeom>
+        </p:spPr>
+        <p:txBody>
+          <a:bodyPr vert="horz" lIns="91440" tIns="45720" rIns="91440" bIns="45720" rtlCol="0"/>
+          <a:lstStyle>
+            <a:lvl1pPr algn="l">
+              <a:defRPr sz="1200"/>
+            </a:lvl1pPr>
+          </a:lstStyle>
+          <a:p>
+            <a:endParaRPr lang="en-AU"/>
+          </a:p>
+        </p:txBody>
+      </p:sp>
+      <p:sp>
+        <p:nvSpPr>
+          <p:cNvPr id="3" name="Date Placeholder 2"/>
+          <p:cNvSpPr>
+            <a:spLocks noGrp="1"/>
+          </p:cNvSpPr>
+          <p:nvPr>
+            <p:ph type="dt" idx="1"/>
+          </p:nvPr>
+        </p:nvSpPr>
+        <p:spPr>
+          <a:xfrm>
+            <a:off x="3884613" y="0"/>
+            <a:ext cx="2971800" cy="458788"/>
+          </a:xfrm>
+          <a:prstGeom prst="rect">
+            <a:avLst/>
+          </a:prstGeom>
+        </p:spPr>
+        <p:txBody>
+          <a:bodyPr vert="horz" lIns="91440" tIns="45720" rIns="91440" bIns="45720" rtlCol="0"/>
+          <a:lstStyle>
+            <a:lvl1pPr algn="r">
+              <a:defRPr sz="1200"/>
+            </a:lvl1pPr>
+          </a:lstStyle>
+          <a:p>
+            <a:fld id="{6112063D-0071-4615-8D19-28E73C9AD708}" type="datetimeFigureOut">
+              <a:rPr lang="en-AU" smtClean="0"/>
+              <a:t>24/07/2017</a:t>
+            </a:fld>
+            <a:endParaRPr lang="en-AU"/>
+          </a:p>
+        </p:txBody>
+      </p:sp>
+      <p:sp>
+        <p:nvSpPr>
+          <p:cNvPr id="4" name="Slide Image Placeholder 3"/>
+          <p:cNvSpPr>
+            <a:spLocks noGrp="1" noRot="1" noChangeAspect="1"/>
+          </p:cNvSpPr>
+          <p:nvPr>
+            <p:ph type="sldImg" idx="2"/>
+          </p:nvPr>
+        </p:nvSpPr>
+        <p:spPr>
+          <a:xfrm>
+            <a:off x="685800" y="1143000"/>
+            <a:ext cx="5486400" cy="3086100"/>
+          </a:xfrm>
+          <a:prstGeom prst="rect">
+            <a:avLst/>
+          </a:prstGeom>
+          <a:noFill/>
+          <a:ln w="12700">
+            <a:solidFill>
+              <a:prstClr val="black"/>
+            </a:solidFill>
+          </a:ln>
+        </p:spPr>
+        <p:txBody>
+          <a:bodyPr vert="horz" lIns="91440" tIns="45720" rIns="91440" bIns="45720" rtlCol="0" anchor="ctr"/>
+          <a:lstStyle/>
+          <a:p>
+            <a:endParaRPr lang="en-AU"/>
+          </a:p>
+        </p:txBody>
+      </p:sp>
+      <p:sp>
+        <p:nvSpPr>
+          <p:cNvPr id="5" name="Notes Placeholder 4"/>
+          <p:cNvSpPr>
+            <a:spLocks noGrp="1"/>
+          </p:cNvSpPr>
+          <p:nvPr>
+            <p:ph type="body" sz="quarter" idx="3"/>
+          </p:nvPr>
+        </p:nvSpPr>
+        <p:spPr>
+          <a:xfrm>
+            <a:off x="685800" y="4400550"/>
+            <a:ext cx="5486400" cy="3600450"/>
+          </a:xfrm>
+          <a:prstGeom prst="rect">
+            <a:avLst/>
+          </a:prstGeom>
+        </p:spPr>
+        <p:txBody>
+          <a:bodyPr vert="horz" lIns="91440" tIns="45720" rIns="91440" bIns="45720" rtlCol="0"/>
+          <a:lstStyle/>
+          <a:p>
+            <a:pPr lvl="0"/>
+            <a:r>
+              <a:rPr lang="en-US"/>
+              <a:t>Edit Master text styles</a:t>
+            </a:r>
+          </a:p>
+          <a:p>
+            <a:pPr lvl="1"/>
+            <a:r>
+              <a:rPr lang="en-US"/>
+              <a:t>Second level</a:t>
+            </a:r>
+          </a:p>
+          <a:p>
+            <a:pPr lvl="2"/>
+            <a:r>
+              <a:rPr lang="en-US"/>
+              <a:t>Third level</a:t>
+            </a:r>
+          </a:p>
+          <a:p>
+            <a:pPr lvl="3"/>
+            <a:r>
+              <a:rPr lang="en-US"/>
+              <a:t>Fourth level</a:t>
+            </a:r>
+          </a:p>
+          <a:p>
+            <a:pPr lvl="4"/>
+            <a:r>
+              <a:rPr lang="en-US"/>
+              <a:t>Fifth level</a:t>
+            </a:r>
+            <a:endParaRPr lang="en-AU"/>
+          </a:p>
+        </p:txBody>
+      </p:sp>
+      <p:sp>
+        <p:nvSpPr>
+          <p:cNvPr id="6" name="Footer Placeholder 5"/>
+          <p:cNvSpPr>
+            <a:spLocks noGrp="1"/>
+          </p:cNvSpPr>
+          <p:nvPr>
+            <p:ph type="ftr" sz="quarter" idx="4"/>
+          </p:nvPr>
+        </p:nvSpPr>
+        <p:spPr>
+          <a:xfrm>
+            <a:off x="0" y="8685213"/>
+            <a:ext cx="2971800" cy="458787"/>
+          </a:xfrm>
+          <a:prstGeom prst="rect">
+            <a:avLst/>
+          </a:prstGeom>
+        </p:spPr>
+        <p:txBody>
+          <a:bodyPr vert="horz" lIns="91440" tIns="45720" rIns="91440" bIns="45720" rtlCol="0" anchor="b"/>
+          <a:lstStyle>
+            <a:lvl1pPr algn="l">
+              <a:defRPr sz="1200"/>
+            </a:lvl1pPr>
+          </a:lstStyle>
+          <a:p>
+            <a:endParaRPr lang="en-AU"/>
+          </a:p>
+        </p:txBody>
+      </p:sp>
+      <p:sp>
+        <p:nvSpPr>
+          <p:cNvPr id="7" name="Slide Number Placeholder 6"/>
+          <p:cNvSpPr>
+            <a:spLocks noGrp="1"/>
+          </p:cNvSpPr>
+          <p:nvPr>
+            <p:ph type="sldNum" sz="quarter" idx="5"/>
+          </p:nvPr>
+        </p:nvSpPr>
+        <p:spPr>
+          <a:xfrm>
+            <a:off x="3884613" y="8685213"/>
+            <a:ext cx="2971800" cy="458787"/>
+          </a:xfrm>
+          <a:prstGeom prst="rect">
+            <a:avLst/>
+          </a:prstGeom>
+        </p:spPr>
+        <p:txBody>
+          <a:bodyPr vert="horz" lIns="91440" tIns="45720" rIns="91440" bIns="45720" rtlCol="0" anchor="b"/>
+          <a:lstStyle>
+            <a:lvl1pPr algn="r">
+              <a:defRPr sz="1200"/>
+            </a:lvl1pPr>
+          </a:lstStyle>
+          <a:p>
+            <a:fld id="{B0963970-F77D-4550-9FC6-19F442B9E04B}" type="slidenum">
+              <a:rPr lang="en-AU" smtClean="0"/>
+              <a:t>‹#›</a:t>
+            </a:fld>
+            <a:endParaRPr lang="en-AU"/>
+          </a:p>
+        </p:txBody>
+      </p:sp>
+    </p:spTree>
+    <p:extLst>
+      <p:ext uri="{BB962C8B-B14F-4D97-AF65-F5344CB8AC3E}">
+        <p14:creationId xmlns:p14="http://schemas.microsoft.com/office/powerpoint/2010/main" val="1023117052"/>
+      </p:ext>
+    </p:extLst>
+  </p:cSld>
+  <p:clrMap bg1="lt1" tx1="dk1" bg2="lt2" tx2="dk2" accent1="accent1" accent2="accent2" accent3="accent3" accent4="accent4" accent5="accent5" accent6="accent6" hlink="hlink" folHlink="folHlink"/>
+  <p:notesStyle>
+    <a:lvl1pPr marL="0" algn="l" defTabSz="914400" rtl="0" eaLnBrk="1" latinLnBrk="0" hangingPunct="1">
+      <a:defRPr sz="1200" kern="1200">
+        <a:solidFill>
+          <a:schemeClr val="tx1"/>
+        </a:solidFill>
+        <a:latin typeface="+mn-lt"/>
+        <a:ea typeface="+mn-ea"/>
+        <a:cs typeface="+mn-cs"/>
+      </a:defRPr>
+    </a:lvl1pPr>
+    <a:lvl2pPr marL="457200" algn="l" defTabSz="914400" rtl="0" eaLnBrk="1" latinLnBrk="0" hangingPunct="1">
+      <a:defRPr sz="1200" kern="1200">
+        <a:solidFill>
+          <a:schemeClr val="tx1"/>
+        </a:solidFill>
+        <a:latin typeface="+mn-lt"/>
+        <a:ea typeface="+mn-ea"/>
+        <a:cs typeface="+mn-cs"/>
+      </a:defRPr>
+    </a:lvl2pPr>
+    <a:lvl3pPr marL="914400" algn="l" defTabSz="914400" rtl="0" eaLnBrk="1" latinLnBrk="0" hangingPunct="1">
+      <a:defRPr sz="1200" kern="1200">
+        <a:solidFill>
+          <a:schemeClr val="tx1"/>
+        </a:solidFill>
+        <a:latin typeface="+mn-lt"/>
+        <a:ea typeface="+mn-ea"/>
+        <a:cs typeface="+mn-cs"/>
+      </a:defRPr>
+    </a:lvl3pPr>
+    <a:lvl4pPr marL="1371600" algn="l" defTabSz="914400" rtl="0" eaLnBrk="1" latinLnBrk="0" hangingPunct="1">
+      <a:defRPr sz="1200" kern="1200">
+        <a:solidFill>
+          <a:schemeClr val="tx1"/>
+        </a:solidFill>
+        <a:latin typeface="+mn-lt"/>
+        <a:ea typeface="+mn-ea"/>
+        <a:cs typeface="+mn-cs"/>
+      </a:defRPr>
+    </a:lvl4pPr>
+    <a:lvl5pPr marL="1828800" algn="l" defTabSz="914400" rtl="0" eaLnBrk="1" latinLnBrk="0" hangingPunct="1">
+      <a:defRPr sz="1200" kern="1200">
+        <a:solidFill>
+          <a:schemeClr val="tx1"/>
+        </a:solidFill>
+        <a:latin typeface="+mn-lt"/>
+        <a:ea typeface="+mn-ea"/>
+        <a:cs typeface="+mn-cs"/>
+      </a:defRPr>
+    </a:lvl5pPr>
+    <a:lvl6pPr marL="2286000" algn="l" defTabSz="914400" rtl="0" eaLnBrk="1" latinLnBrk="0" hangingPunct="1">
+      <a:defRPr sz="1200" kern="1200">
+        <a:solidFill>
+          <a:schemeClr val="tx1"/>
+        </a:solidFill>
+        <a:latin typeface="+mn-lt"/>
+        <a:ea typeface="+mn-ea"/>
+        <a:cs typeface="+mn-cs"/>
+      </a:defRPr>
+    </a:lvl6pPr>
+    <a:lvl7pPr marL="2743200" algn="l" defTabSz="914400" rtl="0" eaLnBrk="1" latinLnBrk="0" hangingPunct="1">
+      <a:defRPr sz="1200" kern="1200">
+        <a:solidFill>
+          <a:schemeClr val="tx1"/>
+        </a:solidFill>
+        <a:latin typeface="+mn-lt"/>
+        <a:ea typeface="+mn-ea"/>
+        <a:cs typeface="+mn-cs"/>
+      </a:defRPr>
+    </a:lvl7pPr>
+    <a:lvl8pPr marL="3200400" algn="l" defTabSz="914400" rtl="0" eaLnBrk="1" latinLnBrk="0" hangingPunct="1">
+      <a:defRPr sz="1200" kern="1200">
+        <a:solidFill>
+          <a:schemeClr val="tx1"/>
+        </a:solidFill>
+        <a:latin typeface="+mn-lt"/>
+        <a:ea typeface="+mn-ea"/>
+        <a:cs typeface="+mn-cs"/>
+      </a:defRPr>
+    </a:lvl8pPr>
+    <a:lvl9pPr marL="3657600" algn="l" defTabSz="914400" rtl="0" eaLnBrk="1" latinLnBrk="0" hangingPunct="1">
+      <a:defRPr sz="1200" kern="1200">
+        <a:solidFill>
+          <a:schemeClr val="tx1"/>
+        </a:solidFill>
+        <a:latin typeface="+mn-lt"/>
+        <a:ea typeface="+mn-ea"/>
+        <a:cs typeface="+mn-cs"/>
+      </a:defRPr>
+    </a:lvl9pPr>
+  </p:notesStyle>
+</p:notesMaster>
+</file>
+
+<file path=ppt/notesSlides/notesSlide1.xml><?xml version="1.0" encoding="utf-8"?>
+<p:notes xmlns:a="http://schemas.openxmlformats.org/drawingml/2006/main" xmlns:r="http://schemas.openxmlformats.org/officeDocument/2006/relationships" xmlns:p="http://schemas.openxmlformats.org/presentationml/2006/main">
+  <p:cSld>
+    <p:spTree>
+      <p:nvGrpSpPr>
+        <p:cNvPr id="1" name=""/>
+        <p:cNvGrpSpPr/>
+        <p:nvPr/>
+      </p:nvGrpSpPr>
+      <p:grpSpPr>
+        <a:xfrm>
+          <a:off x="0" y="0"/>
+          <a:ext cx="0" cy="0"/>
+          <a:chOff x="0" y="0"/>
+          <a:chExt cx="0" cy="0"/>
+        </a:xfrm>
+      </p:grpSpPr>
+      <p:sp>
+        <p:nvSpPr>
+          <p:cNvPr id="2" name="Slide Image Placeholder 1"/>
+          <p:cNvSpPr>
+            <a:spLocks noGrp="1" noRot="1" noChangeAspect="1"/>
+          </p:cNvSpPr>
+          <p:nvPr>
+            <p:ph type="sldImg"/>
+          </p:nvPr>
+        </p:nvSpPr>
+        <p:spPr/>
+      </p:sp>
+      <p:sp>
+        <p:nvSpPr>
+          <p:cNvPr id="3" name="Notes Placeholder 2"/>
+          <p:cNvSpPr>
+            <a:spLocks noGrp="1"/>
+          </p:cNvSpPr>
+          <p:nvPr>
+            <p:ph type="body" idx="1"/>
+          </p:nvPr>
+        </p:nvSpPr>
+        <p:spPr/>
+        <p:txBody>
+          <a:bodyPr/>
+          <a:lstStyle/>
+          <a:p>
+            <a:r>
+              <a:rPr lang="en-AU" dirty="0"/>
+              <a:t>Wait for input from user – pushing a continuation onto the stack to be executed.</a:t>
+            </a:r>
+          </a:p>
+        </p:txBody>
+      </p:sp>
+      <p:sp>
+        <p:nvSpPr>
+          <p:cNvPr id="4" name="Slide Number Placeholder 3"/>
+          <p:cNvSpPr>
+            <a:spLocks noGrp="1"/>
+          </p:cNvSpPr>
+          <p:nvPr>
+            <p:ph type="sldNum" sz="quarter" idx="10"/>
+          </p:nvPr>
+        </p:nvSpPr>
+        <p:spPr/>
+        <p:txBody>
+          <a:bodyPr/>
+          <a:lstStyle/>
+          <a:p>
+            <a:fld id="{B0963970-F77D-4550-9FC6-19F442B9E04B}" type="slidenum">
+              <a:rPr lang="en-AU" smtClean="0"/>
+              <a:t>6</a:t>
+            </a:fld>
+            <a:endParaRPr lang="en-AU"/>
+          </a:p>
+        </p:txBody>
+      </p:sp>
+    </p:spTree>
+    <p:extLst>
+      <p:ext uri="{BB962C8B-B14F-4D97-AF65-F5344CB8AC3E}">
+        <p14:creationId xmlns:p14="http://schemas.microsoft.com/office/powerpoint/2010/main" val="2406479880"/>
+      </p:ext>
+    </p:extLst>
+  </p:cSld>
+  <p:clrMapOvr>
+    <a:masterClrMapping/>
+  </p:clrMapOvr>
+</p:notes>
 </file>
 
 <file path=ppt/slideLayouts/slideLayout1.xml><?xml version="1.0" encoding="utf-8"?>
@@ -280,7 +729,7 @@
           <a:p>
             <a:fld id="{EF192D0A-4D95-4418-930C-F8366C52D94A}" type="datetimeFigureOut">
               <a:rPr lang="en-AU" smtClean="0"/>
-              <a:t>23/07/2017</a:t>
+              <a:t>24/07/2017</a:t>
             </a:fld>
             <a:endParaRPr lang="en-AU"/>
           </a:p>
@@ -480,7 +929,7 @@
           <a:p>
             <a:fld id="{EF192D0A-4D95-4418-930C-F8366C52D94A}" type="datetimeFigureOut">
               <a:rPr lang="en-AU" smtClean="0"/>
-              <a:t>23/07/2017</a:t>
+              <a:t>24/07/2017</a:t>
             </a:fld>
             <a:endParaRPr lang="en-AU"/>
           </a:p>
@@ -690,7 +1139,7 @@
           <a:p>
             <a:fld id="{EF192D0A-4D95-4418-930C-F8366C52D94A}" type="datetimeFigureOut">
               <a:rPr lang="en-AU" smtClean="0"/>
-              <a:t>23/07/2017</a:t>
+              <a:t>24/07/2017</a:t>
             </a:fld>
             <a:endParaRPr lang="en-AU"/>
           </a:p>
@@ -890,7 +1339,7 @@
           <a:p>
             <a:fld id="{EF192D0A-4D95-4418-930C-F8366C52D94A}" type="datetimeFigureOut">
               <a:rPr lang="en-AU" smtClean="0"/>
-              <a:t>23/07/2017</a:t>
+              <a:t>24/07/2017</a:t>
             </a:fld>
             <a:endParaRPr lang="en-AU"/>
           </a:p>
@@ -1166,7 +1615,7 @@
           <a:p>
             <a:fld id="{EF192D0A-4D95-4418-930C-F8366C52D94A}" type="datetimeFigureOut">
               <a:rPr lang="en-AU" smtClean="0"/>
-              <a:t>23/07/2017</a:t>
+              <a:t>24/07/2017</a:t>
             </a:fld>
             <a:endParaRPr lang="en-AU"/>
           </a:p>
@@ -1434,7 +1883,7 @@
           <a:p>
             <a:fld id="{EF192D0A-4D95-4418-930C-F8366C52D94A}" type="datetimeFigureOut">
               <a:rPr lang="en-AU" smtClean="0"/>
-              <a:t>23/07/2017</a:t>
+              <a:t>24/07/2017</a:t>
             </a:fld>
             <a:endParaRPr lang="en-AU"/>
           </a:p>
@@ -1849,7 +2298,7 @@
           <a:p>
             <a:fld id="{EF192D0A-4D95-4418-930C-F8366C52D94A}" type="datetimeFigureOut">
               <a:rPr lang="en-AU" smtClean="0"/>
-              <a:t>23/07/2017</a:t>
+              <a:t>24/07/2017</a:t>
             </a:fld>
             <a:endParaRPr lang="en-AU"/>
           </a:p>
@@ -1991,7 +2440,7 @@
           <a:p>
             <a:fld id="{EF192D0A-4D95-4418-930C-F8366C52D94A}" type="datetimeFigureOut">
               <a:rPr lang="en-AU" smtClean="0"/>
-              <a:t>23/07/2017</a:t>
+              <a:t>24/07/2017</a:t>
             </a:fld>
             <a:endParaRPr lang="en-AU"/>
           </a:p>
@@ -2104,7 +2553,7 @@
           <a:p>
             <a:fld id="{EF192D0A-4D95-4418-930C-F8366C52D94A}" type="datetimeFigureOut">
               <a:rPr lang="en-AU" smtClean="0"/>
-              <a:t>23/07/2017</a:t>
+              <a:t>24/07/2017</a:t>
             </a:fld>
             <a:endParaRPr lang="en-AU"/>
           </a:p>
@@ -2417,7 +2866,7 @@
           <a:p>
             <a:fld id="{EF192D0A-4D95-4418-930C-F8366C52D94A}" type="datetimeFigureOut">
               <a:rPr lang="en-AU" smtClean="0"/>
-              <a:t>23/07/2017</a:t>
+              <a:t>24/07/2017</a:t>
             </a:fld>
             <a:endParaRPr lang="en-AU"/>
           </a:p>
@@ -2706,7 +3155,7 @@
           <a:p>
             <a:fld id="{EF192D0A-4D95-4418-930C-F8366C52D94A}" type="datetimeFigureOut">
               <a:rPr lang="en-AU" smtClean="0"/>
-              <a:t>23/07/2017</a:t>
+              <a:t>24/07/2017</a:t>
             </a:fld>
             <a:endParaRPr lang="en-AU"/>
           </a:p>
@@ -2949,7 +3398,7 @@
           <a:p>
             <a:fld id="{EF192D0A-4D95-4418-930C-F8366C52D94A}" type="datetimeFigureOut">
               <a:rPr lang="en-AU" smtClean="0"/>
-              <a:t>23/07/2017</a:t>
+              <a:t>24/07/2017</a:t>
             </a:fld>
             <a:endParaRPr lang="en-AU"/>
           </a:p>
@@ -3449,129 +3898,6 @@
           <a:chExt cx="0" cy="0"/>
         </a:xfrm>
       </p:grpSpPr>
-      <p:sp>
-        <p:nvSpPr>
-          <p:cNvPr id="2" name="Title 1">
-            <a:extLst>
-              <a:ext uri="{FF2B5EF4-FFF2-40B4-BE49-F238E27FC236}">
-                <a16:creationId xmlns:a16="http://schemas.microsoft.com/office/drawing/2014/main" id="{84A3980C-A22E-4B70-BB0A-81253A30EB1C}"/>
-              </a:ext>
-            </a:extLst>
-          </p:cNvPr>
-          <p:cNvSpPr>
-            <a:spLocks noGrp="1"/>
-          </p:cNvSpPr>
-          <p:nvPr>
-            <p:ph type="title"/>
-          </p:nvPr>
-        </p:nvSpPr>
-        <p:spPr/>
-        <p:txBody>
-          <a:bodyPr/>
-          <a:lstStyle/>
-          <a:p>
-            <a:r>
-              <a:rPr lang="en-AU" dirty="0"/>
-              <a:t>Core Concepts – Dialog Stack</a:t>
-            </a:r>
-          </a:p>
-        </p:txBody>
-      </p:sp>
-      <p:sp>
-        <p:nvSpPr>
-          <p:cNvPr id="3" name="Content Placeholder 2">
-            <a:extLst>
-              <a:ext uri="{FF2B5EF4-FFF2-40B4-BE49-F238E27FC236}">
-                <a16:creationId xmlns:a16="http://schemas.microsoft.com/office/drawing/2014/main" id="{87DAEFD5-3D70-41AD-846A-F869F431DC2E}"/>
-              </a:ext>
-            </a:extLst>
-          </p:cNvPr>
-          <p:cNvSpPr>
-            <a:spLocks noGrp="1"/>
-          </p:cNvSpPr>
-          <p:nvPr>
-            <p:ph idx="1"/>
-          </p:nvPr>
-        </p:nvSpPr>
-        <p:spPr>
-          <a:xfrm>
-            <a:off x="838200" y="1825625"/>
-            <a:ext cx="10515600" cy="2737986"/>
-          </a:xfrm>
-        </p:spPr>
-        <p:txBody>
-          <a:bodyPr>
-            <a:normAutofit fontScale="85000" lnSpcReduction="20000"/>
-          </a:bodyPr>
-          <a:lstStyle/>
-          <a:p>
-            <a:r>
-              <a:rPr lang="en-AU" dirty="0"/>
-              <a:t>Dialogs can be pushed onto and popped off the stack</a:t>
-            </a:r>
-          </a:p>
-          <a:p>
-            <a:endParaRPr lang="en-AU" dirty="0"/>
-          </a:p>
-          <a:p>
-            <a:r>
-              <a:rPr lang="en-AU" dirty="0"/>
-              <a:t>Top dialog in the stack processes all incoming messages</a:t>
-            </a:r>
-          </a:p>
-          <a:p>
-            <a:endParaRPr lang="en-AU" dirty="0"/>
-          </a:p>
-          <a:p>
-            <a:r>
-              <a:rPr lang="en-AU" dirty="0"/>
-              <a:t>Data can be pushed from one dialog to it’s child</a:t>
-            </a:r>
-          </a:p>
-          <a:p>
-            <a:endParaRPr lang="en-AU" dirty="0"/>
-          </a:p>
-          <a:p>
-            <a:r>
-              <a:rPr lang="en-AU" dirty="0"/>
-              <a:t>Data can be returned from a child dialog to it’s parent</a:t>
-            </a:r>
-          </a:p>
-          <a:p>
-            <a:endParaRPr lang="en-AU" dirty="0"/>
-          </a:p>
-        </p:txBody>
-      </p:sp>
-    </p:spTree>
-    <p:extLst>
-      <p:ext uri="{BB962C8B-B14F-4D97-AF65-F5344CB8AC3E}">
-        <p14:creationId xmlns:p14="http://schemas.microsoft.com/office/powerpoint/2010/main" val="2180978101"/>
-      </p:ext>
-    </p:extLst>
-  </p:cSld>
-  <p:clrMapOvr>
-    <a:masterClrMapping/>
-  </p:clrMapOvr>
-</p:sld>
-</file>
-
-<file path=ppt/slides/slide11.xml><?xml version="1.0" encoding="utf-8"?>
-<p:sld xmlns:a="http://schemas.openxmlformats.org/drawingml/2006/main" xmlns:r="http://schemas.openxmlformats.org/officeDocument/2006/relationships" xmlns:p="http://schemas.openxmlformats.org/presentationml/2006/main">
-  <p:cSld>
-    <p:spTree>
-      <p:nvGrpSpPr>
-        <p:cNvPr id="1" name=""/>
-        <p:cNvGrpSpPr/>
-        <p:nvPr/>
-      </p:nvGrpSpPr>
-      <p:grpSpPr>
-        <a:xfrm>
-          <a:off x="0" y="0"/>
-          <a:ext cx="0" cy="0"/>
-          <a:chOff x="0" y="0"/>
-          <a:chExt cx="0" cy="0"/>
-        </a:xfrm>
-      </p:grpSpPr>
       <p:pic>
         <p:nvPicPr>
           <p:cNvPr id="4" name="Picture 3">
@@ -3615,7 +3941,7 @@
 </p:sld>
 </file>
 
-<file path=ppt/slides/slide12.xml><?xml version="1.0" encoding="utf-8"?>
+<file path=ppt/slides/slide11.xml><?xml version="1.0" encoding="utf-8"?>
 <p:sld xmlns:a="http://schemas.openxmlformats.org/drawingml/2006/main" xmlns:r="http://schemas.openxmlformats.org/officeDocument/2006/relationships" xmlns:p="http://schemas.openxmlformats.org/presentationml/2006/main">
   <p:cSld>
     <p:spTree>
@@ -3675,7 +4001,7 @@
 </p:sld>
 </file>
 
-<file path=ppt/slides/slide13.xml><?xml version="1.0" encoding="utf-8"?>
+<file path=ppt/slides/slide12.xml><?xml version="1.0" encoding="utf-8"?>
 <p:sld xmlns:a="http://schemas.openxmlformats.org/drawingml/2006/main" xmlns:r="http://schemas.openxmlformats.org/officeDocument/2006/relationships" xmlns:p="http://schemas.openxmlformats.org/presentationml/2006/main">
   <p:cSld>
     <p:spTree>
@@ -3735,7 +4061,7 @@
 </p:sld>
 </file>
 
-<file path=ppt/slides/slide14.xml><?xml version="1.0" encoding="utf-8"?>
+<file path=ppt/slides/slide13.xml><?xml version="1.0" encoding="utf-8"?>
 <p:sld xmlns:a="http://schemas.openxmlformats.org/drawingml/2006/main" xmlns:r="http://schemas.openxmlformats.org/officeDocument/2006/relationships" xmlns:p="http://schemas.openxmlformats.org/presentationml/2006/main">
   <p:cSld>
     <p:spTree>
@@ -3795,7 +4121,7 @@
 </p:sld>
 </file>
 
-<file path=ppt/slides/slide15.xml><?xml version="1.0" encoding="utf-8"?>
+<file path=ppt/slides/slide14.xml><?xml version="1.0" encoding="utf-8"?>
 <p:sld xmlns:a="http://schemas.openxmlformats.org/drawingml/2006/main" xmlns:r="http://schemas.openxmlformats.org/officeDocument/2006/relationships" xmlns:p="http://schemas.openxmlformats.org/presentationml/2006/main">
   <p:cSld>
     <p:spTree>
@@ -3855,7 +4181,7 @@
 </p:sld>
 </file>
 
-<file path=ppt/slides/slide16.xml><?xml version="1.0" encoding="utf-8"?>
+<file path=ppt/slides/slide15.xml><?xml version="1.0" encoding="utf-8"?>
 <p:sld xmlns:a="http://schemas.openxmlformats.org/drawingml/2006/main" xmlns:r="http://schemas.openxmlformats.org/officeDocument/2006/relationships" xmlns:p="http://schemas.openxmlformats.org/presentationml/2006/main">
   <p:cSld>
     <p:spTree>
@@ -3915,7 +4241,7 @@
 </p:sld>
 </file>
 
-<file path=ppt/slides/slide17.xml><?xml version="1.0" encoding="utf-8"?>
+<file path=ppt/slides/slide16.xml><?xml version="1.0" encoding="utf-8"?>
 <p:sld xmlns:a="http://schemas.openxmlformats.org/drawingml/2006/main" xmlns:r="http://schemas.openxmlformats.org/officeDocument/2006/relationships" xmlns:p="http://schemas.openxmlformats.org/presentationml/2006/main">
   <p:cSld>
     <p:spTree>
@@ -3975,6 +4301,74 @@
 </p:sld>
 </file>
 
+<file path=ppt/slides/slide17.xml><?xml version="1.0" encoding="utf-8"?>
+<p:sld xmlns:a="http://schemas.openxmlformats.org/drawingml/2006/main" xmlns:r="http://schemas.openxmlformats.org/officeDocument/2006/relationships" xmlns:p="http://schemas.openxmlformats.org/presentationml/2006/main">
+  <p:cSld>
+    <p:spTree>
+      <p:nvGrpSpPr>
+        <p:cNvPr id="1" name=""/>
+        <p:cNvGrpSpPr/>
+        <p:nvPr/>
+      </p:nvGrpSpPr>
+      <p:grpSpPr>
+        <a:xfrm>
+          <a:off x="0" y="0"/>
+          <a:ext cx="0" cy="0"/>
+          <a:chOff x="0" y="0"/>
+          <a:chExt cx="0" cy="0"/>
+        </a:xfrm>
+      </p:grpSpPr>
+      <p:sp>
+        <p:nvSpPr>
+          <p:cNvPr id="3" name="Content Placeholder 2">
+            <a:extLst>
+              <a:ext uri="{FF2B5EF4-FFF2-40B4-BE49-F238E27FC236}">
+                <a16:creationId xmlns:a16="http://schemas.microsoft.com/office/drawing/2014/main" id="{129571C8-DEF8-42C1-8183-8F8D4F7354E3}"/>
+              </a:ext>
+            </a:extLst>
+          </p:cNvPr>
+          <p:cNvSpPr>
+            <a:spLocks noGrp="1"/>
+          </p:cNvSpPr>
+          <p:nvPr>
+            <p:ph idx="1"/>
+          </p:nvPr>
+        </p:nvSpPr>
+        <p:spPr>
+          <a:xfrm>
+            <a:off x="176169" y="478172"/>
+            <a:ext cx="11744587" cy="6233021"/>
+          </a:xfrm>
+        </p:spPr>
+        <p:txBody>
+          <a:bodyPr anchor="ctr">
+            <a:normAutofit/>
+          </a:bodyPr>
+          <a:lstStyle/>
+          <a:p>
+            <a:pPr marL="0" indent="0" algn="ctr">
+              <a:buNone/>
+            </a:pPr>
+            <a:r>
+              <a:rPr lang="en-AU" kern="0" dirty="0"/>
+              <a:t>EXAMPLE</a:t>
+            </a:r>
+          </a:p>
+        </p:txBody>
+      </p:sp>
+    </p:spTree>
+    <p:extLst>
+      <p:ext uri="{BB962C8B-B14F-4D97-AF65-F5344CB8AC3E}">
+        <p14:creationId xmlns:p14="http://schemas.microsoft.com/office/powerpoint/2010/main" val="63043188"/>
+      </p:ext>
+    </p:extLst>
+  </p:cSld>
+  <p:clrMapOvr>
+    <a:masterClrMapping/>
+  </p:clrMapOvr>
+</p:sld>
+</file>
+
 <file path=ppt/slides/slide18.xml><?xml version="1.0" encoding="utf-8"?>
 <p:sld xmlns:a="http://schemas.openxmlformats.org/drawingml/2006/main" xmlns:r="http://schemas.openxmlformats.org/officeDocument/2006/relationships" xmlns:p="http://schemas.openxmlformats.org/presentationml/2006/main">
   <p:cSld>
@@ -3994,46 +4388,181 @@
       </p:grpSpPr>
       <p:sp>
         <p:nvSpPr>
+          <p:cNvPr id="2" name="Title 1">
+            <a:extLst>
+              <a:ext uri="{FF2B5EF4-FFF2-40B4-BE49-F238E27FC236}">
+                <a16:creationId xmlns:a16="http://schemas.microsoft.com/office/drawing/2014/main" id="{262F8B6C-026D-4DAD-BCB5-73DD0BB126C9}"/>
+              </a:ext>
+            </a:extLst>
+          </p:cNvPr>
+          <p:cNvSpPr>
+            <a:spLocks noGrp="1"/>
+          </p:cNvSpPr>
+          <p:nvPr>
+            <p:ph type="title"/>
+          </p:nvPr>
+        </p:nvSpPr>
+        <p:spPr/>
+        <p:txBody>
+          <a:bodyPr/>
+          <a:lstStyle/>
+          <a:p>
+            <a:r>
+              <a:rPr lang="en-AU" dirty="0"/>
+              <a:t>Message Types (Cards)</a:t>
+            </a:r>
+          </a:p>
+        </p:txBody>
+      </p:sp>
+      <p:sp>
+        <p:nvSpPr>
           <p:cNvPr id="3" name="Content Placeholder 2">
             <a:extLst>
               <a:ext uri="{FF2B5EF4-FFF2-40B4-BE49-F238E27FC236}">
-                <a16:creationId xmlns:a16="http://schemas.microsoft.com/office/drawing/2014/main" id="{129571C8-DEF8-42C1-8183-8F8D4F7354E3}"/>
-              </a:ext>
-            </a:extLst>
-          </p:cNvPr>
-          <p:cNvSpPr>
-            <a:spLocks noGrp="1"/>
-          </p:cNvSpPr>
-          <p:nvPr>
-            <p:ph idx="1"/>
-          </p:nvPr>
-        </p:nvSpPr>
-        <p:spPr>
-          <a:xfrm>
-            <a:off x="176169" y="478172"/>
-            <a:ext cx="11744587" cy="6233021"/>
-          </a:xfrm>
-        </p:spPr>
-        <p:txBody>
-          <a:bodyPr anchor="ctr">
-            <a:normAutofit/>
-          </a:bodyPr>
-          <a:lstStyle/>
-          <a:p>
-            <a:pPr marL="0" indent="0" algn="ctr">
-              <a:buNone/>
-            </a:pPr>
-            <a:r>
-              <a:rPr lang="en-AU" kern="0" dirty="0"/>
-              <a:t>EXAMPLE</a:t>
-            </a:r>
+                <a16:creationId xmlns:a16="http://schemas.microsoft.com/office/drawing/2014/main" id="{A6647D2A-4E91-48A8-8D83-7EE2E6278705}"/>
+              </a:ext>
+            </a:extLst>
+          </p:cNvPr>
+          <p:cNvSpPr>
+            <a:spLocks noGrp="1"/>
+          </p:cNvSpPr>
+          <p:nvPr>
+            <p:ph sz="half" idx="1"/>
+          </p:nvPr>
+        </p:nvSpPr>
+        <p:spPr/>
+        <p:txBody>
+          <a:bodyPr/>
+          <a:lstStyle/>
+          <a:p>
+            <a:r>
+              <a:rPr lang="en-AU" dirty="0"/>
+              <a:t>Can be rendered as a list or a carousel</a:t>
+            </a:r>
+          </a:p>
+          <a:p>
+            <a:endParaRPr lang="en-AU" dirty="0"/>
+          </a:p>
+          <a:p>
+            <a:r>
+              <a:rPr lang="en-AU" dirty="0"/>
+              <a:t>Rich cards:</a:t>
+            </a:r>
+          </a:p>
+          <a:p>
+            <a:pPr lvl="1"/>
+            <a:r>
+              <a:rPr lang="en-AU" dirty="0" err="1"/>
+              <a:t>AnimationCard</a:t>
+            </a:r>
+            <a:endParaRPr lang="en-AU" dirty="0"/>
+          </a:p>
+          <a:p>
+            <a:pPr lvl="1"/>
+            <a:r>
+              <a:rPr lang="en-AU" dirty="0" err="1"/>
+              <a:t>AudioCard</a:t>
+            </a:r>
+            <a:endParaRPr lang="en-AU" dirty="0"/>
+          </a:p>
+          <a:p>
+            <a:pPr lvl="1"/>
+            <a:r>
+              <a:rPr lang="en-AU" dirty="0" err="1"/>
+              <a:t>HeroCard</a:t>
+            </a:r>
+            <a:endParaRPr lang="en-AU" dirty="0"/>
+          </a:p>
+          <a:p>
+            <a:pPr lvl="1"/>
+            <a:r>
+              <a:rPr lang="en-AU" dirty="0" err="1"/>
+              <a:t>ThumbnailCard</a:t>
+            </a:r>
+            <a:endParaRPr lang="en-AU" dirty="0"/>
+          </a:p>
+          <a:p>
+            <a:pPr lvl="1"/>
+            <a:r>
+              <a:rPr lang="en-AU" dirty="0" err="1"/>
+              <a:t>SignInCard</a:t>
+            </a:r>
+            <a:endParaRPr lang="en-AU" dirty="0"/>
+          </a:p>
+          <a:p>
+            <a:pPr lvl="1"/>
+            <a:r>
+              <a:rPr lang="en-AU" dirty="0" err="1"/>
+              <a:t>VideoCard</a:t>
+            </a:r>
+            <a:endParaRPr lang="en-AU" dirty="0"/>
+          </a:p>
+        </p:txBody>
+      </p:sp>
+      <p:sp>
+        <p:nvSpPr>
+          <p:cNvPr id="4" name="Content Placeholder 3">
+            <a:extLst>
+              <a:ext uri="{FF2B5EF4-FFF2-40B4-BE49-F238E27FC236}">
+                <a16:creationId xmlns:a16="http://schemas.microsoft.com/office/drawing/2014/main" id="{392118C7-7CC6-427D-AA71-55BEC303BE75}"/>
+              </a:ext>
+            </a:extLst>
+          </p:cNvPr>
+          <p:cNvSpPr>
+            <a:spLocks noGrp="1"/>
+          </p:cNvSpPr>
+          <p:nvPr>
+            <p:ph sz="half" idx="2"/>
+          </p:nvPr>
+        </p:nvSpPr>
+        <p:spPr/>
+        <p:txBody>
+          <a:bodyPr/>
+          <a:lstStyle/>
+          <a:p>
+            <a:r>
+              <a:rPr lang="en-AU" dirty="0"/>
+              <a:t>May contain buttons</a:t>
+            </a:r>
+          </a:p>
+          <a:p>
+            <a:pPr lvl="1"/>
+            <a:r>
+              <a:rPr lang="en-AU" dirty="0"/>
+              <a:t>Good for simplifying user input</a:t>
+            </a:r>
+          </a:p>
+          <a:p>
+            <a:pPr lvl="1"/>
+            <a:endParaRPr lang="en-AU" dirty="0"/>
+          </a:p>
+          <a:p>
+            <a:r>
+              <a:rPr lang="en-AU" dirty="0"/>
+              <a:t>Can contain input hints</a:t>
+            </a:r>
+          </a:p>
+          <a:p>
+            <a:pPr lvl="1"/>
+            <a:r>
+              <a:rPr lang="en-AU" dirty="0"/>
+              <a:t>Show/hide keyboard</a:t>
+            </a:r>
+          </a:p>
+          <a:p>
+            <a:pPr lvl="1"/>
+            <a:endParaRPr lang="en-AU" dirty="0"/>
+          </a:p>
+          <a:p>
+            <a:pPr lvl="1"/>
+            <a:endParaRPr lang="en-AU" dirty="0"/>
           </a:p>
         </p:txBody>
       </p:sp>
     </p:spTree>
     <p:extLst>
       <p:ext uri="{BB962C8B-B14F-4D97-AF65-F5344CB8AC3E}">
-        <p14:creationId xmlns:p14="http://schemas.microsoft.com/office/powerpoint/2010/main" val="63043188"/>
+        <p14:creationId xmlns:p14="http://schemas.microsoft.com/office/powerpoint/2010/main" val="395707623"/>
       </p:ext>
     </p:extLst>
   </p:cSld>
@@ -4062,10 +4591,10 @@
       </p:grpSpPr>
       <p:sp>
         <p:nvSpPr>
-          <p:cNvPr id="2" name="Title 1">
-            <a:extLst>
-              <a:ext uri="{FF2B5EF4-FFF2-40B4-BE49-F238E27FC236}">
-                <a16:creationId xmlns:a16="http://schemas.microsoft.com/office/drawing/2014/main" id="{262F8B6C-026D-4DAD-BCB5-73DD0BB126C9}"/>
+          <p:cNvPr id="5" name="Title 4">
+            <a:extLst>
+              <a:ext uri="{FF2B5EF4-FFF2-40B4-BE49-F238E27FC236}">
+                <a16:creationId xmlns:a16="http://schemas.microsoft.com/office/drawing/2014/main" id="{616EC1D6-8D7B-4A1F-AE55-0BCB5FB1B6BE}"/>
               </a:ext>
             </a:extLst>
           </p:cNvPr>
@@ -4083,25 +4612,25 @@
           <a:p>
             <a:r>
               <a:rPr lang="en-AU" dirty="0"/>
-              <a:t>Message Types (Cards)</a:t>
-            </a:r>
-          </a:p>
-        </p:txBody>
-      </p:sp>
-      <p:sp>
-        <p:nvSpPr>
-          <p:cNvPr id="3" name="Content Placeholder 2">
-            <a:extLst>
-              <a:ext uri="{FF2B5EF4-FFF2-40B4-BE49-F238E27FC236}">
-                <a16:creationId xmlns:a16="http://schemas.microsoft.com/office/drawing/2014/main" id="{A6647D2A-4E91-48A8-8D83-7EE2E6278705}"/>
-              </a:ext>
-            </a:extLst>
-          </p:cNvPr>
-          <p:cNvSpPr>
-            <a:spLocks noGrp="1"/>
-          </p:cNvSpPr>
-          <p:nvPr>
-            <p:ph sz="half" idx="1"/>
+              <a:t>Advanced Features</a:t>
+            </a:r>
+          </a:p>
+        </p:txBody>
+      </p:sp>
+      <p:sp>
+        <p:nvSpPr>
+          <p:cNvPr id="6" name="Content Placeholder 5">
+            <a:extLst>
+              <a:ext uri="{FF2B5EF4-FFF2-40B4-BE49-F238E27FC236}">
+                <a16:creationId xmlns:a16="http://schemas.microsoft.com/office/drawing/2014/main" id="{2E1AB654-72DF-40B6-A52D-AD90428E0113}"/>
+              </a:ext>
+            </a:extLst>
+          </p:cNvPr>
+          <p:cNvSpPr>
+            <a:spLocks noGrp="1"/>
+          </p:cNvSpPr>
+          <p:nvPr>
+            <p:ph idx="1"/>
           </p:nvPr>
         </p:nvSpPr>
         <p:spPr/>
@@ -4111,7 +4640,7 @@
           <a:p>
             <a:r>
               <a:rPr lang="en-AU" dirty="0"/>
-              <a:t>Can be rendered as a list or a carousel</a:t>
+              <a:t>Integration with multiple channels</a:t>
             </a:r>
           </a:p>
           <a:p>
@@ -4120,123 +4649,33 @@
           <a:p>
             <a:r>
               <a:rPr lang="en-AU" dirty="0"/>
-              <a:t>Rich cards:</a:t>
-            </a:r>
-          </a:p>
-          <a:p>
-            <a:pPr lvl="1"/>
-            <a:r>
-              <a:rPr lang="en-AU" dirty="0" err="1"/>
-              <a:t>AnimationCard</a:t>
-            </a:r>
+              <a:t>Send “proactive messages”</a:t>
+            </a:r>
+          </a:p>
+          <a:p>
             <a:endParaRPr lang="en-AU" dirty="0"/>
           </a:p>
           <a:p>
-            <a:pPr lvl="1"/>
-            <a:r>
-              <a:rPr lang="en-AU" dirty="0" err="1"/>
-              <a:t>AudioCard</a:t>
-            </a:r>
+            <a:r>
+              <a:rPr lang="en-AU" dirty="0"/>
+              <a:t>Building complex forms from simple DTO’s</a:t>
+            </a:r>
+          </a:p>
+          <a:p>
             <a:endParaRPr lang="en-AU" dirty="0"/>
           </a:p>
           <a:p>
-            <a:pPr lvl="1"/>
-            <a:r>
-              <a:rPr lang="en-AU" dirty="0" err="1"/>
-              <a:t>HeroCard</a:t>
-            </a:r>
-            <a:endParaRPr lang="en-AU" dirty="0"/>
-          </a:p>
-          <a:p>
-            <a:pPr lvl="1"/>
-            <a:r>
-              <a:rPr lang="en-AU" dirty="0" err="1"/>
-              <a:t>ThumbnailCard</a:t>
-            </a:r>
-            <a:endParaRPr lang="en-AU" dirty="0"/>
-          </a:p>
-          <a:p>
-            <a:pPr lvl="1"/>
-            <a:r>
-              <a:rPr lang="en-AU" dirty="0" err="1"/>
-              <a:t>SignInCard</a:t>
-            </a:r>
-            <a:endParaRPr lang="en-AU" dirty="0"/>
-          </a:p>
-          <a:p>
-            <a:pPr lvl="1"/>
-            <a:r>
-              <a:rPr lang="en-AU" dirty="0" err="1"/>
-              <a:t>VideoCard</a:t>
-            </a:r>
-            <a:endParaRPr lang="en-AU" dirty="0"/>
-          </a:p>
-        </p:txBody>
-      </p:sp>
-      <p:sp>
-        <p:nvSpPr>
-          <p:cNvPr id="4" name="Content Placeholder 3">
-            <a:extLst>
-              <a:ext uri="{FF2B5EF4-FFF2-40B4-BE49-F238E27FC236}">
-                <a16:creationId xmlns:a16="http://schemas.microsoft.com/office/drawing/2014/main" id="{392118C7-7CC6-427D-AA71-55BEC303BE75}"/>
-              </a:ext>
-            </a:extLst>
-          </p:cNvPr>
-          <p:cNvSpPr>
-            <a:spLocks noGrp="1"/>
-          </p:cNvSpPr>
-          <p:nvPr>
-            <p:ph sz="half" idx="2"/>
-          </p:nvPr>
-        </p:nvSpPr>
-        <p:spPr/>
-        <p:txBody>
-          <a:bodyPr/>
-          <a:lstStyle/>
-          <a:p>
             <a:r>
               <a:rPr lang="en-AU" dirty="0"/>
-              <a:t>May contain buttons</a:t>
-            </a:r>
-          </a:p>
-          <a:p>
-            <a:pPr lvl="1"/>
-            <a:r>
-              <a:rPr lang="en-AU" dirty="0"/>
-              <a:t>Good for simplifying user input</a:t>
-            </a:r>
-          </a:p>
-          <a:p>
-            <a:pPr lvl="1"/>
-            <a:endParaRPr lang="en-AU" dirty="0"/>
-          </a:p>
-          <a:p>
-            <a:r>
-              <a:rPr lang="en-AU" dirty="0"/>
-              <a:t>Can contain input hints</a:t>
-            </a:r>
-          </a:p>
-          <a:p>
-            <a:pPr lvl="1"/>
-            <a:r>
-              <a:rPr lang="en-AU" dirty="0"/>
-              <a:t>Show/hide keyboard</a:t>
-            </a:r>
-          </a:p>
-          <a:p>
-            <a:pPr lvl="1"/>
-            <a:endParaRPr lang="en-AU" dirty="0"/>
-          </a:p>
-          <a:p>
-            <a:pPr lvl="1"/>
-            <a:endParaRPr lang="en-AU" dirty="0"/>
+              <a:t>Dialog Chains</a:t>
+            </a:r>
           </a:p>
         </p:txBody>
       </p:sp>
     </p:spTree>
     <p:extLst>
       <p:ext uri="{BB962C8B-B14F-4D97-AF65-F5344CB8AC3E}">
-        <p14:creationId xmlns:p14="http://schemas.microsoft.com/office/powerpoint/2010/main" val="395707623"/>
+        <p14:creationId xmlns:p14="http://schemas.microsoft.com/office/powerpoint/2010/main" val="3887964891"/>
       </p:ext>
     </p:extLst>
   </p:cSld>
@@ -4381,10 +4820,10 @@
       </p:grpSpPr>
       <p:sp>
         <p:nvSpPr>
-          <p:cNvPr id="5" name="Title 4">
-            <a:extLst>
-              <a:ext uri="{FF2B5EF4-FFF2-40B4-BE49-F238E27FC236}">
-                <a16:creationId xmlns:a16="http://schemas.microsoft.com/office/drawing/2014/main" id="{616EC1D6-8D7B-4A1F-AE55-0BCB5FB1B6BE}"/>
+          <p:cNvPr id="2" name="Title 1">
+            <a:extLst>
+              <a:ext uri="{FF2B5EF4-FFF2-40B4-BE49-F238E27FC236}">
+                <a16:creationId xmlns:a16="http://schemas.microsoft.com/office/drawing/2014/main" id="{2CAE173D-DFCB-4710-8AC2-9D5EF2E391D1}"/>
               </a:ext>
             </a:extLst>
           </p:cNvPr>
@@ -4400,19 +4839,16 @@
           <a:bodyPr/>
           <a:lstStyle/>
           <a:p>
-            <a:r>
-              <a:rPr lang="en-AU" dirty="0"/>
-              <a:t>Advanced Features</a:t>
-            </a:r>
-          </a:p>
-        </p:txBody>
-      </p:sp>
-      <p:sp>
-        <p:nvSpPr>
-          <p:cNvPr id="6" name="Content Placeholder 5">
-            <a:extLst>
-              <a:ext uri="{FF2B5EF4-FFF2-40B4-BE49-F238E27FC236}">
-                <a16:creationId xmlns:a16="http://schemas.microsoft.com/office/drawing/2014/main" id="{2E1AB654-72DF-40B6-A52D-AD90428E0113}"/>
+            <a:endParaRPr lang="en-AU"/>
+          </a:p>
+        </p:txBody>
+      </p:sp>
+      <p:sp>
+        <p:nvSpPr>
+          <p:cNvPr id="3" name="Content Placeholder 2">
+            <a:extLst>
+              <a:ext uri="{FF2B5EF4-FFF2-40B4-BE49-F238E27FC236}">
+                <a16:creationId xmlns:a16="http://schemas.microsoft.com/office/drawing/2014/main" id="{CD756090-3F1A-4869-9F68-E554C295F341}"/>
               </a:ext>
             </a:extLst>
           </p:cNvPr>
@@ -4428,44 +4864,14 @@
           <a:bodyPr/>
           <a:lstStyle/>
           <a:p>
-            <a:r>
-              <a:rPr lang="en-AU" dirty="0"/>
-              <a:t>Integration with multiple channels</a:t>
-            </a:r>
-          </a:p>
-          <a:p>
-            <a:endParaRPr lang="en-AU" dirty="0"/>
-          </a:p>
-          <a:p>
-            <a:r>
-              <a:rPr lang="en-AU" dirty="0"/>
-              <a:t>Send “proactive messages”</a:t>
-            </a:r>
-          </a:p>
-          <a:p>
-            <a:endParaRPr lang="en-AU" dirty="0"/>
-          </a:p>
-          <a:p>
-            <a:r>
-              <a:rPr lang="en-AU" dirty="0"/>
-              <a:t>Building complex forms from simple DTO’s</a:t>
-            </a:r>
-          </a:p>
-          <a:p>
-            <a:endParaRPr lang="en-AU" dirty="0"/>
-          </a:p>
-          <a:p>
-            <a:r>
-              <a:rPr lang="en-AU" dirty="0"/>
-              <a:t>Dialog Chains</a:t>
-            </a:r>
+            <a:endParaRPr lang="en-AU"/>
           </a:p>
         </p:txBody>
       </p:sp>
     </p:spTree>
     <p:extLst>
       <p:ext uri="{BB962C8B-B14F-4D97-AF65-F5344CB8AC3E}">
-        <p14:creationId xmlns:p14="http://schemas.microsoft.com/office/powerpoint/2010/main" val="3887964891"/>
+        <p14:creationId xmlns:p14="http://schemas.microsoft.com/office/powerpoint/2010/main" val="323177114"/>
       </p:ext>
     </p:extLst>
   </p:cSld>
@@ -4957,10 +5363,15 @@
             <p:ph sz="half" idx="1"/>
           </p:nvPr>
         </p:nvSpPr>
-        <p:spPr/>
+        <p:spPr>
+          <a:xfrm>
+            <a:off x="838200" y="1825625"/>
+            <a:ext cx="5181600" cy="4513031"/>
+          </a:xfrm>
+        </p:spPr>
         <p:txBody>
           <a:bodyPr anchor="t">
-            <a:normAutofit/>
+            <a:normAutofit fontScale="92500" lnSpcReduction="10000"/>
           </a:bodyPr>
           <a:lstStyle/>
           <a:p>
@@ -4989,8 +5400,14 @@
             </a:pPr>
             <a:r>
               <a:rPr lang="en-AU" kern="0" dirty="0"/>
-              <a:t>1. Tell a simple Q/A joke</a:t>
-            </a:r>
+              <a:t>1. Tell a simple Q/A joke (use a Dialog)</a:t>
+            </a:r>
+          </a:p>
+          <a:p>
+            <a:pPr marL="0" indent="0">
+              <a:buNone/>
+            </a:pPr>
+            <a:endParaRPr lang="en-AU" kern="0" dirty="0"/>
           </a:p>
           <a:p>
             <a:pPr marL="0" indent="0">
@@ -5000,6 +5417,12 @@
               <a:rPr lang="en-AU" kern="0" dirty="0"/>
               <a:t>2. Give details about the venue (e.g. where are the toilets)</a:t>
             </a:r>
+          </a:p>
+          <a:p>
+            <a:pPr marL="0" indent="0">
+              <a:buNone/>
+            </a:pPr>
+            <a:endParaRPr lang="en-AU" kern="0" dirty="0"/>
           </a:p>
           <a:p>
             <a:pPr marL="0" indent="0">
@@ -5227,6 +5650,36 @@
           <a:p>
             <a:endParaRPr lang="en-AU" kern="0" dirty="0"/>
           </a:p>
+          <a:p>
+            <a:endParaRPr lang="en-AU" kern="0" dirty="0"/>
+          </a:p>
+          <a:p>
+            <a:endParaRPr lang="en-AU" kern="0" dirty="0"/>
+          </a:p>
+          <a:p>
+            <a:pPr marL="0" indent="0">
+              <a:buNone/>
+            </a:pPr>
+            <a:endParaRPr lang="en-AU" kern="0" dirty="0"/>
+          </a:p>
+          <a:p>
+            <a:pPr marL="0" indent="0">
+              <a:buNone/>
+            </a:pPr>
+            <a:r>
+              <a:rPr lang="en-AU" sz="1600" kern="0" dirty="0"/>
+              <a:t>* Use LUIS to identify intents for each step</a:t>
+            </a:r>
+          </a:p>
+          <a:p>
+            <a:pPr marL="514350" indent="-514350">
+              <a:buAutoNum type="arabicPeriod"/>
+            </a:pPr>
+            <a:endParaRPr lang="en-AU" kern="0" dirty="0"/>
+          </a:p>
+          <a:p>
+            <a:endParaRPr lang="en-AU" kern="0" dirty="0"/>
+          </a:p>
         </p:txBody>
       </p:sp>
     </p:spTree>
@@ -5910,7 +6363,7 @@
           <a:p>
             <a:r>
               <a:rPr lang="en-AU" dirty="0"/>
-              <a:t>Programming Time</a:t>
+              <a:t>Programming Time!</a:t>
             </a:r>
           </a:p>
         </p:txBody>
@@ -6216,12 +6669,8 @@
               <a:buNone/>
             </a:pPr>
             <a:r>
-              <a:rPr lang="en-AU" kern="0" dirty="0"/>
-              <a:t>Find </a:t>
-            </a:r>
-            <a:r>
               <a:rPr lang="en-AU" dirty="0" err="1"/>
-              <a:t>RootDialog</a:t>
+              <a:t>RootDialog.cs</a:t>
             </a:r>
             <a:endParaRPr lang="en-AU" dirty="0"/>
           </a:p>
@@ -6274,7 +6723,7 @@
           <p:cNvPr id="2" name="Title 1">
             <a:extLst>
               <a:ext uri="{FF2B5EF4-FFF2-40B4-BE49-F238E27FC236}">
-                <a16:creationId xmlns:a16="http://schemas.microsoft.com/office/drawing/2014/main" id="{9C679AA2-AA00-42C4-AEE5-9D9AD304BCF9}"/>
+                <a16:creationId xmlns:a16="http://schemas.microsoft.com/office/drawing/2014/main" id="{84A3980C-A22E-4B70-BB0A-81253A30EB1C}"/>
               </a:ext>
             </a:extLst>
           </p:cNvPr>
@@ -6292,7 +6741,7 @@
           <a:p>
             <a:r>
               <a:rPr lang="en-AU" dirty="0"/>
-              <a:t>Core Concepts - Prompts</a:t>
+              <a:t>Core Concepts – Dialog Stack</a:t>
             </a:r>
           </a:p>
         </p:txBody>
@@ -6302,7 +6751,7 @@
           <p:cNvPr id="3" name="Content Placeholder 2">
             <a:extLst>
               <a:ext uri="{FF2B5EF4-FFF2-40B4-BE49-F238E27FC236}">
-                <a16:creationId xmlns:a16="http://schemas.microsoft.com/office/drawing/2014/main" id="{5DE2C3F3-D46B-4E43-9EEB-F8887BF67C6F}"/>
+                <a16:creationId xmlns:a16="http://schemas.microsoft.com/office/drawing/2014/main" id="{87DAEFD5-3D70-41AD-846A-F869F431DC2E}"/>
               </a:ext>
             </a:extLst>
           </p:cNvPr>
@@ -6313,46 +6762,59 @@
             <p:ph idx="1"/>
           </p:nvPr>
         </p:nvSpPr>
-        <p:spPr/>
-        <p:txBody>
-          <a:bodyPr/>
+        <p:spPr>
+          <a:xfrm>
+            <a:off x="838200" y="1825625"/>
+            <a:ext cx="10515600" cy="2737986"/>
+          </a:xfrm>
+        </p:spPr>
+        <p:txBody>
+          <a:bodyPr>
+            <a:normAutofit fontScale="85000" lnSpcReduction="20000"/>
+          </a:bodyPr>
           <a:lstStyle/>
           <a:p>
             <a:r>
               <a:rPr lang="en-AU" dirty="0"/>
-              <a:t>How we gather data from users</a:t>
+              <a:t>Dialogs can be pushed onto and popped off the stack</a:t>
             </a:r>
           </a:p>
           <a:p>
             <a:endParaRPr lang="en-AU" dirty="0"/>
           </a:p>
           <a:p>
-            <a:pPr lvl="1"/>
             <a:r>
               <a:rPr lang="en-AU" dirty="0"/>
-              <a:t>Free Form</a:t>
-            </a:r>
-          </a:p>
-          <a:p>
-            <a:pPr lvl="1"/>
+              <a:t>Top dialog in the stack processes all incoming messages</a:t>
+            </a:r>
+          </a:p>
+          <a:p>
+            <a:endParaRPr lang="en-AU" dirty="0"/>
+          </a:p>
+          <a:p>
             <a:r>
               <a:rPr lang="en-AU" dirty="0"/>
-              <a:t>List of Options</a:t>
-            </a:r>
-          </a:p>
-          <a:p>
-            <a:pPr lvl="1"/>
+              <a:t>Data can be pushed from one dialog to it’s child</a:t>
+            </a:r>
+          </a:p>
+          <a:p>
+            <a:endParaRPr lang="en-AU" dirty="0"/>
+          </a:p>
+          <a:p>
             <a:r>
               <a:rPr lang="en-AU" dirty="0"/>
-              <a:t>Numbers / Specific Format</a:t>
-            </a:r>
+              <a:t>Data can be returned from a child dialog to it’s parent</a:t>
+            </a:r>
+          </a:p>
+          <a:p>
+            <a:endParaRPr lang="en-AU" dirty="0"/>
           </a:p>
         </p:txBody>
       </p:sp>
     </p:spTree>
     <p:extLst>
       <p:ext uri="{BB962C8B-B14F-4D97-AF65-F5344CB8AC3E}">
-        <p14:creationId xmlns:p14="http://schemas.microsoft.com/office/powerpoint/2010/main" val="2517038432"/>
+        <p14:creationId xmlns:p14="http://schemas.microsoft.com/office/powerpoint/2010/main" val="2180978101"/>
       </p:ext>
     </p:extLst>
   </p:cSld>
@@ -6655,4 +7117,299 @@
     </a:ext>
   </a:extLst>
 </a:theme>
+</file>
+
+<file path=ppt/theme/theme2.xml><?xml version="1.0" encoding="utf-8"?>
+<a:theme xmlns:a="http://schemas.openxmlformats.org/drawingml/2006/main" name="Office Theme">
+  <a:themeElements>
+    <a:clrScheme name="Office">
+      <a:dk1>
+        <a:sysClr val="windowText" lastClr="000000"/>
+      </a:dk1>
+      <a:lt1>
+        <a:sysClr val="window" lastClr="FFFFFF"/>
+      </a:lt1>
+      <a:dk2>
+        <a:srgbClr val="44546A"/>
+      </a:dk2>
+      <a:lt2>
+        <a:srgbClr val="E7E6E6"/>
+      </a:lt2>
+      <a:accent1>
+        <a:srgbClr val="4472C4"/>
+      </a:accent1>
+      <a:accent2>
+        <a:srgbClr val="ED7D31"/>
+      </a:accent2>
+      <a:accent3>
+        <a:srgbClr val="A5A5A5"/>
+      </a:accent3>
+      <a:accent4>
+        <a:srgbClr val="FFC000"/>
+      </a:accent4>
+      <a:accent5>
+        <a:srgbClr val="5B9BD5"/>
+      </a:accent5>
+      <a:accent6>
+        <a:srgbClr val="70AD47"/>
+      </a:accent6>
+      <a:hlink>
+        <a:srgbClr val="0563C1"/>
+      </a:hlink>
+      <a:folHlink>
+        <a:srgbClr val="954F72"/>
+      </a:folHlink>
+    </a:clrScheme>
+    <a:fontScheme name="Office">
+      <a:majorFont>
+        <a:latin typeface="Calibri Light" panose="020F0302020204030204"/>
+        <a:ea typeface=""/>
+        <a:cs typeface=""/>
+        <a:font script="Jpan" typeface="游ゴシック Light"/>
+        <a:font script="Hang" typeface="맑은 고딕"/>
+        <a:font script="Hans" typeface="等线 Light"/>
+        <a:font script="Hant" typeface="新細明體"/>
+        <a:font script="Arab" typeface="Times New Roman"/>
+        <a:font script="Hebr" typeface="Times New Roman"/>
+        <a:font script="Thai" typeface="Angsana New"/>
+        <a:font script="Ethi" typeface="Nyala"/>
+        <a:font script="Beng" typeface="Vrinda"/>
+        <a:font script="Gujr" typeface="Shruti"/>
+        <a:font script="Khmr" typeface="MoolBoran"/>
+        <a:font script="Knda" typeface="Tunga"/>
+        <a:font script="Guru" typeface="Raavi"/>
+        <a:font script="Cans" typeface="Euphemia"/>
+        <a:font script="Cher" typeface="Plantagenet Cherokee"/>
+        <a:font script="Yiii" typeface="Microsoft Yi Baiti"/>
+        <a:font script="Tibt" typeface="Microsoft Himalaya"/>
+        <a:font script="Thaa" typeface="MV Boli"/>
+        <a:font script="Deva" typeface="Mangal"/>
+        <a:font script="Telu" typeface="Gautami"/>
+        <a:font script="Taml" typeface="Latha"/>
+        <a:font script="Syrc" typeface="Estrangelo Edessa"/>
+        <a:font script="Orya" typeface="Kalinga"/>
+        <a:font script="Mlym" typeface="Kartika"/>
+        <a:font script="Laoo" typeface="DokChampa"/>
+        <a:font script="Sinh" typeface="Iskoola Pota"/>
+        <a:font script="Mong" typeface="Mongolian Baiti"/>
+        <a:font script="Viet" typeface="Times New Roman"/>
+        <a:font script="Uigh" typeface="Microsoft Uighur"/>
+        <a:font script="Geor" typeface="Sylfaen"/>
+        <a:font script="Armn" typeface="Arial"/>
+        <a:font script="Bugi" typeface="Leelawadee UI"/>
+        <a:font script="Bopo" typeface="Microsoft JhengHei"/>
+        <a:font script="Java" typeface="Javanese Text"/>
+        <a:font script="Lisu" typeface="Segoe UI"/>
+        <a:font script="Mymr" typeface="Myanmar Text"/>
+        <a:font script="Nkoo" typeface="Ebrima"/>
+        <a:font script="Olck" typeface="Nirmala UI"/>
+        <a:font script="Osma" typeface="Ebrima"/>
+        <a:font script="Phag" typeface="Phagspa"/>
+        <a:font script="Syrn" typeface="Estrangelo Edessa"/>
+        <a:font script="Syrj" typeface="Estrangelo Edessa"/>
+        <a:font script="Syre" typeface="Estrangelo Edessa"/>
+        <a:font script="Sora" typeface="Nirmala UI"/>
+        <a:font script="Tale" typeface="Microsoft Tai Le"/>
+        <a:font script="Talu" typeface="Microsoft New Tai Lue"/>
+        <a:font script="Tfng" typeface="Ebrima"/>
+      </a:majorFont>
+      <a:minorFont>
+        <a:latin typeface="Calibri" panose="020F0502020204030204"/>
+        <a:ea typeface=""/>
+        <a:cs typeface=""/>
+        <a:font script="Jpan" typeface="游ゴシック"/>
+        <a:font script="Hang" typeface="맑은 고딕"/>
+        <a:font script="Hans" typeface="等线"/>
+        <a:font script="Hant" typeface="新細明體"/>
+        <a:font script="Arab" typeface="Arial"/>
+        <a:font script="Hebr" typeface="Arial"/>
+        <a:font script="Thai" typeface="Cordia New"/>
+        <a:font script="Ethi" typeface="Nyala"/>
+        <a:font script="Beng" typeface="Vrinda"/>
+        <a:font script="Gujr" typeface="Shruti"/>
+        <a:font script="Khmr" typeface="DaunPenh"/>
+        <a:font script="Knda" typeface="Tunga"/>
+        <a:font script="Guru" typeface="Raavi"/>
+        <a:font script="Cans" typeface="Euphemia"/>
+        <a:font script="Cher" typeface="Plantagenet Cherokee"/>
+        <a:font script="Yiii" typeface="Microsoft Yi Baiti"/>
+        <a:font script="Tibt" typeface="Microsoft Himalaya"/>
+        <a:font script="Thaa" typeface="MV Boli"/>
+        <a:font script="Deva" typeface="Mangal"/>
+        <a:font script="Telu" typeface="Gautami"/>
+        <a:font script="Taml" typeface="Latha"/>
+        <a:font script="Syrc" typeface="Estrangelo Edessa"/>
+        <a:font script="Orya" typeface="Kalinga"/>
+        <a:font script="Mlym" typeface="Kartika"/>
+        <a:font script="Laoo" typeface="DokChampa"/>
+        <a:font script="Sinh" typeface="Iskoola Pota"/>
+        <a:font script="Mong" typeface="Mongolian Baiti"/>
+        <a:font script="Viet" typeface="Arial"/>
+        <a:font script="Uigh" typeface="Microsoft Uighur"/>
+        <a:font script="Geor" typeface="Sylfaen"/>
+        <a:font script="Armn" typeface="Arial"/>
+        <a:font script="Bugi" typeface="Leelawadee UI"/>
+        <a:font script="Bopo" typeface="Microsoft JhengHei"/>
+        <a:font script="Java" typeface="Javanese Text"/>
+        <a:font script="Lisu" typeface="Segoe UI"/>
+        <a:font script="Mymr" typeface="Myanmar Text"/>
+        <a:font script="Nkoo" typeface="Ebrima"/>
+        <a:font script="Olck" typeface="Nirmala UI"/>
+        <a:font script="Osma" typeface="Ebrima"/>
+        <a:font script="Phag" typeface="Phagspa"/>
+        <a:font script="Syrn" typeface="Estrangelo Edessa"/>
+        <a:font script="Syrj" typeface="Estrangelo Edessa"/>
+        <a:font script="Syre" typeface="Estrangelo Edessa"/>
+        <a:font script="Sora" typeface="Nirmala UI"/>
+        <a:font script="Tale" typeface="Microsoft Tai Le"/>
+        <a:font script="Talu" typeface="Microsoft New Tai Lue"/>
+        <a:font script="Tfng" typeface="Ebrima"/>
+      </a:minorFont>
+    </a:fontScheme>
+    <a:fmtScheme name="Office">
+      <a:fillStyleLst>
+        <a:solidFill>
+          <a:schemeClr val="phClr"/>
+        </a:solidFill>
+        <a:gradFill rotWithShape="1">
+          <a:gsLst>
+            <a:gs pos="0">
+              <a:schemeClr val="phClr">
+                <a:lumMod val="110000"/>
+                <a:satMod val="105000"/>
+                <a:tint val="67000"/>
+              </a:schemeClr>
+            </a:gs>
+            <a:gs pos="50000">
+              <a:schemeClr val="phClr">
+                <a:lumMod val="105000"/>
+                <a:satMod val="103000"/>
+                <a:tint val="73000"/>
+              </a:schemeClr>
+            </a:gs>
+            <a:gs pos="100000">
+              <a:schemeClr val="phClr">
+                <a:lumMod val="105000"/>
+                <a:satMod val="109000"/>
+                <a:tint val="81000"/>
+              </a:schemeClr>
+            </a:gs>
+          </a:gsLst>
+          <a:lin ang="5400000" scaled="0"/>
+        </a:gradFill>
+        <a:gradFill rotWithShape="1">
+          <a:gsLst>
+            <a:gs pos="0">
+              <a:schemeClr val="phClr">
+                <a:satMod val="103000"/>
+                <a:lumMod val="102000"/>
+                <a:tint val="94000"/>
+              </a:schemeClr>
+            </a:gs>
+            <a:gs pos="50000">
+              <a:schemeClr val="phClr">
+                <a:satMod val="110000"/>
+                <a:lumMod val="100000"/>
+                <a:shade val="100000"/>
+              </a:schemeClr>
+            </a:gs>
+            <a:gs pos="100000">
+              <a:schemeClr val="phClr">
+                <a:lumMod val="99000"/>
+                <a:satMod val="120000"/>
+                <a:shade val="78000"/>
+              </a:schemeClr>
+            </a:gs>
+          </a:gsLst>
+          <a:lin ang="5400000" scaled="0"/>
+        </a:gradFill>
+      </a:fillStyleLst>
+      <a:lnStyleLst>
+        <a:ln w="6350" cap="flat" cmpd="sng" algn="ctr">
+          <a:solidFill>
+            <a:schemeClr val="phClr"/>
+          </a:solidFill>
+          <a:prstDash val="solid"/>
+          <a:miter lim="800000"/>
+        </a:ln>
+        <a:ln w="12700" cap="flat" cmpd="sng" algn="ctr">
+          <a:solidFill>
+            <a:schemeClr val="phClr"/>
+          </a:solidFill>
+          <a:prstDash val="solid"/>
+          <a:miter lim="800000"/>
+        </a:ln>
+        <a:ln w="19050" cap="flat" cmpd="sng" algn="ctr">
+          <a:solidFill>
+            <a:schemeClr val="phClr"/>
+          </a:solidFill>
+          <a:prstDash val="solid"/>
+          <a:miter lim="800000"/>
+        </a:ln>
+      </a:lnStyleLst>
+      <a:effectStyleLst>
+        <a:effectStyle>
+          <a:effectLst/>
+        </a:effectStyle>
+        <a:effectStyle>
+          <a:effectLst/>
+        </a:effectStyle>
+        <a:effectStyle>
+          <a:effectLst>
+            <a:outerShdw blurRad="57150" dist="19050" dir="5400000" algn="ctr" rotWithShape="0">
+              <a:srgbClr val="000000">
+                <a:alpha val="63000"/>
+              </a:srgbClr>
+            </a:outerShdw>
+          </a:effectLst>
+        </a:effectStyle>
+      </a:effectStyleLst>
+      <a:bgFillStyleLst>
+        <a:solidFill>
+          <a:schemeClr val="phClr"/>
+        </a:solidFill>
+        <a:solidFill>
+          <a:schemeClr val="phClr">
+            <a:tint val="95000"/>
+            <a:satMod val="170000"/>
+          </a:schemeClr>
+        </a:solidFill>
+        <a:gradFill rotWithShape="1">
+          <a:gsLst>
+            <a:gs pos="0">
+              <a:schemeClr val="phClr">
+                <a:tint val="93000"/>
+                <a:satMod val="150000"/>
+                <a:shade val="98000"/>
+                <a:lumMod val="102000"/>
+              </a:schemeClr>
+            </a:gs>
+            <a:gs pos="50000">
+              <a:schemeClr val="phClr">
+                <a:tint val="98000"/>
+                <a:satMod val="130000"/>
+                <a:shade val="90000"/>
+                <a:lumMod val="103000"/>
+              </a:schemeClr>
+            </a:gs>
+            <a:gs pos="100000">
+              <a:schemeClr val="phClr">
+                <a:shade val="63000"/>
+                <a:satMod val="120000"/>
+              </a:schemeClr>
+            </a:gs>
+          </a:gsLst>
+          <a:lin ang="5400000" scaled="0"/>
+        </a:gradFill>
+      </a:bgFillStyleLst>
+    </a:fmtScheme>
+  </a:themeElements>
+  <a:objectDefaults/>
+  <a:extraClrSchemeLst/>
+  <a:extLst>
+    <a:ext uri="{05A4C25C-085E-4340-85A3-A5531E510DB2}">
+      <thm15:themeFamily xmlns:thm15="http://schemas.microsoft.com/office/thememl/2012/main" name="Office Theme" id="{62F939B6-93AF-4DB8-9C6B-D6C7DFDC589F}" vid="{4A3C46E8-61CC-4603-A589-7422A47A8E4A}"/>
+    </a:ext>
+  </a:extLst>
+</a:theme>
 </file>
--- a/Introduction to the Microsoft Bot Framework.pptx
+++ b/Introduction to the Microsoft Bot Framework.pptx
@@ -13,8 +13,8 @@
     <p:sldId id="282" r:id="rId4"/>
     <p:sldId id="283" r:id="rId5"/>
     <p:sldId id="258" r:id="rId6"/>
-    <p:sldId id="270" r:id="rId7"/>
-    <p:sldId id="259" r:id="rId8"/>
+    <p:sldId id="259" r:id="rId7"/>
+    <p:sldId id="270" r:id="rId8"/>
     <p:sldId id="272" r:id="rId9"/>
     <p:sldId id="260" r:id="rId10"/>
     <p:sldId id="262" r:id="rId11"/>
@@ -225,7 +225,7 @@
           <a:p>
             <a:fld id="{6112063D-0071-4615-8D19-28E73C9AD708}" type="datetimeFigureOut">
               <a:rPr lang="en-AU" smtClean="0"/>
-              <a:t>24/07/2017</a:t>
+              <a:t>26/07/2017</a:t>
             </a:fld>
             <a:endParaRPr lang="en-AU"/>
           </a:p>
@@ -561,7 +561,7 @@
           <a:p>
             <a:fld id="{B0963970-F77D-4550-9FC6-19F442B9E04B}" type="slidenum">
               <a:rPr lang="en-AU" smtClean="0"/>
-              <a:t>6</a:t>
+              <a:t>7</a:t>
             </a:fld>
             <a:endParaRPr lang="en-AU"/>
           </a:p>
@@ -571,6 +571,93 @@
     <p:extLst>
       <p:ext uri="{BB962C8B-B14F-4D97-AF65-F5344CB8AC3E}">
         <p14:creationId xmlns:p14="http://schemas.microsoft.com/office/powerpoint/2010/main" val="2406479880"/>
+      </p:ext>
+    </p:extLst>
+  </p:cSld>
+  <p:clrMapOvr>
+    <a:masterClrMapping/>
+  </p:clrMapOvr>
+</p:notes>
+</file>
+
+<file path=ppt/notesSlides/notesSlide2.xml><?xml version="1.0" encoding="utf-8"?>
+<p:notes xmlns:a="http://schemas.openxmlformats.org/drawingml/2006/main" xmlns:r="http://schemas.openxmlformats.org/officeDocument/2006/relationships" xmlns:p="http://schemas.openxmlformats.org/presentationml/2006/main">
+  <p:cSld>
+    <p:spTree>
+      <p:nvGrpSpPr>
+        <p:cNvPr id="1" name=""/>
+        <p:cNvGrpSpPr/>
+        <p:nvPr/>
+      </p:nvGrpSpPr>
+      <p:grpSpPr>
+        <a:xfrm>
+          <a:off x="0" y="0"/>
+          <a:ext cx="0" cy="0"/>
+          <a:chOff x="0" y="0"/>
+          <a:chExt cx="0" cy="0"/>
+        </a:xfrm>
+      </p:grpSpPr>
+      <p:sp>
+        <p:nvSpPr>
+          <p:cNvPr id="2" name="Slide Image Placeholder 1"/>
+          <p:cNvSpPr>
+            <a:spLocks noGrp="1" noRot="1" noChangeAspect="1"/>
+          </p:cNvSpPr>
+          <p:nvPr>
+            <p:ph type="sldImg"/>
+          </p:nvPr>
+        </p:nvSpPr>
+        <p:spPr/>
+      </p:sp>
+      <p:sp>
+        <p:nvSpPr>
+          <p:cNvPr id="3" name="Notes Placeholder 2"/>
+          <p:cNvSpPr>
+            <a:spLocks noGrp="1"/>
+          </p:cNvSpPr>
+          <p:nvPr>
+            <p:ph type="body" idx="1"/>
+          </p:nvPr>
+        </p:nvSpPr>
+        <p:spPr/>
+        <p:txBody>
+          <a:bodyPr/>
+          <a:lstStyle/>
+          <a:p>
+            <a:r>
+              <a:rPr lang="en-AU" dirty="0"/>
+              <a:t>Don’t go all NLP, it’s best as “glue” between “on rails” conversations.</a:t>
+            </a:r>
+          </a:p>
+        </p:txBody>
+      </p:sp>
+      <p:sp>
+        <p:nvSpPr>
+          <p:cNvPr id="4" name="Slide Number Placeholder 3"/>
+          <p:cNvSpPr>
+            <a:spLocks noGrp="1"/>
+          </p:cNvSpPr>
+          <p:nvPr>
+            <p:ph type="sldNum" sz="quarter" idx="10"/>
+          </p:nvPr>
+        </p:nvSpPr>
+        <p:spPr/>
+        <p:txBody>
+          <a:bodyPr/>
+          <a:lstStyle/>
+          <a:p>
+            <a:fld id="{B0963970-F77D-4550-9FC6-19F442B9E04B}" type="slidenum">
+              <a:rPr lang="en-AU" smtClean="0"/>
+              <a:t>23</a:t>
+            </a:fld>
+            <a:endParaRPr lang="en-AU"/>
+          </a:p>
+        </p:txBody>
+      </p:sp>
+    </p:spTree>
+    <p:extLst>
+      <p:ext uri="{BB962C8B-B14F-4D97-AF65-F5344CB8AC3E}">
+        <p14:creationId xmlns:p14="http://schemas.microsoft.com/office/powerpoint/2010/main" val="465390605"/>
       </p:ext>
     </p:extLst>
   </p:cSld>
@@ -729,7 +816,7 @@
           <a:p>
             <a:fld id="{EF192D0A-4D95-4418-930C-F8366C52D94A}" type="datetimeFigureOut">
               <a:rPr lang="en-AU" smtClean="0"/>
-              <a:t>24/07/2017</a:t>
+              <a:t>26/07/2017</a:t>
             </a:fld>
             <a:endParaRPr lang="en-AU"/>
           </a:p>
@@ -929,7 +1016,7 @@
           <a:p>
             <a:fld id="{EF192D0A-4D95-4418-930C-F8366C52D94A}" type="datetimeFigureOut">
               <a:rPr lang="en-AU" smtClean="0"/>
-              <a:t>24/07/2017</a:t>
+              <a:t>26/07/2017</a:t>
             </a:fld>
             <a:endParaRPr lang="en-AU"/>
           </a:p>
@@ -1139,7 +1226,7 @@
           <a:p>
             <a:fld id="{EF192D0A-4D95-4418-930C-F8366C52D94A}" type="datetimeFigureOut">
               <a:rPr lang="en-AU" smtClean="0"/>
-              <a:t>24/07/2017</a:t>
+              <a:t>26/07/2017</a:t>
             </a:fld>
             <a:endParaRPr lang="en-AU"/>
           </a:p>
@@ -1339,7 +1426,7 @@
           <a:p>
             <a:fld id="{EF192D0A-4D95-4418-930C-F8366C52D94A}" type="datetimeFigureOut">
               <a:rPr lang="en-AU" smtClean="0"/>
-              <a:t>24/07/2017</a:t>
+              <a:t>26/07/2017</a:t>
             </a:fld>
             <a:endParaRPr lang="en-AU"/>
           </a:p>
@@ -1615,7 +1702,7 @@
           <a:p>
             <a:fld id="{EF192D0A-4D95-4418-930C-F8366C52D94A}" type="datetimeFigureOut">
               <a:rPr lang="en-AU" smtClean="0"/>
-              <a:t>24/07/2017</a:t>
+              <a:t>26/07/2017</a:t>
             </a:fld>
             <a:endParaRPr lang="en-AU"/>
           </a:p>
@@ -1883,7 +1970,7 @@
           <a:p>
             <a:fld id="{EF192D0A-4D95-4418-930C-F8366C52D94A}" type="datetimeFigureOut">
               <a:rPr lang="en-AU" smtClean="0"/>
-              <a:t>24/07/2017</a:t>
+              <a:t>26/07/2017</a:t>
             </a:fld>
             <a:endParaRPr lang="en-AU"/>
           </a:p>
@@ -2298,7 +2385,7 @@
           <a:p>
             <a:fld id="{EF192D0A-4D95-4418-930C-F8366C52D94A}" type="datetimeFigureOut">
               <a:rPr lang="en-AU" smtClean="0"/>
-              <a:t>24/07/2017</a:t>
+              <a:t>26/07/2017</a:t>
             </a:fld>
             <a:endParaRPr lang="en-AU"/>
           </a:p>
@@ -2440,7 +2527,7 @@
           <a:p>
             <a:fld id="{EF192D0A-4D95-4418-930C-F8366C52D94A}" type="datetimeFigureOut">
               <a:rPr lang="en-AU" smtClean="0"/>
-              <a:t>24/07/2017</a:t>
+              <a:t>26/07/2017</a:t>
             </a:fld>
             <a:endParaRPr lang="en-AU"/>
           </a:p>
@@ -2553,7 +2640,7 @@
           <a:p>
             <a:fld id="{EF192D0A-4D95-4418-930C-F8366C52D94A}" type="datetimeFigureOut">
               <a:rPr lang="en-AU" smtClean="0"/>
-              <a:t>24/07/2017</a:t>
+              <a:t>26/07/2017</a:t>
             </a:fld>
             <a:endParaRPr lang="en-AU"/>
           </a:p>
@@ -2866,7 +2953,7 @@
           <a:p>
             <a:fld id="{EF192D0A-4D95-4418-930C-F8366C52D94A}" type="datetimeFigureOut">
               <a:rPr lang="en-AU" smtClean="0"/>
-              <a:t>24/07/2017</a:t>
+              <a:t>26/07/2017</a:t>
             </a:fld>
             <a:endParaRPr lang="en-AU"/>
           </a:p>
@@ -3155,7 +3242,7 @@
           <a:p>
             <a:fld id="{EF192D0A-4D95-4418-930C-F8366C52D94A}" type="datetimeFigureOut">
               <a:rPr lang="en-AU" smtClean="0"/>
-              <a:t>24/07/2017</a:t>
+              <a:t>26/07/2017</a:t>
             </a:fld>
             <a:endParaRPr lang="en-AU"/>
           </a:p>
@@ -3398,7 +3485,7 @@
           <a:p>
             <a:fld id="{EF192D0A-4D95-4418-930C-F8366C52D94A}" type="datetimeFigureOut">
               <a:rPr lang="en-AU" smtClean="0"/>
-              <a:t>24/07/2017</a:t>
+              <a:t>26/07/2017</a:t>
             </a:fld>
             <a:endParaRPr lang="en-AU"/>
           </a:p>
@@ -5207,7 +5294,7 @@
           <a:p>
             <a:r>
               <a:rPr lang="en-AU" dirty="0">
-                <a:hlinkClick r:id="rId2"/>
+                <a:hlinkClick r:id="rId3"/>
               </a:rPr>
               <a:t>http://luis.ai</a:t>
             </a:r>
@@ -6079,7 +6166,7 @@
           <p:cNvPr id="2" name="Title 1">
             <a:extLst>
               <a:ext uri="{FF2B5EF4-FFF2-40B4-BE49-F238E27FC236}">
-                <a16:creationId xmlns:a16="http://schemas.microsoft.com/office/drawing/2014/main" id="{6D372517-E886-4C5C-92C1-D6750BD8C59B}"/>
+                <a16:creationId xmlns:a16="http://schemas.microsoft.com/office/drawing/2014/main" id="{8FA31227-9264-4B3A-91C6-2016B14092DC}"/>
               </a:ext>
             </a:extLst>
           </p:cNvPr>
@@ -6097,7 +6184,7 @@
           <a:p>
             <a:r>
               <a:rPr lang="en-AU" dirty="0"/>
-              <a:t>Core Concepts - Context</a:t>
+              <a:t>Core Concepts - Dialogs</a:t>
             </a:r>
           </a:p>
         </p:txBody>
@@ -6107,7 +6194,7 @@
           <p:cNvPr id="3" name="Content Placeholder 2">
             <a:extLst>
               <a:ext uri="{FF2B5EF4-FFF2-40B4-BE49-F238E27FC236}">
-                <a16:creationId xmlns:a16="http://schemas.microsoft.com/office/drawing/2014/main" id="{BCB886E1-57C2-42BE-8174-7744C36FA4F4}"/>
+                <a16:creationId xmlns:a16="http://schemas.microsoft.com/office/drawing/2014/main" id="{EBE4AAFC-A6E3-4589-9E0A-0BB82C69FB15}"/>
               </a:ext>
             </a:extLst>
           </p:cNvPr>
@@ -6118,31 +6205,35 @@
             <p:ph idx="1"/>
           </p:nvPr>
         </p:nvSpPr>
-        <p:spPr/>
-        <p:txBody>
-          <a:bodyPr/>
+        <p:spPr>
+          <a:xfrm>
+            <a:off x="838199" y="1825625"/>
+            <a:ext cx="11007055" cy="4351338"/>
+          </a:xfrm>
+        </p:spPr>
+        <p:txBody>
+          <a:bodyPr>
+            <a:normAutofit/>
+          </a:bodyPr>
           <a:lstStyle/>
           <a:p>
             <a:r>
               <a:rPr lang="en-AU" dirty="0"/>
-              <a:t>Gives access to conversation state</a:t>
-            </a:r>
-          </a:p>
-          <a:p>
-            <a:endParaRPr lang="en-AU" dirty="0"/>
+              <a:t>Used to model a flow of a conversation</a:t>
+            </a:r>
           </a:p>
           <a:p>
             <a:pPr lvl="1"/>
             <a:r>
               <a:rPr lang="en-AU" dirty="0"/>
-              <a:t>Send data to a user</a:t>
+              <a:t>Reusable</a:t>
             </a:r>
           </a:p>
           <a:p>
             <a:pPr lvl="1"/>
             <a:r>
               <a:rPr lang="en-AU" dirty="0"/>
-              <a:t>Wait for input from the user</a:t>
+              <a:t>Persisted state</a:t>
             </a:r>
           </a:p>
           <a:p>
@@ -6150,17 +6241,37 @@
             <a:endParaRPr lang="en-AU" dirty="0"/>
           </a:p>
           <a:p>
+            <a:r>
+              <a:rPr lang="en-AU" dirty="0"/>
+              <a:t>Types:</a:t>
+            </a:r>
+          </a:p>
+          <a:p>
             <a:pPr lvl="1"/>
             <a:r>
               <a:rPr lang="en-AU" dirty="0"/>
-              <a:t>Push a new dialog on to the stack</a:t>
+              <a:t>Prompts</a:t>
             </a:r>
           </a:p>
           <a:p>
             <a:pPr lvl="1"/>
             <a:r>
               <a:rPr lang="en-AU" dirty="0"/>
-              <a:t>Pop current dialog from the stack</a:t>
+              <a:t>Natural Language Understanding</a:t>
+            </a:r>
+          </a:p>
+          <a:p>
+            <a:pPr lvl="1"/>
+            <a:r>
+              <a:rPr lang="en-AU" dirty="0"/>
+              <a:t>Form Filling</a:t>
+            </a:r>
+          </a:p>
+          <a:p>
+            <a:pPr lvl="1"/>
+            <a:r>
+              <a:rPr lang="en-AU" dirty="0"/>
+              <a:t>Profile</a:t>
             </a:r>
           </a:p>
         </p:txBody>
@@ -6168,7 +6279,7 @@
     </p:spTree>
     <p:extLst>
       <p:ext uri="{BB962C8B-B14F-4D97-AF65-F5344CB8AC3E}">
-        <p14:creationId xmlns:p14="http://schemas.microsoft.com/office/powerpoint/2010/main" val="2123152659"/>
+        <p14:creationId xmlns:p14="http://schemas.microsoft.com/office/powerpoint/2010/main" val="989954890"/>
       </p:ext>
     </p:extLst>
   </p:cSld>
@@ -6200,7 +6311,7 @@
           <p:cNvPr id="2" name="Title 1">
             <a:extLst>
               <a:ext uri="{FF2B5EF4-FFF2-40B4-BE49-F238E27FC236}">
-                <a16:creationId xmlns:a16="http://schemas.microsoft.com/office/drawing/2014/main" id="{8FA31227-9264-4B3A-91C6-2016B14092DC}"/>
+                <a16:creationId xmlns:a16="http://schemas.microsoft.com/office/drawing/2014/main" id="{6D372517-E886-4C5C-92C1-D6750BD8C59B}"/>
               </a:ext>
             </a:extLst>
           </p:cNvPr>
@@ -6218,7 +6329,7 @@
           <a:p>
             <a:r>
               <a:rPr lang="en-AU" dirty="0"/>
-              <a:t>Core Concepts - Dialogs</a:t>
+              <a:t>Core Concepts - Context</a:t>
             </a:r>
           </a:p>
         </p:txBody>
@@ -6228,7 +6339,7 @@
           <p:cNvPr id="3" name="Content Placeholder 2">
             <a:extLst>
               <a:ext uri="{FF2B5EF4-FFF2-40B4-BE49-F238E27FC236}">
-                <a16:creationId xmlns:a16="http://schemas.microsoft.com/office/drawing/2014/main" id="{EBE4AAFC-A6E3-4589-9E0A-0BB82C69FB15}"/>
+                <a16:creationId xmlns:a16="http://schemas.microsoft.com/office/drawing/2014/main" id="{BCB886E1-57C2-42BE-8174-7744C36FA4F4}"/>
               </a:ext>
             </a:extLst>
           </p:cNvPr>
@@ -6239,35 +6350,31 @@
             <p:ph idx="1"/>
           </p:nvPr>
         </p:nvSpPr>
-        <p:spPr>
-          <a:xfrm>
-            <a:off x="838199" y="1825625"/>
-            <a:ext cx="11007055" cy="4351338"/>
-          </a:xfrm>
-        </p:spPr>
-        <p:txBody>
-          <a:bodyPr>
-            <a:normAutofit/>
-          </a:bodyPr>
+        <p:spPr/>
+        <p:txBody>
+          <a:bodyPr/>
           <a:lstStyle/>
           <a:p>
             <a:r>
               <a:rPr lang="en-AU" dirty="0"/>
-              <a:t>Used to model a flow of a conversation</a:t>
-            </a:r>
+              <a:t>Gives access to conversation state</a:t>
+            </a:r>
+          </a:p>
+          <a:p>
+            <a:endParaRPr lang="en-AU" dirty="0"/>
           </a:p>
           <a:p>
             <a:pPr lvl="1"/>
             <a:r>
               <a:rPr lang="en-AU" dirty="0"/>
-              <a:t>Reusable</a:t>
+              <a:t>Send data to a user</a:t>
             </a:r>
           </a:p>
           <a:p>
             <a:pPr lvl="1"/>
             <a:r>
               <a:rPr lang="en-AU" dirty="0"/>
-              <a:t>Persisted state</a:t>
+              <a:t>Wait for input from the user</a:t>
             </a:r>
           </a:p>
           <a:p>
@@ -6275,37 +6382,17 @@
             <a:endParaRPr lang="en-AU" dirty="0"/>
           </a:p>
           <a:p>
+            <a:pPr lvl="1"/>
             <a:r>
               <a:rPr lang="en-AU" dirty="0"/>
-              <a:t>Types:</a:t>
+              <a:t>Push a new dialog on to the stack</a:t>
             </a:r>
           </a:p>
           <a:p>
             <a:pPr lvl="1"/>
             <a:r>
               <a:rPr lang="en-AU" dirty="0"/>
-              <a:t>Prompts</a:t>
-            </a:r>
-          </a:p>
-          <a:p>
-            <a:pPr lvl="1"/>
-            <a:r>
-              <a:rPr lang="en-AU" dirty="0"/>
-              <a:t>Natural Language Understanding</a:t>
-            </a:r>
-          </a:p>
-          <a:p>
-            <a:pPr lvl="1"/>
-            <a:r>
-              <a:rPr lang="en-AU" dirty="0"/>
-              <a:t>Form Filling</a:t>
-            </a:r>
-          </a:p>
-          <a:p>
-            <a:pPr lvl="1"/>
-            <a:r>
-              <a:rPr lang="en-AU" dirty="0"/>
-              <a:t>Profile</a:t>
+              <a:t>Pop current dialog from the stack</a:t>
             </a:r>
           </a:p>
         </p:txBody>
@@ -6313,7 +6400,7 @@
     </p:spTree>
     <p:extLst>
       <p:ext uri="{BB962C8B-B14F-4D97-AF65-F5344CB8AC3E}">
-        <p14:creationId xmlns:p14="http://schemas.microsoft.com/office/powerpoint/2010/main" val="989954890"/>
+        <p14:creationId xmlns:p14="http://schemas.microsoft.com/office/powerpoint/2010/main" val="2123152659"/>
       </p:ext>
     </p:extLst>
   </p:cSld>

--- a/Introduction to the Microsoft Bot Framework.pptx
+++ b/Introduction to the Microsoft Bot Framework.pptx
@@ -5,7 +5,7 @@
     <p:sldMasterId id="2147483648" r:id="rId1"/>
   </p:sldMasterIdLst>
   <p:notesMasterIdLst>
-    <p:notesMasterId r:id="rId27"/>
+    <p:notesMasterId r:id="rId29"/>
   </p:notesMasterIdLst>
   <p:sldIdLst>
     <p:sldId id="256" r:id="rId2"/>
@@ -30,9 +30,11 @@
     <p:sldId id="284" r:id="rId21"/>
     <p:sldId id="273" r:id="rId22"/>
     <p:sldId id="274" r:id="rId23"/>
-    <p:sldId id="275" r:id="rId24"/>
-    <p:sldId id="277" r:id="rId25"/>
-    <p:sldId id="278" r:id="rId26"/>
+    <p:sldId id="285" r:id="rId24"/>
+    <p:sldId id="287" r:id="rId25"/>
+    <p:sldId id="275" r:id="rId26"/>
+    <p:sldId id="277" r:id="rId27"/>
+    <p:sldId id="278" r:id="rId28"/>
   </p:sldIdLst>
   <p:sldSz cx="12192000" cy="6858000"/>
   <p:notesSz cx="6858000" cy="9144000"/>
@@ -225,7 +227,7 @@
           <a:p>
             <a:fld id="{6112063D-0071-4615-8D19-28E73C9AD708}" type="datetimeFigureOut">
               <a:rPr lang="en-AU" smtClean="0"/>
-              <a:t>26/07/2017</a:t>
+              <a:t>29/07/2017</a:t>
             </a:fld>
             <a:endParaRPr lang="en-AU"/>
           </a:p>
@@ -648,7 +650,7 @@
           <a:p>
             <a:fld id="{B0963970-F77D-4550-9FC6-19F442B9E04B}" type="slidenum">
               <a:rPr lang="en-AU" smtClean="0"/>
-              <a:t>23</a:t>
+              <a:t>25</a:t>
             </a:fld>
             <a:endParaRPr lang="en-AU"/>
           </a:p>
@@ -816,7 +818,7 @@
           <a:p>
             <a:fld id="{EF192D0A-4D95-4418-930C-F8366C52D94A}" type="datetimeFigureOut">
               <a:rPr lang="en-AU" smtClean="0"/>
-              <a:t>26/07/2017</a:t>
+              <a:t>29/07/2017</a:t>
             </a:fld>
             <a:endParaRPr lang="en-AU"/>
           </a:p>
@@ -1016,7 +1018,7 @@
           <a:p>
             <a:fld id="{EF192D0A-4D95-4418-930C-F8366C52D94A}" type="datetimeFigureOut">
               <a:rPr lang="en-AU" smtClean="0"/>
-              <a:t>26/07/2017</a:t>
+              <a:t>29/07/2017</a:t>
             </a:fld>
             <a:endParaRPr lang="en-AU"/>
           </a:p>
@@ -1226,7 +1228,7 @@
           <a:p>
             <a:fld id="{EF192D0A-4D95-4418-930C-F8366C52D94A}" type="datetimeFigureOut">
               <a:rPr lang="en-AU" smtClean="0"/>
-              <a:t>26/07/2017</a:t>
+              <a:t>29/07/2017</a:t>
             </a:fld>
             <a:endParaRPr lang="en-AU"/>
           </a:p>
@@ -1426,7 +1428,7 @@
           <a:p>
             <a:fld id="{EF192D0A-4D95-4418-930C-F8366C52D94A}" type="datetimeFigureOut">
               <a:rPr lang="en-AU" smtClean="0"/>
-              <a:t>26/07/2017</a:t>
+              <a:t>29/07/2017</a:t>
             </a:fld>
             <a:endParaRPr lang="en-AU"/>
           </a:p>
@@ -1702,7 +1704,7 @@
           <a:p>
             <a:fld id="{EF192D0A-4D95-4418-930C-F8366C52D94A}" type="datetimeFigureOut">
               <a:rPr lang="en-AU" smtClean="0"/>
-              <a:t>26/07/2017</a:t>
+              <a:t>29/07/2017</a:t>
             </a:fld>
             <a:endParaRPr lang="en-AU"/>
           </a:p>
@@ -1970,7 +1972,7 @@
           <a:p>
             <a:fld id="{EF192D0A-4D95-4418-930C-F8366C52D94A}" type="datetimeFigureOut">
               <a:rPr lang="en-AU" smtClean="0"/>
-              <a:t>26/07/2017</a:t>
+              <a:t>29/07/2017</a:t>
             </a:fld>
             <a:endParaRPr lang="en-AU"/>
           </a:p>
@@ -2385,7 +2387,7 @@
           <a:p>
             <a:fld id="{EF192D0A-4D95-4418-930C-F8366C52D94A}" type="datetimeFigureOut">
               <a:rPr lang="en-AU" smtClean="0"/>
-              <a:t>26/07/2017</a:t>
+              <a:t>29/07/2017</a:t>
             </a:fld>
             <a:endParaRPr lang="en-AU"/>
           </a:p>
@@ -2527,7 +2529,7 @@
           <a:p>
             <a:fld id="{EF192D0A-4D95-4418-930C-F8366C52D94A}" type="datetimeFigureOut">
               <a:rPr lang="en-AU" smtClean="0"/>
-              <a:t>26/07/2017</a:t>
+              <a:t>29/07/2017</a:t>
             </a:fld>
             <a:endParaRPr lang="en-AU"/>
           </a:p>
@@ -2640,7 +2642,7 @@
           <a:p>
             <a:fld id="{EF192D0A-4D95-4418-930C-F8366C52D94A}" type="datetimeFigureOut">
               <a:rPr lang="en-AU" smtClean="0"/>
-              <a:t>26/07/2017</a:t>
+              <a:t>29/07/2017</a:t>
             </a:fld>
             <a:endParaRPr lang="en-AU"/>
           </a:p>
@@ -2953,7 +2955,7 @@
           <a:p>
             <a:fld id="{EF192D0A-4D95-4418-930C-F8366C52D94A}" type="datetimeFigureOut">
               <a:rPr lang="en-AU" smtClean="0"/>
-              <a:t>26/07/2017</a:t>
+              <a:t>29/07/2017</a:t>
             </a:fld>
             <a:endParaRPr lang="en-AU"/>
           </a:p>
@@ -3242,7 +3244,7 @@
           <a:p>
             <a:fld id="{EF192D0A-4D95-4418-930C-F8366C52D94A}" type="datetimeFigureOut">
               <a:rPr lang="en-AU" smtClean="0"/>
-              <a:t>26/07/2017</a:t>
+              <a:t>29/07/2017</a:t>
             </a:fld>
             <a:endParaRPr lang="en-AU"/>
           </a:p>
@@ -3485,7 +3487,7 @@
           <a:p>
             <a:fld id="{EF192D0A-4D95-4418-930C-F8366C52D94A}" type="datetimeFigureOut">
               <a:rPr lang="en-AU" smtClean="0"/>
-              <a:t>26/07/2017</a:t>
+              <a:t>29/07/2017</a:t>
             </a:fld>
             <a:endParaRPr lang="en-AU"/>
           </a:p>
@@ -5213,7 +5215,7 @@
           <p:cNvPr id="2" name="Title 1">
             <a:extLst>
               <a:ext uri="{FF2B5EF4-FFF2-40B4-BE49-F238E27FC236}">
-                <a16:creationId xmlns:a16="http://schemas.microsoft.com/office/drawing/2014/main" id="{65F37A44-3922-4FEE-9AE9-C0213241E84B}"/>
+                <a16:creationId xmlns:a16="http://schemas.microsoft.com/office/drawing/2014/main" id="{EBABC62C-D152-40B1-ACBD-2888A9981204}"/>
               </a:ext>
             </a:extLst>
           </p:cNvPr>
@@ -5231,7 +5233,15 @@
           <a:p>
             <a:r>
               <a:rPr lang="en-AU" dirty="0"/>
-              <a:t>Microsoft LUIS</a:t>
+              <a:t>Microsoft </a:t>
+            </a:r>
+            <a:r>
+              <a:rPr lang="en-AU" dirty="0" err="1"/>
+              <a:t>QnA</a:t>
+            </a:r>
+            <a:r>
+              <a:rPr lang="en-AU" dirty="0"/>
+              <a:t> Maker</a:t>
             </a:r>
           </a:p>
         </p:txBody>
@@ -5241,7 +5251,7 @@
           <p:cNvPr id="3" name="Content Placeholder 2">
             <a:extLst>
               <a:ext uri="{FF2B5EF4-FFF2-40B4-BE49-F238E27FC236}">
-                <a16:creationId xmlns:a16="http://schemas.microsoft.com/office/drawing/2014/main" id="{3122984A-0FDC-4B25-B421-F8E970506E03}"/>
+                <a16:creationId xmlns:a16="http://schemas.microsoft.com/office/drawing/2014/main" id="{2A0C1000-F45F-45DE-A24D-71DDA6410E03}"/>
               </a:ext>
             </a:extLst>
           </p:cNvPr>
@@ -5259,32 +5269,21 @@
           <a:p>
             <a:r>
               <a:rPr lang="en-AU" dirty="0"/>
-              <a:t>LUIS “Language Understanding Intelligent Service”</a:t>
-            </a:r>
-          </a:p>
-          <a:p>
-            <a:endParaRPr lang="en-AU" dirty="0"/>
-          </a:p>
-          <a:p>
+              <a:t>Build a Q&amp;A bot based on FAQ’s</a:t>
+            </a:r>
+          </a:p>
+          <a:p>
+            <a:pPr lvl="1"/>
             <a:r>
               <a:rPr lang="en-AU" dirty="0"/>
-              <a:t>Provided as a Service</a:t>
-            </a:r>
-          </a:p>
-          <a:p>
-            <a:endParaRPr lang="en-AU" dirty="0"/>
-          </a:p>
-          <a:p>
+              <a:t>Structured documents</a:t>
+            </a:r>
+          </a:p>
+          <a:p>
+            <a:pPr lvl="1"/>
             <a:r>
               <a:rPr lang="en-AU" dirty="0"/>
-              <a:t>Allows definition of custom language models</a:t>
-            </a:r>
-          </a:p>
-          <a:p>
-            <a:pPr lvl="1"/>
-            <a:r>
-              <a:rPr lang="en-AU" dirty="0"/>
-              <a:t>Extracts entities and intent from user input</a:t>
+              <a:t>Manually entered pairs</a:t>
             </a:r>
           </a:p>
           <a:p>
@@ -5293,15 +5292,18 @@
           </a:p>
           <a:p>
             <a:r>
-              <a:rPr lang="en-AU" dirty="0">
-                <a:hlinkClick r:id="rId3"/>
-              </a:rPr>
-              <a:t>http://luis.ai</a:t>
-            </a:r>
+              <a:rPr lang="en-AU" dirty="0"/>
+              <a:t>Simple REST endpoint for integration</a:t>
+            </a:r>
+          </a:p>
+          <a:p>
             <a:endParaRPr lang="en-AU" dirty="0"/>
           </a:p>
           <a:p>
-            <a:endParaRPr lang="en-AU" dirty="0"/>
+            <a:r>
+              <a:rPr lang="en-AU" dirty="0"/>
+              <a:t>Fast to create/deploy and easy to retrain</a:t>
+            </a:r>
           </a:p>
           <a:p>
             <a:endParaRPr lang="en-AU" dirty="0"/>
@@ -5311,7 +5313,7 @@
     </p:spTree>
     <p:extLst>
       <p:ext uri="{BB962C8B-B14F-4D97-AF65-F5344CB8AC3E}">
-        <p14:creationId xmlns:p14="http://schemas.microsoft.com/office/powerpoint/2010/main" val="3184896754"/>
+        <p14:creationId xmlns:p14="http://schemas.microsoft.com/office/powerpoint/2010/main" val="508408597"/>
       </p:ext>
     </p:extLst>
   </p:cSld>
@@ -5379,6 +5381,204 @@
     </p:spTree>
     <p:extLst>
       <p:ext uri="{BB962C8B-B14F-4D97-AF65-F5344CB8AC3E}">
+        <p14:creationId xmlns:p14="http://schemas.microsoft.com/office/powerpoint/2010/main" val="3223318299"/>
+      </p:ext>
+    </p:extLst>
+  </p:cSld>
+  <p:clrMapOvr>
+    <a:masterClrMapping/>
+  </p:clrMapOvr>
+</p:sld>
+</file>
+
+<file path=ppt/slides/slide25.xml><?xml version="1.0" encoding="utf-8"?>
+<p:sld xmlns:a="http://schemas.openxmlformats.org/drawingml/2006/main" xmlns:r="http://schemas.openxmlformats.org/officeDocument/2006/relationships" xmlns:p="http://schemas.openxmlformats.org/presentationml/2006/main">
+  <p:cSld>
+    <p:spTree>
+      <p:nvGrpSpPr>
+        <p:cNvPr id="1" name=""/>
+        <p:cNvGrpSpPr/>
+        <p:nvPr/>
+      </p:nvGrpSpPr>
+      <p:grpSpPr>
+        <a:xfrm>
+          <a:off x="0" y="0"/>
+          <a:ext cx="0" cy="0"/>
+          <a:chOff x="0" y="0"/>
+          <a:chExt cx="0" cy="0"/>
+        </a:xfrm>
+      </p:grpSpPr>
+      <p:sp>
+        <p:nvSpPr>
+          <p:cNvPr id="2" name="Title 1">
+            <a:extLst>
+              <a:ext uri="{FF2B5EF4-FFF2-40B4-BE49-F238E27FC236}">
+                <a16:creationId xmlns:a16="http://schemas.microsoft.com/office/drawing/2014/main" id="{65F37A44-3922-4FEE-9AE9-C0213241E84B}"/>
+              </a:ext>
+            </a:extLst>
+          </p:cNvPr>
+          <p:cNvSpPr>
+            <a:spLocks noGrp="1"/>
+          </p:cNvSpPr>
+          <p:nvPr>
+            <p:ph type="title"/>
+          </p:nvPr>
+        </p:nvSpPr>
+        <p:spPr/>
+        <p:txBody>
+          <a:bodyPr/>
+          <a:lstStyle/>
+          <a:p>
+            <a:r>
+              <a:rPr lang="en-AU" dirty="0"/>
+              <a:t>Microsoft LUIS</a:t>
+            </a:r>
+          </a:p>
+        </p:txBody>
+      </p:sp>
+      <p:sp>
+        <p:nvSpPr>
+          <p:cNvPr id="3" name="Content Placeholder 2">
+            <a:extLst>
+              <a:ext uri="{FF2B5EF4-FFF2-40B4-BE49-F238E27FC236}">
+                <a16:creationId xmlns:a16="http://schemas.microsoft.com/office/drawing/2014/main" id="{3122984A-0FDC-4B25-B421-F8E970506E03}"/>
+              </a:ext>
+            </a:extLst>
+          </p:cNvPr>
+          <p:cNvSpPr>
+            <a:spLocks noGrp="1"/>
+          </p:cNvSpPr>
+          <p:nvPr>
+            <p:ph idx="1"/>
+          </p:nvPr>
+        </p:nvSpPr>
+        <p:spPr/>
+        <p:txBody>
+          <a:bodyPr/>
+          <a:lstStyle/>
+          <a:p>
+            <a:r>
+              <a:rPr lang="en-AU" dirty="0"/>
+              <a:t>LUIS “Language Understanding Intelligent Service”</a:t>
+            </a:r>
+          </a:p>
+          <a:p>
+            <a:endParaRPr lang="en-AU" dirty="0"/>
+          </a:p>
+          <a:p>
+            <a:r>
+              <a:rPr lang="en-AU" dirty="0"/>
+              <a:t>Provided as a Service</a:t>
+            </a:r>
+          </a:p>
+          <a:p>
+            <a:endParaRPr lang="en-AU" dirty="0"/>
+          </a:p>
+          <a:p>
+            <a:r>
+              <a:rPr lang="en-AU" dirty="0"/>
+              <a:t>Allows definition of custom language models</a:t>
+            </a:r>
+          </a:p>
+          <a:p>
+            <a:pPr lvl="1"/>
+            <a:r>
+              <a:rPr lang="en-AU" dirty="0"/>
+              <a:t>Extracts entities and intent from user input</a:t>
+            </a:r>
+          </a:p>
+          <a:p>
+            <a:pPr lvl="1"/>
+            <a:endParaRPr lang="en-AU" dirty="0"/>
+          </a:p>
+          <a:p>
+            <a:r>
+              <a:rPr lang="en-AU" dirty="0">
+                <a:hlinkClick r:id="rId3"/>
+              </a:rPr>
+              <a:t>http://luis.ai</a:t>
+            </a:r>
+            <a:endParaRPr lang="en-AU" dirty="0"/>
+          </a:p>
+          <a:p>
+            <a:endParaRPr lang="en-AU" dirty="0"/>
+          </a:p>
+          <a:p>
+            <a:endParaRPr lang="en-AU" dirty="0"/>
+          </a:p>
+        </p:txBody>
+      </p:sp>
+    </p:spTree>
+    <p:extLst>
+      <p:ext uri="{BB962C8B-B14F-4D97-AF65-F5344CB8AC3E}">
+        <p14:creationId xmlns:p14="http://schemas.microsoft.com/office/powerpoint/2010/main" val="3184896754"/>
+      </p:ext>
+    </p:extLst>
+  </p:cSld>
+  <p:clrMapOvr>
+    <a:masterClrMapping/>
+  </p:clrMapOvr>
+</p:sld>
+</file>
+
+<file path=ppt/slides/slide26.xml><?xml version="1.0" encoding="utf-8"?>
+<p:sld xmlns:a="http://schemas.openxmlformats.org/drawingml/2006/main" xmlns:r="http://schemas.openxmlformats.org/officeDocument/2006/relationships" xmlns:p="http://schemas.openxmlformats.org/presentationml/2006/main">
+  <p:cSld>
+    <p:spTree>
+      <p:nvGrpSpPr>
+        <p:cNvPr id="1" name=""/>
+        <p:cNvGrpSpPr/>
+        <p:nvPr/>
+      </p:nvGrpSpPr>
+      <p:grpSpPr>
+        <a:xfrm>
+          <a:off x="0" y="0"/>
+          <a:ext cx="0" cy="0"/>
+          <a:chOff x="0" y="0"/>
+          <a:chExt cx="0" cy="0"/>
+        </a:xfrm>
+      </p:grpSpPr>
+      <p:sp>
+        <p:nvSpPr>
+          <p:cNvPr id="3" name="Content Placeholder 2">
+            <a:extLst>
+              <a:ext uri="{FF2B5EF4-FFF2-40B4-BE49-F238E27FC236}">
+                <a16:creationId xmlns:a16="http://schemas.microsoft.com/office/drawing/2014/main" id="{129571C8-DEF8-42C1-8183-8F8D4F7354E3}"/>
+              </a:ext>
+            </a:extLst>
+          </p:cNvPr>
+          <p:cNvSpPr>
+            <a:spLocks noGrp="1"/>
+          </p:cNvSpPr>
+          <p:nvPr>
+            <p:ph idx="1"/>
+          </p:nvPr>
+        </p:nvSpPr>
+        <p:spPr>
+          <a:xfrm>
+            <a:off x="176169" y="478172"/>
+            <a:ext cx="11744587" cy="6233021"/>
+          </a:xfrm>
+        </p:spPr>
+        <p:txBody>
+          <a:bodyPr anchor="ctr">
+            <a:normAutofit/>
+          </a:bodyPr>
+          <a:lstStyle/>
+          <a:p>
+            <a:pPr marL="0" indent="0" algn="ctr">
+              <a:buNone/>
+            </a:pPr>
+            <a:r>
+              <a:rPr lang="en-AU" kern="0" dirty="0"/>
+              <a:t>DEMO TIME!</a:t>
+            </a:r>
+          </a:p>
+        </p:txBody>
+      </p:sp>
+    </p:spTree>
+    <p:extLst>
+      <p:ext uri="{BB962C8B-B14F-4D97-AF65-F5344CB8AC3E}">
         <p14:creationId xmlns:p14="http://schemas.microsoft.com/office/powerpoint/2010/main" val="1225880524"/>
       </p:ext>
     </p:extLst>
@@ -5389,7 +5589,7 @@
 </p:sld>
 </file>
 
-<file path=ppt/slides/slide25.xml><?xml version="1.0" encoding="utf-8"?>
+<file path=ppt/slides/slide27.xml><?xml version="1.0" encoding="utf-8"?>
 <p:sld xmlns:a="http://schemas.openxmlformats.org/drawingml/2006/main" xmlns:r="http://schemas.openxmlformats.org/officeDocument/2006/relationships" xmlns:p="http://schemas.openxmlformats.org/presentationml/2006/main">
   <p:cSld>
     <p:spTree>

--- a/Introduction to the Microsoft Bot Framework.pptx
+++ b/Introduction to the Microsoft Bot Framework.pptx
@@ -583,6 +583,222 @@
 </file>
 
 <file path=ppt/notesSlides/notesSlide2.xml><?xml version="1.0" encoding="utf-8"?>
+<p:notes xmlns:a="http://schemas.openxmlformats.org/drawingml/2006/main" xmlns:r="http://schemas.openxmlformats.org/officeDocument/2006/relationships" xmlns:p="http://schemas.openxmlformats.org/presentationml/2006/main">
+  <p:cSld>
+    <p:spTree>
+      <p:nvGrpSpPr>
+        <p:cNvPr id="1" name=""/>
+        <p:cNvGrpSpPr/>
+        <p:nvPr/>
+      </p:nvGrpSpPr>
+      <p:grpSpPr>
+        <a:xfrm>
+          <a:off x="0" y="0"/>
+          <a:ext cx="0" cy="0"/>
+          <a:chOff x="0" y="0"/>
+          <a:chExt cx="0" cy="0"/>
+        </a:xfrm>
+      </p:grpSpPr>
+      <p:sp>
+        <p:nvSpPr>
+          <p:cNvPr id="2" name="Slide Image Placeholder 1"/>
+          <p:cNvSpPr>
+            <a:spLocks noGrp="1" noRot="1" noChangeAspect="1"/>
+          </p:cNvSpPr>
+          <p:nvPr>
+            <p:ph type="sldImg"/>
+          </p:nvPr>
+        </p:nvSpPr>
+        <p:spPr/>
+      </p:sp>
+      <p:sp>
+        <p:nvSpPr>
+          <p:cNvPr id="3" name="Notes Placeholder 2"/>
+          <p:cNvSpPr>
+            <a:spLocks noGrp="1"/>
+          </p:cNvSpPr>
+          <p:nvPr>
+            <p:ph type="body" idx="1"/>
+          </p:nvPr>
+        </p:nvSpPr>
+        <p:spPr/>
+        <p:txBody>
+          <a:bodyPr/>
+          <a:lstStyle/>
+          <a:p>
+            <a:r>
+              <a:rPr lang="en-AU" dirty="0"/>
+              <a:t>Add “where conference”:</a:t>
+            </a:r>
+          </a:p>
+          <a:p>
+            <a:r>
+              <a:rPr lang="en-AU" dirty="0"/>
+              <a:t>	“Where is the conference this year?” – The Perth Convention and Exhibition Centre</a:t>
+            </a:r>
+          </a:p>
+          <a:p>
+            <a:pPr marL="0" marR="0" lvl="0" indent="0" algn="l" defTabSz="914400" rtl="0" eaLnBrk="1" fontAlgn="auto" latinLnBrk="0" hangingPunct="1">
+              <a:lnSpc>
+                <a:spcPct val="100000"/>
+              </a:lnSpc>
+              <a:spcBef>
+                <a:spcPts val="0"/>
+              </a:spcBef>
+              <a:spcAft>
+                <a:spcPts val="0"/>
+              </a:spcAft>
+              <a:buClrTx/>
+              <a:buSzTx/>
+              <a:buFontTx/>
+              <a:buNone/>
+              <a:tabLst/>
+              <a:defRPr/>
+            </a:pPr>
+            <a:r>
+              <a:rPr lang="en-AU" dirty="0"/>
+              <a:t>	“Where is the conference?” – The Perth Convention and Exhibition Centre</a:t>
+            </a:r>
+          </a:p>
+          <a:p>
+            <a:pPr marL="0" marR="0" lvl="0" indent="0" algn="l" defTabSz="914400" rtl="0" eaLnBrk="1" fontAlgn="auto" latinLnBrk="0" hangingPunct="1">
+              <a:lnSpc>
+                <a:spcPct val="100000"/>
+              </a:lnSpc>
+              <a:spcBef>
+                <a:spcPts val="0"/>
+              </a:spcBef>
+              <a:spcAft>
+                <a:spcPts val="0"/>
+              </a:spcAft>
+              <a:buClrTx/>
+              <a:buSzTx/>
+              <a:buFontTx/>
+              <a:buNone/>
+              <a:tabLst/>
+              <a:defRPr/>
+            </a:pPr>
+            <a:r>
+              <a:rPr lang="en-AU" dirty="0"/>
+              <a:t>	“Where?” - The Perth Convention and Exhibition Centre</a:t>
+            </a:r>
+          </a:p>
+          <a:p>
+            <a:pPr marL="0" marR="0" lvl="0" indent="0" algn="l" defTabSz="914400" rtl="0" eaLnBrk="1" fontAlgn="auto" latinLnBrk="0" hangingPunct="1">
+              <a:lnSpc>
+                <a:spcPct val="100000"/>
+              </a:lnSpc>
+              <a:spcBef>
+                <a:spcPts val="0"/>
+              </a:spcBef>
+              <a:spcAft>
+                <a:spcPts val="0"/>
+              </a:spcAft>
+              <a:buClrTx/>
+              <a:buSzTx/>
+              <a:buFontTx/>
+              <a:buNone/>
+              <a:tabLst/>
+              <a:defRPr/>
+            </a:pPr>
+            <a:endParaRPr lang="en-AU" dirty="0"/>
+          </a:p>
+          <a:p>
+            <a:pPr marL="0" marR="0" lvl="0" indent="0" algn="l" defTabSz="914400" rtl="0" eaLnBrk="1" fontAlgn="auto" latinLnBrk="0" hangingPunct="1">
+              <a:lnSpc>
+                <a:spcPct val="100000"/>
+              </a:lnSpc>
+              <a:spcBef>
+                <a:spcPts val="0"/>
+              </a:spcBef>
+              <a:spcAft>
+                <a:spcPts val="0"/>
+              </a:spcAft>
+              <a:buClrTx/>
+              <a:buSzTx/>
+              <a:buFontTx/>
+              <a:buNone/>
+              <a:tabLst/>
+              <a:defRPr/>
+            </a:pPr>
+            <a:r>
+              <a:rPr lang="en-AU" dirty="0"/>
+              <a:t>Add “when” questions:</a:t>
+            </a:r>
+          </a:p>
+          <a:p>
+            <a:pPr marL="0" marR="0" lvl="0" indent="0" algn="l" defTabSz="914400" rtl="0" eaLnBrk="1" fontAlgn="auto" latinLnBrk="0" hangingPunct="1">
+              <a:lnSpc>
+                <a:spcPct val="100000"/>
+              </a:lnSpc>
+              <a:spcBef>
+                <a:spcPts val="0"/>
+              </a:spcBef>
+              <a:spcAft>
+                <a:spcPts val="0"/>
+              </a:spcAft>
+              <a:buClrTx/>
+              <a:buSzTx/>
+              <a:buFontTx/>
+              <a:buNone/>
+              <a:tabLst/>
+              <a:defRPr/>
+            </a:pPr>
+            <a:r>
+              <a:rPr lang="en-AU" dirty="0"/>
+              <a:t>	When – 16</a:t>
+            </a:r>
+            <a:r>
+              <a:rPr lang="en-AU" baseline="30000" dirty="0"/>
+              <a:t>th</a:t>
+            </a:r>
+            <a:r>
+              <a:rPr lang="en-AU" dirty="0"/>
+              <a:t> September 2017</a:t>
+            </a:r>
+          </a:p>
+          <a:p>
+            <a:endParaRPr lang="en-AU" dirty="0"/>
+          </a:p>
+        </p:txBody>
+      </p:sp>
+      <p:sp>
+        <p:nvSpPr>
+          <p:cNvPr id="4" name="Slide Number Placeholder 3"/>
+          <p:cNvSpPr>
+            <a:spLocks noGrp="1"/>
+          </p:cNvSpPr>
+          <p:nvPr>
+            <p:ph type="sldNum" sz="quarter" idx="10"/>
+          </p:nvPr>
+        </p:nvSpPr>
+        <p:spPr/>
+        <p:txBody>
+          <a:bodyPr/>
+          <a:lstStyle/>
+          <a:p>
+            <a:fld id="{B0963970-F77D-4550-9FC6-19F442B9E04B}" type="slidenum">
+              <a:rPr lang="en-AU" smtClean="0"/>
+              <a:t>24</a:t>
+            </a:fld>
+            <a:endParaRPr lang="en-AU"/>
+          </a:p>
+        </p:txBody>
+      </p:sp>
+    </p:spTree>
+    <p:extLst>
+      <p:ext uri="{BB962C8B-B14F-4D97-AF65-F5344CB8AC3E}">
+        <p14:creationId xmlns:p14="http://schemas.microsoft.com/office/powerpoint/2010/main" val="2818304037"/>
+      </p:ext>
+    </p:extLst>
+  </p:cSld>
+  <p:clrMapOvr>
+    <a:masterClrMapping/>
+  </p:clrMapOvr>
+</p:notes>
+</file>
+
+<file path=ppt/notesSlides/notesSlide3.xml><?xml version="1.0" encoding="utf-8"?>
 <p:notes xmlns:a="http://schemas.openxmlformats.org/drawingml/2006/main" xmlns:r="http://schemas.openxmlformats.org/officeDocument/2006/relationships" xmlns:p="http://schemas.openxmlformats.org/presentationml/2006/main">
   <p:cSld>
     <p:spTree>

--- a/Introduction to the Microsoft Bot Framework.pptx
+++ b/Introduction to the Microsoft Bot Framework.pptx
@@ -5,7 +5,7 @@
     <p:sldMasterId id="2147483648" r:id="rId1"/>
   </p:sldMasterIdLst>
   <p:notesMasterIdLst>
-    <p:notesMasterId r:id="rId29"/>
+    <p:notesMasterId r:id="rId31"/>
   </p:notesMasterIdLst>
   <p:sldIdLst>
     <p:sldId id="256" r:id="rId2"/>
@@ -27,14 +27,16 @@
     <p:sldId id="269" r:id="rId18"/>
     <p:sldId id="279" r:id="rId19"/>
     <p:sldId id="280" r:id="rId20"/>
-    <p:sldId id="284" r:id="rId21"/>
+    <p:sldId id="290" r:id="rId21"/>
     <p:sldId id="273" r:id="rId22"/>
-    <p:sldId id="274" r:id="rId23"/>
-    <p:sldId id="285" r:id="rId24"/>
-    <p:sldId id="287" r:id="rId25"/>
-    <p:sldId id="275" r:id="rId26"/>
-    <p:sldId id="277" r:id="rId27"/>
-    <p:sldId id="278" r:id="rId28"/>
+    <p:sldId id="289" r:id="rId23"/>
+    <p:sldId id="274" r:id="rId24"/>
+    <p:sldId id="285" r:id="rId25"/>
+    <p:sldId id="287" r:id="rId26"/>
+    <p:sldId id="275" r:id="rId27"/>
+    <p:sldId id="277" r:id="rId28"/>
+    <p:sldId id="278" r:id="rId29"/>
+    <p:sldId id="288" r:id="rId30"/>
   </p:sldIdLst>
   <p:sldSz cx="12192000" cy="6858000"/>
   <p:notesSz cx="6858000" cy="9144000"/>
@@ -779,7 +781,7 @@
           <a:p>
             <a:fld id="{B0963970-F77D-4550-9FC6-19F442B9E04B}" type="slidenum">
               <a:rPr lang="en-AU" smtClean="0"/>
-              <a:t>24</a:t>
+              <a:t>25</a:t>
             </a:fld>
             <a:endParaRPr lang="en-AU"/>
           </a:p>
@@ -866,7 +868,7 @@
           <a:p>
             <a:fld id="{B0963970-F77D-4550-9FC6-19F442B9E04B}" type="slidenum">
               <a:rPr lang="en-AU" smtClean="0"/>
-              <a:t>25</a:t>
+              <a:t>26</a:t>
             </a:fld>
             <a:endParaRPr lang="en-AU"/>
           </a:p>
@@ -5128,7 +5130,7 @@
           <p:cNvPr id="2" name="Title 1">
             <a:extLst>
               <a:ext uri="{FF2B5EF4-FFF2-40B4-BE49-F238E27FC236}">
-                <a16:creationId xmlns:a16="http://schemas.microsoft.com/office/drawing/2014/main" id="{2CAE173D-DFCB-4710-8AC2-9D5EF2E391D1}"/>
+                <a16:creationId xmlns:a16="http://schemas.microsoft.com/office/drawing/2014/main" id="{967B8A7C-BA67-4B76-B574-0E06B06014EC}"/>
               </a:ext>
             </a:extLst>
           </p:cNvPr>
@@ -5153,7 +5155,7 @@
           <p:cNvPr id="3" name="Content Placeholder 2">
             <a:extLst>
               <a:ext uri="{FF2B5EF4-FFF2-40B4-BE49-F238E27FC236}">
-                <a16:creationId xmlns:a16="http://schemas.microsoft.com/office/drawing/2014/main" id="{CD756090-3F1A-4869-9F68-E554C295F341}"/>
+                <a16:creationId xmlns:a16="http://schemas.microsoft.com/office/drawing/2014/main" id="{A377B2F4-7870-4D2E-8F7F-1CD128C4B87E}"/>
               </a:ext>
             </a:extLst>
           </p:cNvPr>
@@ -5176,7 +5178,7 @@
     </p:spTree>
     <p:extLst>
       <p:ext uri="{BB962C8B-B14F-4D97-AF65-F5344CB8AC3E}">
-        <p14:creationId xmlns:p14="http://schemas.microsoft.com/office/powerpoint/2010/main" val="323177114"/>
+        <p14:creationId xmlns:p14="http://schemas.microsoft.com/office/powerpoint/2010/main" val="924168800"/>
       </p:ext>
     </p:extLst>
   </p:cSld>
@@ -5319,87 +5321,57 @@
           <a:chExt cx="0" cy="0"/>
         </a:xfrm>
       </p:grpSpPr>
-      <p:sp>
-        <p:nvSpPr>
-          <p:cNvPr id="2" name="Title 1">
-            <a:extLst>
-              <a:ext uri="{FF2B5EF4-FFF2-40B4-BE49-F238E27FC236}">
-                <a16:creationId xmlns:a16="http://schemas.microsoft.com/office/drawing/2014/main" id="{836FB29A-1B10-4037-A8B1-F7D38833197A}"/>
-              </a:ext>
-            </a:extLst>
-          </p:cNvPr>
-          <p:cNvSpPr>
-            <a:spLocks noGrp="1"/>
-          </p:cNvSpPr>
-          <p:nvPr>
-            <p:ph type="title"/>
-          </p:nvPr>
-        </p:nvSpPr>
-        <p:spPr/>
-        <p:txBody>
-          <a:bodyPr/>
-          <a:lstStyle/>
-          <a:p>
-            <a:r>
-              <a:rPr lang="en-AU" dirty="0"/>
-              <a:t>Understanding Language - Challenges</a:t>
-            </a:r>
-          </a:p>
-        </p:txBody>
-      </p:sp>
-      <p:sp>
-        <p:nvSpPr>
-          <p:cNvPr id="3" name="Content Placeholder 2">
-            <a:extLst>
-              <a:ext uri="{FF2B5EF4-FFF2-40B4-BE49-F238E27FC236}">
-                <a16:creationId xmlns:a16="http://schemas.microsoft.com/office/drawing/2014/main" id="{635F43B4-2D69-4B39-98BE-3F7D6851D1C6}"/>
-              </a:ext>
-            </a:extLst>
-          </p:cNvPr>
-          <p:cNvSpPr>
-            <a:spLocks noGrp="1"/>
-          </p:cNvSpPr>
-          <p:nvPr>
-            <p:ph idx="1"/>
-          </p:nvPr>
-        </p:nvSpPr>
-        <p:spPr/>
-        <p:txBody>
-          <a:bodyPr/>
-          <a:lstStyle/>
-          <a:p>
-            <a:endParaRPr lang="en-AU" dirty="0"/>
-          </a:p>
-          <a:p>
-            <a:r>
-              <a:rPr lang="en-AU" dirty="0"/>
-              <a:t>“Boy paralysed after tumour fights back to gain black belt”</a:t>
-            </a:r>
-          </a:p>
-          <a:p>
-            <a:endParaRPr lang="en-AU" dirty="0"/>
-          </a:p>
-          <a:p>
-            <a:r>
-              <a:rPr lang="en-AU" dirty="0"/>
-              <a:t>“Scientists study whales from space”</a:t>
-            </a:r>
-          </a:p>
-          <a:p>
-            <a:endParaRPr lang="en-AU" dirty="0"/>
-          </a:p>
-          <a:p>
-            <a:r>
-              <a:rPr lang="en-AU" dirty="0"/>
-              <a:t>“Juvenile Court to Try Shooting Defendant”</a:t>
-            </a:r>
-          </a:p>
-        </p:txBody>
-      </p:sp>
+      <p:pic>
+        <p:nvPicPr>
+          <p:cNvPr id="4098" name="Picture 2" descr="https://cdn-images-1.medium.com/max/800/1*r8rR34sfjX4zdM0tXOsvaQ.png">
+            <a:extLst>
+              <a:ext uri="{FF2B5EF4-FFF2-40B4-BE49-F238E27FC236}">
+                <a16:creationId xmlns:a16="http://schemas.microsoft.com/office/drawing/2014/main" id="{0FB016E8-1540-4541-A4EA-AA034552EA97}"/>
+              </a:ext>
+            </a:extLst>
+          </p:cNvPr>
+          <p:cNvPicPr>
+            <a:picLocks noChangeAspect="1" noChangeArrowheads="1"/>
+          </p:cNvPicPr>
+          <p:nvPr/>
+        </p:nvPicPr>
+        <p:blipFill>
+          <a:blip r:embed="rId2">
+            <a:extLst>
+              <a:ext uri="{28A0092B-C50C-407E-A947-70E740481C1C}">
+                <a14:useLocalDpi xmlns:a14="http://schemas.microsoft.com/office/drawing/2010/main" val="0"/>
+              </a:ext>
+            </a:extLst>
+          </a:blip>
+          <a:srcRect/>
+          <a:stretch>
+            <a:fillRect/>
+          </a:stretch>
+        </p:blipFill>
+        <p:spPr bwMode="auto">
+          <a:xfrm>
+            <a:off x="2468880" y="305435"/>
+            <a:ext cx="6106160" cy="5707178"/>
+          </a:xfrm>
+          <a:prstGeom prst="rect">
+            <a:avLst/>
+          </a:prstGeom>
+          <a:noFill/>
+          <a:extLst>
+            <a:ext uri="{909E8E84-426E-40DD-AFC4-6F175D3DCCD1}">
+              <a14:hiddenFill xmlns:a14="http://schemas.microsoft.com/office/drawing/2010/main">
+                <a:solidFill>
+                  <a:srgbClr val="FFFFFF"/>
+                </a:solidFill>
+              </a14:hiddenFill>
+            </a:ext>
+          </a:extLst>
+        </p:spPr>
+      </p:pic>
     </p:spTree>
     <p:extLst>
       <p:ext uri="{BB962C8B-B14F-4D97-AF65-F5344CB8AC3E}">
-        <p14:creationId xmlns:p14="http://schemas.microsoft.com/office/powerpoint/2010/main" val="1403497024"/>
+        <p14:creationId xmlns:p14="http://schemas.microsoft.com/office/powerpoint/2010/main" val="1422638704"/>
       </p:ext>
     </p:extLst>
   </p:cSld>
@@ -5431,7 +5403,7 @@
           <p:cNvPr id="2" name="Title 1">
             <a:extLst>
               <a:ext uri="{FF2B5EF4-FFF2-40B4-BE49-F238E27FC236}">
-                <a16:creationId xmlns:a16="http://schemas.microsoft.com/office/drawing/2014/main" id="{EBABC62C-D152-40B1-ACBD-2888A9981204}"/>
+                <a16:creationId xmlns:a16="http://schemas.microsoft.com/office/drawing/2014/main" id="{836FB29A-1B10-4037-A8B1-F7D38833197A}"/>
               </a:ext>
             </a:extLst>
           </p:cNvPr>
@@ -5449,15 +5421,7 @@
           <a:p>
             <a:r>
               <a:rPr lang="en-AU" dirty="0"/>
-              <a:t>Microsoft </a:t>
-            </a:r>
-            <a:r>
-              <a:rPr lang="en-AU" dirty="0" err="1"/>
-              <a:t>QnA</a:t>
-            </a:r>
-            <a:r>
-              <a:rPr lang="en-AU" dirty="0"/>
-              <a:t> Maker</a:t>
+              <a:t>Understanding Language - Challenges</a:t>
             </a:r>
           </a:p>
         </p:txBody>
@@ -5467,7 +5431,7 @@
           <p:cNvPr id="3" name="Content Placeholder 2">
             <a:extLst>
               <a:ext uri="{FF2B5EF4-FFF2-40B4-BE49-F238E27FC236}">
-                <a16:creationId xmlns:a16="http://schemas.microsoft.com/office/drawing/2014/main" id="{2A0C1000-F45F-45DE-A24D-71DDA6410E03}"/>
+                <a16:creationId xmlns:a16="http://schemas.microsoft.com/office/drawing/2014/main" id="{635F43B4-2D69-4B39-98BE-3F7D6851D1C6}"/>
               </a:ext>
             </a:extLst>
           </p:cNvPr>
@@ -5483,33 +5447,12 @@
           <a:bodyPr/>
           <a:lstStyle/>
           <a:p>
-            <a:r>
-              <a:rPr lang="en-AU" dirty="0"/>
-              <a:t>Build a Q&amp;A bot based on FAQ’s</a:t>
-            </a:r>
-          </a:p>
-          <a:p>
-            <a:pPr lvl="1"/>
-            <a:r>
-              <a:rPr lang="en-AU" dirty="0"/>
-              <a:t>Structured documents</a:t>
-            </a:r>
-          </a:p>
-          <a:p>
-            <a:pPr lvl="1"/>
-            <a:r>
-              <a:rPr lang="en-AU" dirty="0"/>
-              <a:t>Manually entered pairs</a:t>
-            </a:r>
-          </a:p>
-          <a:p>
-            <a:pPr lvl="1"/>
             <a:endParaRPr lang="en-AU" dirty="0"/>
           </a:p>
           <a:p>
             <a:r>
               <a:rPr lang="en-AU" dirty="0"/>
-              <a:t>Simple REST endpoint for integration</a:t>
+              <a:t>“Boy paralysed after tumour fights back to gain black belt”</a:t>
             </a:r>
           </a:p>
           <a:p>
@@ -5518,18 +5461,24 @@
           <a:p>
             <a:r>
               <a:rPr lang="en-AU" dirty="0"/>
-              <a:t>Fast to create/deploy and easy to retrain</a:t>
+              <a:t>“Scientists study whales from space”</a:t>
             </a:r>
           </a:p>
           <a:p>
             <a:endParaRPr lang="en-AU" dirty="0"/>
+          </a:p>
+          <a:p>
+            <a:r>
+              <a:rPr lang="en-AU" dirty="0"/>
+              <a:t>“Juvenile Court to Try Shooting Defendant”</a:t>
+            </a:r>
           </a:p>
         </p:txBody>
       </p:sp>
     </p:spTree>
     <p:extLst>
       <p:ext uri="{BB962C8B-B14F-4D97-AF65-F5344CB8AC3E}">
-        <p14:creationId xmlns:p14="http://schemas.microsoft.com/office/powerpoint/2010/main" val="508408597"/>
+        <p14:creationId xmlns:p14="http://schemas.microsoft.com/office/powerpoint/2010/main" val="1403497024"/>
       </p:ext>
     </p:extLst>
   </p:cSld>
@@ -5558,10 +5507,46 @@
       </p:grpSpPr>
       <p:sp>
         <p:nvSpPr>
+          <p:cNvPr id="2" name="Title 1">
+            <a:extLst>
+              <a:ext uri="{FF2B5EF4-FFF2-40B4-BE49-F238E27FC236}">
+                <a16:creationId xmlns:a16="http://schemas.microsoft.com/office/drawing/2014/main" id="{EBABC62C-D152-40B1-ACBD-2888A9981204}"/>
+              </a:ext>
+            </a:extLst>
+          </p:cNvPr>
+          <p:cNvSpPr>
+            <a:spLocks noGrp="1"/>
+          </p:cNvSpPr>
+          <p:nvPr>
+            <p:ph type="title"/>
+          </p:nvPr>
+        </p:nvSpPr>
+        <p:spPr/>
+        <p:txBody>
+          <a:bodyPr/>
+          <a:lstStyle/>
+          <a:p>
+            <a:r>
+              <a:rPr lang="en-AU" dirty="0"/>
+              <a:t>Microsoft </a:t>
+            </a:r>
+            <a:r>
+              <a:rPr lang="en-AU" dirty="0" err="1"/>
+              <a:t>QnA</a:t>
+            </a:r>
+            <a:r>
+              <a:rPr lang="en-AU" dirty="0"/>
+              <a:t> Maker</a:t>
+            </a:r>
+          </a:p>
+        </p:txBody>
+      </p:sp>
+      <p:sp>
+        <p:nvSpPr>
           <p:cNvPr id="3" name="Content Placeholder 2">
             <a:extLst>
               <a:ext uri="{FF2B5EF4-FFF2-40B4-BE49-F238E27FC236}">
-                <a16:creationId xmlns:a16="http://schemas.microsoft.com/office/drawing/2014/main" id="{129571C8-DEF8-42C1-8183-8F8D4F7354E3}"/>
+                <a16:creationId xmlns:a16="http://schemas.microsoft.com/office/drawing/2014/main" id="{2A0C1000-F45F-45DE-A24D-71DDA6410E03}"/>
               </a:ext>
             </a:extLst>
           </p:cNvPr>
@@ -5572,32 +5557,58 @@
             <p:ph idx="1"/>
           </p:nvPr>
         </p:nvSpPr>
-        <p:spPr>
-          <a:xfrm>
-            <a:off x="176169" y="478172"/>
-            <a:ext cx="11744587" cy="6233021"/>
-          </a:xfrm>
-        </p:spPr>
-        <p:txBody>
-          <a:bodyPr anchor="ctr">
-            <a:normAutofit/>
-          </a:bodyPr>
-          <a:lstStyle/>
-          <a:p>
-            <a:pPr marL="0" indent="0" algn="ctr">
-              <a:buNone/>
-            </a:pPr>
-            <a:r>
-              <a:rPr lang="en-AU" kern="0" dirty="0"/>
-              <a:t>DEMO TIME!</a:t>
-            </a:r>
+        <p:spPr/>
+        <p:txBody>
+          <a:bodyPr/>
+          <a:lstStyle/>
+          <a:p>
+            <a:r>
+              <a:rPr lang="en-AU" dirty="0"/>
+              <a:t>Build a Q&amp;A bot based on FAQ’s</a:t>
+            </a:r>
+          </a:p>
+          <a:p>
+            <a:pPr lvl="1"/>
+            <a:r>
+              <a:rPr lang="en-AU" dirty="0"/>
+              <a:t>Structured documents</a:t>
+            </a:r>
+          </a:p>
+          <a:p>
+            <a:pPr lvl="1"/>
+            <a:r>
+              <a:rPr lang="en-AU" dirty="0"/>
+              <a:t>Manually entered pairs</a:t>
+            </a:r>
+          </a:p>
+          <a:p>
+            <a:pPr lvl="1"/>
+            <a:endParaRPr lang="en-AU" dirty="0"/>
+          </a:p>
+          <a:p>
+            <a:r>
+              <a:rPr lang="en-AU" dirty="0"/>
+              <a:t>Simple REST endpoint for integration</a:t>
+            </a:r>
+          </a:p>
+          <a:p>
+            <a:endParaRPr lang="en-AU" dirty="0"/>
+          </a:p>
+          <a:p>
+            <a:r>
+              <a:rPr lang="en-AU" dirty="0"/>
+              <a:t>Fast to create/deploy and easy to retrain</a:t>
+            </a:r>
+          </a:p>
+          <a:p>
+            <a:endParaRPr lang="en-AU" dirty="0"/>
           </a:p>
         </p:txBody>
       </p:sp>
     </p:spTree>
     <p:extLst>
       <p:ext uri="{BB962C8B-B14F-4D97-AF65-F5344CB8AC3E}">
-        <p14:creationId xmlns:p14="http://schemas.microsoft.com/office/powerpoint/2010/main" val="3223318299"/>
+        <p14:creationId xmlns:p14="http://schemas.microsoft.com/office/powerpoint/2010/main" val="508408597"/>
       </p:ext>
     </p:extLst>
   </p:cSld>
@@ -5626,38 +5637,10 @@
       </p:grpSpPr>
       <p:sp>
         <p:nvSpPr>
-          <p:cNvPr id="2" name="Title 1">
-            <a:extLst>
-              <a:ext uri="{FF2B5EF4-FFF2-40B4-BE49-F238E27FC236}">
-                <a16:creationId xmlns:a16="http://schemas.microsoft.com/office/drawing/2014/main" id="{65F37A44-3922-4FEE-9AE9-C0213241E84B}"/>
-              </a:ext>
-            </a:extLst>
-          </p:cNvPr>
-          <p:cNvSpPr>
-            <a:spLocks noGrp="1"/>
-          </p:cNvSpPr>
-          <p:nvPr>
-            <p:ph type="title"/>
-          </p:nvPr>
-        </p:nvSpPr>
-        <p:spPr/>
-        <p:txBody>
-          <a:bodyPr/>
-          <a:lstStyle/>
-          <a:p>
-            <a:r>
-              <a:rPr lang="en-AU" dirty="0"/>
-              <a:t>Microsoft LUIS</a:t>
-            </a:r>
-          </a:p>
-        </p:txBody>
-      </p:sp>
-      <p:sp>
-        <p:nvSpPr>
           <p:cNvPr id="3" name="Content Placeholder 2">
             <a:extLst>
               <a:ext uri="{FF2B5EF4-FFF2-40B4-BE49-F238E27FC236}">
-                <a16:creationId xmlns:a16="http://schemas.microsoft.com/office/drawing/2014/main" id="{3122984A-0FDC-4B25-B421-F8E970506E03}"/>
+                <a16:creationId xmlns:a16="http://schemas.microsoft.com/office/drawing/2014/main" id="{129571C8-DEF8-42C1-8183-8F8D4F7354E3}"/>
               </a:ext>
             </a:extLst>
           </p:cNvPr>
@@ -5668,66 +5651,32 @@
             <p:ph idx="1"/>
           </p:nvPr>
         </p:nvSpPr>
-        <p:spPr/>
-        <p:txBody>
-          <a:bodyPr/>
-          <a:lstStyle/>
-          <a:p>
-            <a:r>
-              <a:rPr lang="en-AU" dirty="0"/>
-              <a:t>LUIS “Language Understanding Intelligent Service”</a:t>
-            </a:r>
-          </a:p>
-          <a:p>
-            <a:endParaRPr lang="en-AU" dirty="0"/>
-          </a:p>
-          <a:p>
-            <a:r>
-              <a:rPr lang="en-AU" dirty="0"/>
-              <a:t>Provided as a Service</a:t>
-            </a:r>
-          </a:p>
-          <a:p>
-            <a:endParaRPr lang="en-AU" dirty="0"/>
-          </a:p>
-          <a:p>
-            <a:r>
-              <a:rPr lang="en-AU" dirty="0"/>
-              <a:t>Allows definition of custom language models</a:t>
-            </a:r>
-          </a:p>
-          <a:p>
-            <a:pPr lvl="1"/>
-            <a:r>
-              <a:rPr lang="en-AU" dirty="0"/>
-              <a:t>Extracts entities and intent from user input</a:t>
-            </a:r>
-          </a:p>
-          <a:p>
-            <a:pPr lvl="1"/>
-            <a:endParaRPr lang="en-AU" dirty="0"/>
-          </a:p>
-          <a:p>
-            <a:r>
-              <a:rPr lang="en-AU" dirty="0">
-                <a:hlinkClick r:id="rId3"/>
-              </a:rPr>
-              <a:t>http://luis.ai</a:t>
-            </a:r>
-            <a:endParaRPr lang="en-AU" dirty="0"/>
-          </a:p>
-          <a:p>
-            <a:endParaRPr lang="en-AU" dirty="0"/>
-          </a:p>
-          <a:p>
-            <a:endParaRPr lang="en-AU" dirty="0"/>
+        <p:spPr>
+          <a:xfrm>
+            <a:off x="176169" y="478172"/>
+            <a:ext cx="11744587" cy="6233021"/>
+          </a:xfrm>
+        </p:spPr>
+        <p:txBody>
+          <a:bodyPr anchor="ctr">
+            <a:normAutofit/>
+          </a:bodyPr>
+          <a:lstStyle/>
+          <a:p>
+            <a:pPr marL="0" indent="0" algn="ctr">
+              <a:buNone/>
+            </a:pPr>
+            <a:r>
+              <a:rPr lang="en-AU" kern="0" dirty="0"/>
+              <a:t>DEMO TIME!</a:t>
+            </a:r>
           </a:p>
         </p:txBody>
       </p:sp>
     </p:spTree>
     <p:extLst>
       <p:ext uri="{BB962C8B-B14F-4D97-AF65-F5344CB8AC3E}">
-        <p14:creationId xmlns:p14="http://schemas.microsoft.com/office/powerpoint/2010/main" val="3184896754"/>
+        <p14:creationId xmlns:p14="http://schemas.microsoft.com/office/powerpoint/2010/main" val="3223318299"/>
       </p:ext>
     </p:extLst>
   </p:cSld>
@@ -5756,10 +5705,38 @@
       </p:grpSpPr>
       <p:sp>
         <p:nvSpPr>
+          <p:cNvPr id="2" name="Title 1">
+            <a:extLst>
+              <a:ext uri="{FF2B5EF4-FFF2-40B4-BE49-F238E27FC236}">
+                <a16:creationId xmlns:a16="http://schemas.microsoft.com/office/drawing/2014/main" id="{65F37A44-3922-4FEE-9AE9-C0213241E84B}"/>
+              </a:ext>
+            </a:extLst>
+          </p:cNvPr>
+          <p:cNvSpPr>
+            <a:spLocks noGrp="1"/>
+          </p:cNvSpPr>
+          <p:nvPr>
+            <p:ph type="title"/>
+          </p:nvPr>
+        </p:nvSpPr>
+        <p:spPr/>
+        <p:txBody>
+          <a:bodyPr/>
+          <a:lstStyle/>
+          <a:p>
+            <a:r>
+              <a:rPr lang="en-AU" dirty="0"/>
+              <a:t>Microsoft LUIS</a:t>
+            </a:r>
+          </a:p>
+        </p:txBody>
+      </p:sp>
+      <p:sp>
+        <p:nvSpPr>
           <p:cNvPr id="3" name="Content Placeholder 2">
             <a:extLst>
               <a:ext uri="{FF2B5EF4-FFF2-40B4-BE49-F238E27FC236}">
-                <a16:creationId xmlns:a16="http://schemas.microsoft.com/office/drawing/2014/main" id="{129571C8-DEF8-42C1-8183-8F8D4F7354E3}"/>
+                <a16:creationId xmlns:a16="http://schemas.microsoft.com/office/drawing/2014/main" id="{3122984A-0FDC-4B25-B421-F8E970506E03}"/>
               </a:ext>
             </a:extLst>
           </p:cNvPr>
@@ -5770,32 +5747,66 @@
             <p:ph idx="1"/>
           </p:nvPr>
         </p:nvSpPr>
-        <p:spPr>
-          <a:xfrm>
-            <a:off x="176169" y="478172"/>
-            <a:ext cx="11744587" cy="6233021"/>
-          </a:xfrm>
-        </p:spPr>
-        <p:txBody>
-          <a:bodyPr anchor="ctr">
-            <a:normAutofit/>
-          </a:bodyPr>
-          <a:lstStyle/>
-          <a:p>
-            <a:pPr marL="0" indent="0" algn="ctr">
-              <a:buNone/>
-            </a:pPr>
-            <a:r>
-              <a:rPr lang="en-AU" kern="0" dirty="0"/>
-              <a:t>DEMO TIME!</a:t>
-            </a:r>
+        <p:spPr/>
+        <p:txBody>
+          <a:bodyPr/>
+          <a:lstStyle/>
+          <a:p>
+            <a:r>
+              <a:rPr lang="en-AU" dirty="0"/>
+              <a:t>LUIS “Language Understanding Intelligent Service”</a:t>
+            </a:r>
+          </a:p>
+          <a:p>
+            <a:endParaRPr lang="en-AU" dirty="0"/>
+          </a:p>
+          <a:p>
+            <a:r>
+              <a:rPr lang="en-AU" dirty="0"/>
+              <a:t>Provided as a Service</a:t>
+            </a:r>
+          </a:p>
+          <a:p>
+            <a:endParaRPr lang="en-AU" dirty="0"/>
+          </a:p>
+          <a:p>
+            <a:r>
+              <a:rPr lang="en-AU" dirty="0"/>
+              <a:t>Allows definition of custom language models</a:t>
+            </a:r>
+          </a:p>
+          <a:p>
+            <a:pPr lvl="1"/>
+            <a:r>
+              <a:rPr lang="en-AU" dirty="0"/>
+              <a:t>Extracts entities and intent from user input</a:t>
+            </a:r>
+          </a:p>
+          <a:p>
+            <a:pPr lvl="1"/>
+            <a:endParaRPr lang="en-AU" dirty="0"/>
+          </a:p>
+          <a:p>
+            <a:r>
+              <a:rPr lang="en-AU" dirty="0">
+                <a:hlinkClick r:id="rId3"/>
+              </a:rPr>
+              <a:t>http://luis.ai</a:t>
+            </a:r>
+            <a:endParaRPr lang="en-AU" dirty="0"/>
+          </a:p>
+          <a:p>
+            <a:endParaRPr lang="en-AU" dirty="0"/>
+          </a:p>
+          <a:p>
+            <a:endParaRPr lang="en-AU" dirty="0"/>
           </a:p>
         </p:txBody>
       </p:sp>
     </p:spTree>
     <p:extLst>
       <p:ext uri="{BB962C8B-B14F-4D97-AF65-F5344CB8AC3E}">
-        <p14:creationId xmlns:p14="http://schemas.microsoft.com/office/powerpoint/2010/main" val="1225880524"/>
+        <p14:creationId xmlns:p14="http://schemas.microsoft.com/office/powerpoint/2010/main" val="3184896754"/>
       </p:ext>
     </p:extLst>
   </p:cSld>
@@ -5824,6 +5835,74 @@
       </p:grpSpPr>
       <p:sp>
         <p:nvSpPr>
+          <p:cNvPr id="3" name="Content Placeholder 2">
+            <a:extLst>
+              <a:ext uri="{FF2B5EF4-FFF2-40B4-BE49-F238E27FC236}">
+                <a16:creationId xmlns:a16="http://schemas.microsoft.com/office/drawing/2014/main" id="{129571C8-DEF8-42C1-8183-8F8D4F7354E3}"/>
+              </a:ext>
+            </a:extLst>
+          </p:cNvPr>
+          <p:cNvSpPr>
+            <a:spLocks noGrp="1"/>
+          </p:cNvSpPr>
+          <p:nvPr>
+            <p:ph idx="1"/>
+          </p:nvPr>
+        </p:nvSpPr>
+        <p:spPr>
+          <a:xfrm>
+            <a:off x="176169" y="478172"/>
+            <a:ext cx="11744587" cy="6233021"/>
+          </a:xfrm>
+        </p:spPr>
+        <p:txBody>
+          <a:bodyPr anchor="ctr">
+            <a:normAutofit/>
+          </a:bodyPr>
+          <a:lstStyle/>
+          <a:p>
+            <a:pPr marL="0" indent="0" algn="ctr">
+              <a:buNone/>
+            </a:pPr>
+            <a:r>
+              <a:rPr lang="en-AU" kern="0" dirty="0"/>
+              <a:t>DEMO TIME!</a:t>
+            </a:r>
+          </a:p>
+        </p:txBody>
+      </p:sp>
+    </p:spTree>
+    <p:extLst>
+      <p:ext uri="{BB962C8B-B14F-4D97-AF65-F5344CB8AC3E}">
+        <p14:creationId xmlns:p14="http://schemas.microsoft.com/office/powerpoint/2010/main" val="1225880524"/>
+      </p:ext>
+    </p:extLst>
+  </p:cSld>
+  <p:clrMapOvr>
+    <a:masterClrMapping/>
+  </p:clrMapOvr>
+</p:sld>
+</file>
+
+<file path=ppt/slides/slide28.xml><?xml version="1.0" encoding="utf-8"?>
+<p:sld xmlns:a="http://schemas.openxmlformats.org/drawingml/2006/main" xmlns:r="http://schemas.openxmlformats.org/officeDocument/2006/relationships" xmlns:p="http://schemas.openxmlformats.org/presentationml/2006/main">
+  <p:cSld>
+    <p:spTree>
+      <p:nvGrpSpPr>
+        <p:cNvPr id="1" name=""/>
+        <p:cNvGrpSpPr/>
+        <p:nvPr/>
+      </p:nvGrpSpPr>
+      <p:grpSpPr>
+        <a:xfrm>
+          <a:off x="0" y="0"/>
+          <a:ext cx="0" cy="0"/>
+          <a:chOff x="0" y="0"/>
+          <a:chExt cx="0" cy="0"/>
+        </a:xfrm>
+      </p:grpSpPr>
+      <p:sp>
+        <p:nvSpPr>
           <p:cNvPr id="2" name="Title 1">
             <a:extLst>
               <a:ext uri="{FF2B5EF4-FFF2-40B4-BE49-F238E27FC236}">
@@ -5903,7 +5982,7 @@
             </a:pPr>
             <a:r>
               <a:rPr lang="en-AU" kern="0" dirty="0"/>
-              <a:t>1. Tell a simple Q/A joke (use a Dialog)</a:t>
+              <a:t>1. Give details about the venue (e.g. where are the toilets)</a:t>
             </a:r>
           </a:p>
           <a:p>
@@ -5918,7 +5997,7 @@
             </a:pPr>
             <a:r>
               <a:rPr lang="en-AU" kern="0" dirty="0"/>
-              <a:t>2. Give details about the venue (e.g. where are the toilets)</a:t>
+              <a:t>2. Give details about how to get to the venue </a:t>
             </a:r>
           </a:p>
           <a:p>
@@ -5933,8 +6012,14 @@
             </a:pPr>
             <a:r>
               <a:rPr lang="en-AU" kern="0" dirty="0"/>
-              <a:t>3. Give details about how to get to the venue </a:t>
-            </a:r>
+              <a:t>3. Tell a simple Q/A joke (use a Dialog)</a:t>
+            </a:r>
+          </a:p>
+          <a:p>
+            <a:pPr marL="0" indent="0">
+              <a:buNone/>
+            </a:pPr>
+            <a:endParaRPr lang="en-AU" kern="0" dirty="0"/>
           </a:p>
         </p:txBody>
       </p:sp>
@@ -6136,7 +6221,10 @@
               </a:rPr>
               <a:t>www.dddperth.com</a:t>
             </a:r>
-            <a:endParaRPr lang="en-AU" kern="0" dirty="0"/>
+            <a:r>
+              <a:rPr lang="en-AU" kern="0" dirty="0"/>
+              <a:t> for info</a:t>
+            </a:r>
           </a:p>
           <a:p>
             <a:r>
@@ -6145,7 +6233,10 @@
               </a:rPr>
               <a:t>www.luis.ai</a:t>
             </a:r>
-            <a:endParaRPr lang="en-AU" kern="0" dirty="0"/>
+            <a:r>
+              <a:rPr lang="en-AU" kern="0" dirty="0"/>
+              <a:t> to create your own intents</a:t>
+            </a:r>
           </a:p>
           <a:p>
             <a:endParaRPr lang="en-AU" kern="0" dirty="0"/>
@@ -6189,6 +6280,131 @@
     <p:extLst>
       <p:ext uri="{BB962C8B-B14F-4D97-AF65-F5344CB8AC3E}">
         <p14:creationId xmlns:p14="http://schemas.microsoft.com/office/powerpoint/2010/main" val="3240403607"/>
+      </p:ext>
+    </p:extLst>
+  </p:cSld>
+  <p:clrMapOvr>
+    <a:masterClrMapping/>
+  </p:clrMapOvr>
+</p:sld>
+</file>
+
+<file path=ppt/slides/slide29.xml><?xml version="1.0" encoding="utf-8"?>
+<p:sld xmlns:a="http://schemas.openxmlformats.org/drawingml/2006/main" xmlns:r="http://schemas.openxmlformats.org/officeDocument/2006/relationships" xmlns:p="http://schemas.openxmlformats.org/presentationml/2006/main">
+  <p:cSld>
+    <p:spTree>
+      <p:nvGrpSpPr>
+        <p:cNvPr id="1" name=""/>
+        <p:cNvGrpSpPr/>
+        <p:nvPr/>
+      </p:nvGrpSpPr>
+      <p:grpSpPr>
+        <a:xfrm>
+          <a:off x="0" y="0"/>
+          <a:ext cx="0" cy="0"/>
+          <a:chOff x="0" y="0"/>
+          <a:chExt cx="0" cy="0"/>
+        </a:xfrm>
+      </p:grpSpPr>
+      <p:sp>
+        <p:nvSpPr>
+          <p:cNvPr id="5" name="Title 4">
+            <a:extLst>
+              <a:ext uri="{FF2B5EF4-FFF2-40B4-BE49-F238E27FC236}">
+                <a16:creationId xmlns:a16="http://schemas.microsoft.com/office/drawing/2014/main" id="{934140FD-B6C8-4C68-8F26-7DB96D0333E8}"/>
+              </a:ext>
+            </a:extLst>
+          </p:cNvPr>
+          <p:cNvSpPr>
+            <a:spLocks noGrp="1"/>
+          </p:cNvSpPr>
+          <p:nvPr>
+            <p:ph type="title"/>
+          </p:nvPr>
+        </p:nvSpPr>
+        <p:spPr/>
+        <p:txBody>
+          <a:bodyPr/>
+          <a:lstStyle/>
+          <a:p>
+            <a:r>
+              <a:rPr lang="en-AU" dirty="0"/>
+              <a:t>1. Tell a Q/A Joke</a:t>
+            </a:r>
+          </a:p>
+        </p:txBody>
+      </p:sp>
+      <p:sp>
+        <p:nvSpPr>
+          <p:cNvPr id="6" name="Content Placeholder 5">
+            <a:extLst>
+              <a:ext uri="{FF2B5EF4-FFF2-40B4-BE49-F238E27FC236}">
+                <a16:creationId xmlns:a16="http://schemas.microsoft.com/office/drawing/2014/main" id="{C1F6B9B1-7ACF-475E-91B0-FF2EB8CAEFE8}"/>
+              </a:ext>
+            </a:extLst>
+          </p:cNvPr>
+          <p:cNvSpPr>
+            <a:spLocks noGrp="1"/>
+          </p:cNvSpPr>
+          <p:nvPr>
+            <p:ph idx="1"/>
+          </p:nvPr>
+        </p:nvSpPr>
+        <p:spPr/>
+        <p:txBody>
+          <a:bodyPr/>
+          <a:lstStyle/>
+          <a:p>
+            <a:r>
+              <a:rPr lang="en-AU" dirty="0"/>
+              <a:t>Create LUIS Intent and publish model</a:t>
+            </a:r>
+          </a:p>
+          <a:p>
+            <a:endParaRPr lang="en-AU" dirty="0"/>
+          </a:p>
+          <a:p>
+            <a:r>
+              <a:rPr lang="en-AU" dirty="0"/>
+              <a:t>Update </a:t>
+            </a:r>
+            <a:r>
+              <a:rPr lang="en-AU" dirty="0" err="1"/>
+              <a:t>ConferenceRootDialog</a:t>
+            </a:r>
+            <a:r>
+              <a:rPr lang="en-AU" dirty="0"/>
+              <a:t> with your LUIS keys</a:t>
+            </a:r>
+          </a:p>
+          <a:p>
+            <a:endParaRPr lang="en-AU" dirty="0"/>
+          </a:p>
+          <a:p>
+            <a:r>
+              <a:rPr lang="en-AU" dirty="0"/>
+              <a:t>Create Joke Dialog</a:t>
+            </a:r>
+          </a:p>
+          <a:p>
+            <a:endParaRPr lang="en-AU" dirty="0"/>
+          </a:p>
+          <a:p>
+            <a:r>
+              <a:rPr lang="en-AU" dirty="0" err="1"/>
+              <a:t>Context.Call</a:t>
+            </a:r>
+            <a:r>
+              <a:rPr lang="en-AU" dirty="0"/>
+              <a:t> your Dialog</a:t>
+            </a:r>
+          </a:p>
+        </p:txBody>
+      </p:sp>
+    </p:spTree>
+    <p:extLst>
+      <p:ext uri="{BB962C8B-B14F-4D97-AF65-F5344CB8AC3E}">
+        <p14:creationId xmlns:p14="http://schemas.microsoft.com/office/powerpoint/2010/main" val="3886039999"/>
       </p:ext>
     </p:extLst>
   </p:cSld>
@@ -6901,35 +7117,42 @@
             <a:endParaRPr lang="en-AU" kern="0" dirty="0"/>
           </a:p>
           <a:p>
-            <a:pPr marL="0" indent="0">
-              <a:buNone/>
+            <a:pPr marL="514350" indent="-514350">
+              <a:buAutoNum type="arabicPeriod"/>
             </a:pPr>
             <a:r>
               <a:rPr lang="en-AU" kern="0" dirty="0"/>
-              <a:t>1. Make the </a:t>
-            </a:r>
-            <a:r>
-              <a:rPr lang="en-AU" kern="0" dirty="0" err="1"/>
-              <a:t>MyFirstBot</a:t>
-            </a:r>
-            <a:r>
-              <a:rPr lang="en-AU" kern="0" dirty="0"/>
-              <a:t> prompt for the users name</a:t>
-            </a:r>
-          </a:p>
-          <a:p>
-            <a:pPr marL="0" indent="0">
-              <a:buNone/>
+              <a:t>Ask the user their name</a:t>
+            </a:r>
+          </a:p>
+          <a:p>
+            <a:pPr marL="514350" indent="-514350">
+              <a:buAutoNum type="arabicPeriod"/>
             </a:pPr>
             <a:endParaRPr lang="en-AU" kern="0" dirty="0"/>
           </a:p>
           <a:p>
+            <a:pPr marL="514350" indent="-514350">
+              <a:buAutoNum type="arabicPeriod"/>
+            </a:pPr>
+            <a:r>
+              <a:rPr lang="en-AU" kern="0" dirty="0"/>
+              <a:t>Ask the user their email address</a:t>
+            </a:r>
+          </a:p>
+          <a:p>
             <a:pPr marL="0" indent="0">
               <a:buNone/>
             </a:pPr>
+            <a:endParaRPr lang="en-AU" kern="0" dirty="0"/>
+          </a:p>
+          <a:p>
+            <a:pPr marL="0" indent="0">
+              <a:buNone/>
+            </a:pPr>
             <a:r>
               <a:rPr lang="en-AU" kern="0" dirty="0"/>
-              <a:t>2. Welcome the user to your bot.</a:t>
+              <a:t>3. Welcome the user to your bot.</a:t>
             </a:r>
           </a:p>
           <a:p>

--- a/Introduction to the Microsoft Bot Framework.pptx
+++ b/Introduction to the Microsoft Bot Framework.pptx
@@ -5289,6 +5289,16 @@
             <a:pPr lvl="1"/>
             <a:endParaRPr lang="en-AU" dirty="0"/>
           </a:p>
+          <a:p>
+            <a:r>
+              <a:rPr lang="en-AU" dirty="0"/>
+              <a:t>Ideally want to discover the user’s “intent”</a:t>
+            </a:r>
+          </a:p>
+          <a:p>
+            <a:pPr lvl="1"/>
+            <a:endParaRPr lang="en-AU" dirty="0"/>
+          </a:p>
         </p:txBody>
       </p:sp>
     </p:spTree>
@@ -6048,7 +6058,7 @@
         </p:spPr>
         <p:txBody>
           <a:bodyPr vert="horz" lIns="91440" tIns="45720" rIns="91440" bIns="45720" rtlCol="0" anchor="t">
-            <a:normAutofit/>
+            <a:normAutofit fontScale="85000" lnSpcReduction="20000"/>
           </a:bodyPr>
           <a:lstStyle>
             <a:lvl1pPr marL="228600" indent="-228600" algn="l" defTabSz="914400" rtl="0" eaLnBrk="1" latinLnBrk="0" hangingPunct="1">
@@ -6215,6 +6225,11 @@
             </a:lvl9pPr>
           </a:lstStyle>
           <a:p>
+            <a:endParaRPr lang="en-AU" kern="0" dirty="0">
+              <a:hlinkClick r:id="rId2"/>
+            </a:endParaRPr>
+          </a:p>
+          <a:p>
             <a:r>
               <a:rPr lang="en-AU" kern="0" dirty="0">
                 <a:hlinkClick r:id="rId2"/>
@@ -6236,6 +6251,18 @@
             <a:r>
               <a:rPr lang="en-AU" kern="0" dirty="0"/>
               <a:t> to create your own intents</a:t>
+            </a:r>
+          </a:p>
+          <a:p>
+            <a:r>
+              <a:rPr lang="en-AU" kern="0" dirty="0">
+                <a:hlinkClick r:id="rId4"/>
+              </a:rPr>
+              <a:t>www.qnamaker.ai </a:t>
+            </a:r>
+            <a:r>
+              <a:rPr lang="en-AU" kern="0" dirty="0"/>
+              <a:t>to create a simple data set</a:t>
             </a:r>
           </a:p>
           <a:p>

--- a/Introduction to the Microsoft Bot Framework.pptx
+++ b/Introduction to the Microsoft Bot Framework.pptx
@@ -5,7 +5,7 @@
     <p:sldMasterId id="2147483648" r:id="rId1"/>
   </p:sldMasterIdLst>
   <p:notesMasterIdLst>
-    <p:notesMasterId r:id="rId31"/>
+    <p:notesMasterId r:id="rId32"/>
   </p:notesMasterIdLst>
   <p:sldIdLst>
     <p:sldId id="256" r:id="rId2"/>
@@ -35,8 +35,9 @@
     <p:sldId id="287" r:id="rId26"/>
     <p:sldId id="275" r:id="rId27"/>
     <p:sldId id="277" r:id="rId28"/>
-    <p:sldId id="278" r:id="rId29"/>
-    <p:sldId id="288" r:id="rId30"/>
+    <p:sldId id="291" r:id="rId29"/>
+    <p:sldId id="278" r:id="rId30"/>
+    <p:sldId id="288" r:id="rId31"/>
   </p:sldIdLst>
   <p:sldSz cx="12192000" cy="6858000"/>
   <p:notesSz cx="6858000" cy="9144000"/>
@@ -628,138 +629,6 @@
           <a:bodyPr/>
           <a:lstStyle/>
           <a:p>
-            <a:r>
-              <a:rPr lang="en-AU" dirty="0"/>
-              <a:t>Add “where conference”:</a:t>
-            </a:r>
-          </a:p>
-          <a:p>
-            <a:r>
-              <a:rPr lang="en-AU" dirty="0"/>
-              <a:t>	“Where is the conference this year?” – The Perth Convention and Exhibition Centre</a:t>
-            </a:r>
-          </a:p>
-          <a:p>
-            <a:pPr marL="0" marR="0" lvl="0" indent="0" algn="l" defTabSz="914400" rtl="0" eaLnBrk="1" fontAlgn="auto" latinLnBrk="0" hangingPunct="1">
-              <a:lnSpc>
-                <a:spcPct val="100000"/>
-              </a:lnSpc>
-              <a:spcBef>
-                <a:spcPts val="0"/>
-              </a:spcBef>
-              <a:spcAft>
-                <a:spcPts val="0"/>
-              </a:spcAft>
-              <a:buClrTx/>
-              <a:buSzTx/>
-              <a:buFontTx/>
-              <a:buNone/>
-              <a:tabLst/>
-              <a:defRPr/>
-            </a:pPr>
-            <a:r>
-              <a:rPr lang="en-AU" dirty="0"/>
-              <a:t>	“Where is the conference?” – The Perth Convention and Exhibition Centre</a:t>
-            </a:r>
-          </a:p>
-          <a:p>
-            <a:pPr marL="0" marR="0" lvl="0" indent="0" algn="l" defTabSz="914400" rtl="0" eaLnBrk="1" fontAlgn="auto" latinLnBrk="0" hangingPunct="1">
-              <a:lnSpc>
-                <a:spcPct val="100000"/>
-              </a:lnSpc>
-              <a:spcBef>
-                <a:spcPts val="0"/>
-              </a:spcBef>
-              <a:spcAft>
-                <a:spcPts val="0"/>
-              </a:spcAft>
-              <a:buClrTx/>
-              <a:buSzTx/>
-              <a:buFontTx/>
-              <a:buNone/>
-              <a:tabLst/>
-              <a:defRPr/>
-            </a:pPr>
-            <a:r>
-              <a:rPr lang="en-AU" dirty="0"/>
-              <a:t>	“Where?” - The Perth Convention and Exhibition Centre</a:t>
-            </a:r>
-          </a:p>
-          <a:p>
-            <a:pPr marL="0" marR="0" lvl="0" indent="0" algn="l" defTabSz="914400" rtl="0" eaLnBrk="1" fontAlgn="auto" latinLnBrk="0" hangingPunct="1">
-              <a:lnSpc>
-                <a:spcPct val="100000"/>
-              </a:lnSpc>
-              <a:spcBef>
-                <a:spcPts val="0"/>
-              </a:spcBef>
-              <a:spcAft>
-                <a:spcPts val="0"/>
-              </a:spcAft>
-              <a:buClrTx/>
-              <a:buSzTx/>
-              <a:buFontTx/>
-              <a:buNone/>
-              <a:tabLst/>
-              <a:defRPr/>
-            </a:pPr>
-            <a:endParaRPr lang="en-AU" dirty="0"/>
-          </a:p>
-          <a:p>
-            <a:pPr marL="0" marR="0" lvl="0" indent="0" algn="l" defTabSz="914400" rtl="0" eaLnBrk="1" fontAlgn="auto" latinLnBrk="0" hangingPunct="1">
-              <a:lnSpc>
-                <a:spcPct val="100000"/>
-              </a:lnSpc>
-              <a:spcBef>
-                <a:spcPts val="0"/>
-              </a:spcBef>
-              <a:spcAft>
-                <a:spcPts val="0"/>
-              </a:spcAft>
-              <a:buClrTx/>
-              <a:buSzTx/>
-              <a:buFontTx/>
-              <a:buNone/>
-              <a:tabLst/>
-              <a:defRPr/>
-            </a:pPr>
-            <a:r>
-              <a:rPr lang="en-AU" dirty="0"/>
-              <a:t>Add “when” questions:</a:t>
-            </a:r>
-          </a:p>
-          <a:p>
-            <a:pPr marL="0" marR="0" lvl="0" indent="0" algn="l" defTabSz="914400" rtl="0" eaLnBrk="1" fontAlgn="auto" latinLnBrk="0" hangingPunct="1">
-              <a:lnSpc>
-                <a:spcPct val="100000"/>
-              </a:lnSpc>
-              <a:spcBef>
-                <a:spcPts val="0"/>
-              </a:spcBef>
-              <a:spcAft>
-                <a:spcPts val="0"/>
-              </a:spcAft>
-              <a:buClrTx/>
-              <a:buSzTx/>
-              <a:buFontTx/>
-              <a:buNone/>
-              <a:tabLst/>
-              <a:defRPr/>
-            </a:pPr>
-            <a:r>
-              <a:rPr lang="en-AU" dirty="0"/>
-              <a:t>	When – 16</a:t>
-            </a:r>
-            <a:r>
-              <a:rPr lang="en-AU" baseline="30000" dirty="0"/>
-              <a:t>th</a:t>
-            </a:r>
-            <a:r>
-              <a:rPr lang="en-AU" dirty="0"/>
-              <a:t> September 2017</a:t>
-            </a:r>
-          </a:p>
-          <a:p>
             <a:endParaRPr lang="en-AU" dirty="0"/>
           </a:p>
         </p:txBody>
@@ -781,7 +650,7 @@
           <a:p>
             <a:fld id="{B0963970-F77D-4550-9FC6-19F442B9E04B}" type="slidenum">
               <a:rPr lang="en-AU" smtClean="0"/>
-              <a:t>25</a:t>
+              <a:t>24</a:t>
             </a:fld>
             <a:endParaRPr lang="en-AU"/>
           </a:p>
@@ -790,7 +659,7 @@
     </p:spTree>
     <p:extLst>
       <p:ext uri="{BB962C8B-B14F-4D97-AF65-F5344CB8AC3E}">
-        <p14:creationId xmlns:p14="http://schemas.microsoft.com/office/powerpoint/2010/main" val="2818304037"/>
+        <p14:creationId xmlns:p14="http://schemas.microsoft.com/office/powerpoint/2010/main" val="3664956494"/>
       </p:ext>
     </p:extLst>
   </p:cSld>
@@ -846,6 +715,222 @@
           <a:p>
             <a:r>
               <a:rPr lang="en-AU" dirty="0"/>
+              <a:t>Add “where conference”:</a:t>
+            </a:r>
+          </a:p>
+          <a:p>
+            <a:r>
+              <a:rPr lang="en-AU" dirty="0"/>
+              <a:t>	“Where is the conference this year?” – The Perth Convention and Exhibition Centre</a:t>
+            </a:r>
+          </a:p>
+          <a:p>
+            <a:pPr marL="0" marR="0" lvl="0" indent="0" algn="l" defTabSz="914400" rtl="0" eaLnBrk="1" fontAlgn="auto" latinLnBrk="0" hangingPunct="1">
+              <a:lnSpc>
+                <a:spcPct val="100000"/>
+              </a:lnSpc>
+              <a:spcBef>
+                <a:spcPts val="0"/>
+              </a:spcBef>
+              <a:spcAft>
+                <a:spcPts val="0"/>
+              </a:spcAft>
+              <a:buClrTx/>
+              <a:buSzTx/>
+              <a:buFontTx/>
+              <a:buNone/>
+              <a:tabLst/>
+              <a:defRPr/>
+            </a:pPr>
+            <a:r>
+              <a:rPr lang="en-AU" dirty="0"/>
+              <a:t>	“Where is the conference?” – The Perth Convention and Exhibition Centre</a:t>
+            </a:r>
+          </a:p>
+          <a:p>
+            <a:pPr marL="0" marR="0" lvl="0" indent="0" algn="l" defTabSz="914400" rtl="0" eaLnBrk="1" fontAlgn="auto" latinLnBrk="0" hangingPunct="1">
+              <a:lnSpc>
+                <a:spcPct val="100000"/>
+              </a:lnSpc>
+              <a:spcBef>
+                <a:spcPts val="0"/>
+              </a:spcBef>
+              <a:spcAft>
+                <a:spcPts val="0"/>
+              </a:spcAft>
+              <a:buClrTx/>
+              <a:buSzTx/>
+              <a:buFontTx/>
+              <a:buNone/>
+              <a:tabLst/>
+              <a:defRPr/>
+            </a:pPr>
+            <a:r>
+              <a:rPr lang="en-AU" dirty="0"/>
+              <a:t>	“Where?” - The Perth Convention and Exhibition Centre</a:t>
+            </a:r>
+          </a:p>
+          <a:p>
+            <a:pPr marL="0" marR="0" lvl="0" indent="0" algn="l" defTabSz="914400" rtl="0" eaLnBrk="1" fontAlgn="auto" latinLnBrk="0" hangingPunct="1">
+              <a:lnSpc>
+                <a:spcPct val="100000"/>
+              </a:lnSpc>
+              <a:spcBef>
+                <a:spcPts val="0"/>
+              </a:spcBef>
+              <a:spcAft>
+                <a:spcPts val="0"/>
+              </a:spcAft>
+              <a:buClrTx/>
+              <a:buSzTx/>
+              <a:buFontTx/>
+              <a:buNone/>
+              <a:tabLst/>
+              <a:defRPr/>
+            </a:pPr>
+            <a:endParaRPr lang="en-AU" dirty="0"/>
+          </a:p>
+          <a:p>
+            <a:pPr marL="0" marR="0" lvl="0" indent="0" algn="l" defTabSz="914400" rtl="0" eaLnBrk="1" fontAlgn="auto" latinLnBrk="0" hangingPunct="1">
+              <a:lnSpc>
+                <a:spcPct val="100000"/>
+              </a:lnSpc>
+              <a:spcBef>
+                <a:spcPts val="0"/>
+              </a:spcBef>
+              <a:spcAft>
+                <a:spcPts val="0"/>
+              </a:spcAft>
+              <a:buClrTx/>
+              <a:buSzTx/>
+              <a:buFontTx/>
+              <a:buNone/>
+              <a:tabLst/>
+              <a:defRPr/>
+            </a:pPr>
+            <a:r>
+              <a:rPr lang="en-AU" dirty="0"/>
+              <a:t>Add “when” questions:</a:t>
+            </a:r>
+          </a:p>
+          <a:p>
+            <a:pPr marL="0" marR="0" lvl="0" indent="0" algn="l" defTabSz="914400" rtl="0" eaLnBrk="1" fontAlgn="auto" latinLnBrk="0" hangingPunct="1">
+              <a:lnSpc>
+                <a:spcPct val="100000"/>
+              </a:lnSpc>
+              <a:spcBef>
+                <a:spcPts val="0"/>
+              </a:spcBef>
+              <a:spcAft>
+                <a:spcPts val="0"/>
+              </a:spcAft>
+              <a:buClrTx/>
+              <a:buSzTx/>
+              <a:buFontTx/>
+              <a:buNone/>
+              <a:tabLst/>
+              <a:defRPr/>
+            </a:pPr>
+            <a:r>
+              <a:rPr lang="en-AU" dirty="0"/>
+              <a:t>	When – 16</a:t>
+            </a:r>
+            <a:r>
+              <a:rPr lang="en-AU" baseline="30000" dirty="0"/>
+              <a:t>th</a:t>
+            </a:r>
+            <a:r>
+              <a:rPr lang="en-AU" dirty="0"/>
+              <a:t> September 2017</a:t>
+            </a:r>
+          </a:p>
+          <a:p>
+            <a:endParaRPr lang="en-AU" dirty="0"/>
+          </a:p>
+        </p:txBody>
+      </p:sp>
+      <p:sp>
+        <p:nvSpPr>
+          <p:cNvPr id="4" name="Slide Number Placeholder 3"/>
+          <p:cNvSpPr>
+            <a:spLocks noGrp="1"/>
+          </p:cNvSpPr>
+          <p:nvPr>
+            <p:ph type="sldNum" sz="quarter" idx="10"/>
+          </p:nvPr>
+        </p:nvSpPr>
+        <p:spPr/>
+        <p:txBody>
+          <a:bodyPr/>
+          <a:lstStyle/>
+          <a:p>
+            <a:fld id="{B0963970-F77D-4550-9FC6-19F442B9E04B}" type="slidenum">
+              <a:rPr lang="en-AU" smtClean="0"/>
+              <a:t>25</a:t>
+            </a:fld>
+            <a:endParaRPr lang="en-AU"/>
+          </a:p>
+        </p:txBody>
+      </p:sp>
+    </p:spTree>
+    <p:extLst>
+      <p:ext uri="{BB962C8B-B14F-4D97-AF65-F5344CB8AC3E}">
+        <p14:creationId xmlns:p14="http://schemas.microsoft.com/office/powerpoint/2010/main" val="2818304037"/>
+      </p:ext>
+    </p:extLst>
+  </p:cSld>
+  <p:clrMapOvr>
+    <a:masterClrMapping/>
+  </p:clrMapOvr>
+</p:notes>
+</file>
+
+<file path=ppt/notesSlides/notesSlide4.xml><?xml version="1.0" encoding="utf-8"?>
+<p:notes xmlns:a="http://schemas.openxmlformats.org/drawingml/2006/main" xmlns:r="http://schemas.openxmlformats.org/officeDocument/2006/relationships" xmlns:p="http://schemas.openxmlformats.org/presentationml/2006/main">
+  <p:cSld>
+    <p:spTree>
+      <p:nvGrpSpPr>
+        <p:cNvPr id="1" name=""/>
+        <p:cNvGrpSpPr/>
+        <p:nvPr/>
+      </p:nvGrpSpPr>
+      <p:grpSpPr>
+        <a:xfrm>
+          <a:off x="0" y="0"/>
+          <a:ext cx="0" cy="0"/>
+          <a:chOff x="0" y="0"/>
+          <a:chExt cx="0" cy="0"/>
+        </a:xfrm>
+      </p:grpSpPr>
+      <p:sp>
+        <p:nvSpPr>
+          <p:cNvPr id="2" name="Slide Image Placeholder 1"/>
+          <p:cNvSpPr>
+            <a:spLocks noGrp="1" noRot="1" noChangeAspect="1"/>
+          </p:cNvSpPr>
+          <p:nvPr>
+            <p:ph type="sldImg"/>
+          </p:nvPr>
+        </p:nvSpPr>
+        <p:spPr/>
+      </p:sp>
+      <p:sp>
+        <p:nvSpPr>
+          <p:cNvPr id="3" name="Notes Placeholder 2"/>
+          <p:cNvSpPr>
+            <a:spLocks noGrp="1"/>
+          </p:cNvSpPr>
+          <p:nvPr>
+            <p:ph type="body" idx="1"/>
+          </p:nvPr>
+        </p:nvSpPr>
+        <p:spPr/>
+        <p:txBody>
+          <a:bodyPr/>
+          <a:lstStyle/>
+          <a:p>
+            <a:r>
+              <a:rPr lang="en-AU" dirty="0"/>
               <a:t>Don’t go all NLP, it’s best as “glue” between “on rails” conversations.</a:t>
             </a:r>
           </a:p>
@@ -878,6 +963,229 @@
     <p:extLst>
       <p:ext uri="{BB962C8B-B14F-4D97-AF65-F5344CB8AC3E}">
         <p14:creationId xmlns:p14="http://schemas.microsoft.com/office/powerpoint/2010/main" val="465390605"/>
+      </p:ext>
+    </p:extLst>
+  </p:cSld>
+  <p:clrMapOvr>
+    <a:masterClrMapping/>
+  </p:clrMapOvr>
+</p:notes>
+</file>
+
+<file path=ppt/notesSlides/notesSlide5.xml><?xml version="1.0" encoding="utf-8"?>
+<p:notes xmlns:a="http://schemas.openxmlformats.org/drawingml/2006/main" xmlns:r="http://schemas.openxmlformats.org/officeDocument/2006/relationships" xmlns:p="http://schemas.openxmlformats.org/presentationml/2006/main">
+  <p:cSld>
+    <p:spTree>
+      <p:nvGrpSpPr>
+        <p:cNvPr id="1" name=""/>
+        <p:cNvGrpSpPr/>
+        <p:nvPr/>
+      </p:nvGrpSpPr>
+      <p:grpSpPr>
+        <a:xfrm>
+          <a:off x="0" y="0"/>
+          <a:ext cx="0" cy="0"/>
+          <a:chOff x="0" y="0"/>
+          <a:chExt cx="0" cy="0"/>
+        </a:xfrm>
+      </p:grpSpPr>
+      <p:sp>
+        <p:nvSpPr>
+          <p:cNvPr id="2" name="Slide Image Placeholder 1"/>
+          <p:cNvSpPr>
+            <a:spLocks noGrp="1" noRot="1" noChangeAspect="1"/>
+          </p:cNvSpPr>
+          <p:nvPr>
+            <p:ph type="sldImg"/>
+          </p:nvPr>
+        </p:nvSpPr>
+        <p:spPr/>
+      </p:sp>
+      <p:sp>
+        <p:nvSpPr>
+          <p:cNvPr id="3" name="Notes Placeholder 2"/>
+          <p:cNvSpPr>
+            <a:spLocks noGrp="1"/>
+          </p:cNvSpPr>
+          <p:nvPr>
+            <p:ph type="body" idx="1"/>
+          </p:nvPr>
+        </p:nvSpPr>
+        <p:spPr/>
+        <p:txBody>
+          <a:bodyPr/>
+          <a:lstStyle/>
+          <a:p>
+            <a:r>
+              <a:rPr lang="en-AU" dirty="0"/>
+              <a:t>Add a weather example – weather for different cities with entities.</a:t>
+            </a:r>
+          </a:p>
+          <a:p>
+            <a:endParaRPr lang="en-AU" dirty="0"/>
+          </a:p>
+        </p:txBody>
+      </p:sp>
+      <p:sp>
+        <p:nvSpPr>
+          <p:cNvPr id="4" name="Slide Number Placeholder 3"/>
+          <p:cNvSpPr>
+            <a:spLocks noGrp="1"/>
+          </p:cNvSpPr>
+          <p:nvPr>
+            <p:ph type="sldNum" sz="quarter" idx="10"/>
+          </p:nvPr>
+        </p:nvSpPr>
+        <p:spPr/>
+        <p:txBody>
+          <a:bodyPr/>
+          <a:lstStyle/>
+          <a:p>
+            <a:fld id="{B0963970-F77D-4550-9FC6-19F442B9E04B}" type="slidenum">
+              <a:rPr lang="en-AU" smtClean="0"/>
+              <a:t>27</a:t>
+            </a:fld>
+            <a:endParaRPr lang="en-AU"/>
+          </a:p>
+        </p:txBody>
+      </p:sp>
+    </p:spTree>
+    <p:extLst>
+      <p:ext uri="{BB962C8B-B14F-4D97-AF65-F5344CB8AC3E}">
+        <p14:creationId xmlns:p14="http://schemas.microsoft.com/office/powerpoint/2010/main" val="2575954203"/>
+      </p:ext>
+    </p:extLst>
+  </p:cSld>
+  <p:clrMapOvr>
+    <a:masterClrMapping/>
+  </p:clrMapOvr>
+</p:notes>
+</file>
+
+<file path=ppt/notesSlides/notesSlide6.xml><?xml version="1.0" encoding="utf-8"?>
+<p:notes xmlns:a="http://schemas.openxmlformats.org/drawingml/2006/main" xmlns:r="http://schemas.openxmlformats.org/officeDocument/2006/relationships" xmlns:p="http://schemas.openxmlformats.org/presentationml/2006/main">
+  <p:cSld>
+    <p:spTree>
+      <p:nvGrpSpPr>
+        <p:cNvPr id="1" name=""/>
+        <p:cNvGrpSpPr/>
+        <p:nvPr/>
+      </p:nvGrpSpPr>
+      <p:grpSpPr>
+        <a:xfrm>
+          <a:off x="0" y="0"/>
+          <a:ext cx="0" cy="0"/>
+          <a:chOff x="0" y="0"/>
+          <a:chExt cx="0" cy="0"/>
+        </a:xfrm>
+      </p:grpSpPr>
+      <p:sp>
+        <p:nvSpPr>
+          <p:cNvPr id="2" name="Slide Image Placeholder 1"/>
+          <p:cNvSpPr>
+            <a:spLocks noGrp="1" noRot="1" noChangeAspect="1"/>
+          </p:cNvSpPr>
+          <p:nvPr>
+            <p:ph type="sldImg"/>
+          </p:nvPr>
+        </p:nvSpPr>
+        <p:spPr/>
+      </p:sp>
+      <p:sp>
+        <p:nvSpPr>
+          <p:cNvPr id="3" name="Notes Placeholder 2"/>
+          <p:cNvSpPr>
+            <a:spLocks noGrp="1"/>
+          </p:cNvSpPr>
+          <p:nvPr>
+            <p:ph type="body" idx="1"/>
+          </p:nvPr>
+        </p:nvSpPr>
+        <p:spPr/>
+        <p:txBody>
+          <a:bodyPr/>
+          <a:lstStyle/>
+          <a:p>
+            <a:pPr marL="0" marR="0" lvl="0" indent="0" algn="l" defTabSz="914400" rtl="0" eaLnBrk="1" fontAlgn="auto" latinLnBrk="0" hangingPunct="1">
+              <a:lnSpc>
+                <a:spcPct val="100000"/>
+              </a:lnSpc>
+              <a:spcBef>
+                <a:spcPts val="0"/>
+              </a:spcBef>
+              <a:spcAft>
+                <a:spcPts val="0"/>
+              </a:spcAft>
+              <a:buClrTx/>
+              <a:buSzTx/>
+              <a:buFontTx/>
+              <a:buNone/>
+              <a:tabLst/>
+              <a:defRPr/>
+            </a:pPr>
+            <a:r>
+              <a:rPr lang="en-AU" dirty="0"/>
+              <a:t>POS Tagging – disambiguate meanings (nouns vs. verbs) e.g. charge  -  (Bag of Words, LDA, word2vec) </a:t>
+            </a:r>
+          </a:p>
+          <a:p>
+            <a:r>
+              <a:rPr lang="en-AU" dirty="0"/>
+              <a:t>Lemmatization – canonical form of the word, lemmatization uses vocabulary and morphological analysis, stemming is a crude heuristic process</a:t>
+            </a:r>
+          </a:p>
+          <a:p>
+            <a:r>
+              <a:rPr lang="en-AU" dirty="0"/>
+              <a:t>Concept Recognition – domain specific vocabulary, e.g. breed of dog</a:t>
+            </a:r>
+          </a:p>
+          <a:p>
+            <a:r>
+              <a:rPr lang="en-AU" dirty="0"/>
+              <a:t>Pattern Engine – DSL for structures, e.g. </a:t>
+            </a:r>
+            <a:r>
+              <a:rPr lang="en-AU" dirty="0" err="1"/>
+              <a:t>ChatScript</a:t>
+            </a:r>
+            <a:endParaRPr lang="en-AU" dirty="0"/>
+          </a:p>
+          <a:p>
+            <a:endParaRPr lang="en-AU" dirty="0"/>
+          </a:p>
+          <a:p>
+            <a:endParaRPr lang="en-AU" dirty="0"/>
+          </a:p>
+        </p:txBody>
+      </p:sp>
+      <p:sp>
+        <p:nvSpPr>
+          <p:cNvPr id="4" name="Slide Number Placeholder 3"/>
+          <p:cNvSpPr>
+            <a:spLocks noGrp="1"/>
+          </p:cNvSpPr>
+          <p:nvPr>
+            <p:ph type="sldNum" sz="quarter" idx="10"/>
+          </p:nvPr>
+        </p:nvSpPr>
+        <p:spPr/>
+        <p:txBody>
+          <a:bodyPr/>
+          <a:lstStyle/>
+          <a:p>
+            <a:fld id="{B0963970-F77D-4550-9FC6-19F442B9E04B}" type="slidenum">
+              <a:rPr lang="en-AU" smtClean="0"/>
+              <a:t>28</a:t>
+            </a:fld>
+            <a:endParaRPr lang="en-AU"/>
+          </a:p>
+        </p:txBody>
+      </p:sp>
+    </p:spTree>
+    <p:extLst>
+      <p:ext uri="{BB962C8B-B14F-4D97-AF65-F5344CB8AC3E}">
+        <p14:creationId xmlns:p14="http://schemas.microsoft.com/office/powerpoint/2010/main" val="1832964778"/>
       </p:ext>
     </p:extLst>
   </p:cSld>
@@ -5759,7 +6067,9 @@
         </p:nvSpPr>
         <p:spPr/>
         <p:txBody>
-          <a:bodyPr/>
+          <a:bodyPr>
+            <a:normAutofit lnSpcReduction="10000"/>
+          </a:bodyPr>
           <a:lstStyle/>
           <a:p>
             <a:r>
@@ -5773,24 +6083,32 @@
           <a:p>
             <a:r>
               <a:rPr lang="en-AU" dirty="0"/>
+              <a:t>Discovering user’s “intent”</a:t>
+            </a:r>
+          </a:p>
+          <a:p>
+            <a:pPr lvl="1"/>
+            <a:r>
+              <a:rPr lang="en-AU" dirty="0"/>
+              <a:t>Named Entity Recognition</a:t>
+            </a:r>
+          </a:p>
+          <a:p>
+            <a:pPr lvl="1"/>
+            <a:endParaRPr lang="en-AU" dirty="0"/>
+          </a:p>
+          <a:p>
+            <a:endParaRPr lang="en-AU" dirty="0"/>
+          </a:p>
+          <a:p>
+            <a:r>
+              <a:rPr lang="en-AU" dirty="0"/>
               <a:t>Provided as a Service</a:t>
             </a:r>
           </a:p>
           <a:p>
+            <a:pPr lvl="1"/>
             <a:endParaRPr lang="en-AU" dirty="0"/>
-          </a:p>
-          <a:p>
-            <a:r>
-              <a:rPr lang="en-AU" dirty="0"/>
-              <a:t>Allows definition of custom language models</a:t>
-            </a:r>
-          </a:p>
-          <a:p>
-            <a:pPr lvl="1"/>
-            <a:r>
-              <a:rPr lang="en-AU" dirty="0"/>
-              <a:t>Extracts entities and intent from user input</a:t>
-            </a:r>
           </a:p>
           <a:p>
             <a:pPr lvl="1"/>
@@ -5916,6 +6234,156 @@
           <p:cNvPr id="2" name="Title 1">
             <a:extLst>
               <a:ext uri="{FF2B5EF4-FFF2-40B4-BE49-F238E27FC236}">
+                <a16:creationId xmlns:a16="http://schemas.microsoft.com/office/drawing/2014/main" id="{321C3EC8-2D88-4C5F-957F-471D41346A80}"/>
+              </a:ext>
+            </a:extLst>
+          </p:cNvPr>
+          <p:cNvSpPr>
+            <a:spLocks noGrp="1"/>
+          </p:cNvSpPr>
+          <p:nvPr>
+            <p:ph type="title"/>
+          </p:nvPr>
+        </p:nvSpPr>
+        <p:spPr/>
+        <p:txBody>
+          <a:bodyPr/>
+          <a:lstStyle/>
+          <a:p>
+            <a:r>
+              <a:rPr lang="en-AU" dirty="0"/>
+              <a:t>Traditional NLP “pipeline”</a:t>
+            </a:r>
+          </a:p>
+        </p:txBody>
+      </p:sp>
+      <p:sp>
+        <p:nvSpPr>
+          <p:cNvPr id="3" name="Content Placeholder 2">
+            <a:extLst>
+              <a:ext uri="{FF2B5EF4-FFF2-40B4-BE49-F238E27FC236}">
+                <a16:creationId xmlns:a16="http://schemas.microsoft.com/office/drawing/2014/main" id="{6BDD478C-6310-42E1-AD0F-8309EF40B0FC}"/>
+              </a:ext>
+            </a:extLst>
+          </p:cNvPr>
+          <p:cNvSpPr>
+            <a:spLocks noGrp="1"/>
+          </p:cNvSpPr>
+          <p:nvPr>
+            <p:ph idx="1"/>
+          </p:nvPr>
+        </p:nvSpPr>
+        <p:spPr/>
+        <p:txBody>
+          <a:bodyPr/>
+          <a:lstStyle/>
+          <a:p>
+            <a:pPr marL="514350" indent="-514350">
+              <a:buFont typeface="+mj-lt"/>
+              <a:buAutoNum type="arabicPeriod"/>
+            </a:pPr>
+            <a:r>
+              <a:rPr lang="en-AU" dirty="0"/>
+              <a:t>Spellcheck</a:t>
+            </a:r>
+          </a:p>
+          <a:p>
+            <a:pPr marL="514350" indent="-514350">
+              <a:buFont typeface="+mj-lt"/>
+              <a:buAutoNum type="arabicPeriod"/>
+            </a:pPr>
+            <a:r>
+              <a:rPr lang="en-AU" dirty="0"/>
+              <a:t>Split into sentences &amp; words</a:t>
+            </a:r>
+          </a:p>
+          <a:p>
+            <a:pPr marL="514350" indent="-514350">
+              <a:buFont typeface="+mj-lt"/>
+              <a:buAutoNum type="arabicPeriod"/>
+            </a:pPr>
+            <a:r>
+              <a:rPr lang="en-AU" dirty="0"/>
+              <a:t>Parts of Speech Tagging</a:t>
+            </a:r>
+          </a:p>
+          <a:p>
+            <a:pPr marL="514350" indent="-514350">
+              <a:buFont typeface="+mj-lt"/>
+              <a:buAutoNum type="arabicPeriod"/>
+            </a:pPr>
+            <a:r>
+              <a:rPr lang="en-AU" dirty="0"/>
+              <a:t>Lemmatization (or stemming)</a:t>
+            </a:r>
+          </a:p>
+          <a:p>
+            <a:pPr marL="514350" indent="-514350">
+              <a:buFont typeface="+mj-lt"/>
+              <a:buAutoNum type="arabicPeriod"/>
+            </a:pPr>
+            <a:r>
+              <a:rPr lang="en-AU" dirty="0"/>
+              <a:t>Entity Recognition</a:t>
+            </a:r>
+          </a:p>
+          <a:p>
+            <a:pPr marL="514350" indent="-514350">
+              <a:buFont typeface="+mj-lt"/>
+              <a:buAutoNum type="arabicPeriod"/>
+            </a:pPr>
+            <a:r>
+              <a:rPr lang="en-AU" dirty="0"/>
+              <a:t>Concept Recognition</a:t>
+            </a:r>
+          </a:p>
+          <a:p>
+            <a:pPr marL="514350" indent="-514350">
+              <a:buFont typeface="+mj-lt"/>
+              <a:buAutoNum type="arabicPeriod"/>
+            </a:pPr>
+            <a:r>
+              <a:rPr lang="en-AU" dirty="0"/>
+              <a:t>Pattern Engine</a:t>
+            </a:r>
+          </a:p>
+        </p:txBody>
+      </p:sp>
+    </p:spTree>
+    <p:extLst>
+      <p:ext uri="{BB962C8B-B14F-4D97-AF65-F5344CB8AC3E}">
+        <p14:creationId xmlns:p14="http://schemas.microsoft.com/office/powerpoint/2010/main" val="653830368"/>
+      </p:ext>
+    </p:extLst>
+  </p:cSld>
+  <p:clrMapOvr>
+    <a:masterClrMapping/>
+  </p:clrMapOvr>
+</p:sld>
+</file>
+
+<file path=ppt/slides/slide29.xml><?xml version="1.0" encoding="utf-8"?>
+<p:sld xmlns:a="http://schemas.openxmlformats.org/drawingml/2006/main" xmlns:r="http://schemas.openxmlformats.org/officeDocument/2006/relationships" xmlns:p="http://schemas.openxmlformats.org/presentationml/2006/main">
+  <p:cSld>
+    <p:spTree>
+      <p:nvGrpSpPr>
+        <p:cNvPr id="1" name=""/>
+        <p:cNvGrpSpPr/>
+        <p:nvPr/>
+      </p:nvGrpSpPr>
+      <p:grpSpPr>
+        <a:xfrm>
+          <a:off x="0" y="0"/>
+          <a:ext cx="0" cy="0"/>
+          <a:chOff x="0" y="0"/>
+          <a:chExt cx="0" cy="0"/>
+        </a:xfrm>
+      </p:grpSpPr>
+      <p:sp>
+        <p:nvSpPr>
+          <p:cNvPr id="2" name="Title 1">
+            <a:extLst>
+              <a:ext uri="{FF2B5EF4-FFF2-40B4-BE49-F238E27FC236}">
                 <a16:creationId xmlns:a16="http://schemas.microsoft.com/office/drawing/2014/main" id="{F3F58C56-5DBB-4010-976D-4A230BC01E08}"/>
               </a:ext>
             </a:extLst>
@@ -6058,7 +6526,7 @@
         </p:spPr>
         <p:txBody>
           <a:bodyPr vert="horz" lIns="91440" tIns="45720" rIns="91440" bIns="45720" rtlCol="0" anchor="t">
-            <a:normAutofit fontScale="85000" lnSpcReduction="20000"/>
+            <a:normAutofit fontScale="77500" lnSpcReduction="20000"/>
           </a:bodyPr>
           <a:lstStyle>
             <a:lvl1pPr marL="228600" indent="-228600" algn="l" defTabSz="914400" rtl="0" eaLnBrk="1" latinLnBrk="0" hangingPunct="1">
@@ -6269,7 +6737,10 @@
             <a:endParaRPr lang="en-AU" kern="0" dirty="0"/>
           </a:p>
           <a:p>
-            <a:endParaRPr lang="en-AU" kern="0" dirty="0"/>
+            <a:r>
+              <a:rPr lang="en-AU" kern="0" dirty="0"/>
+              <a:t>Update the keys specified by the #warning directives</a:t>
+            </a:r>
           </a:p>
           <a:p>
             <a:endParaRPr lang="en-AU" kern="0" dirty="0"/>
@@ -6284,12 +6755,23 @@
             <a:endParaRPr lang="en-AU" kern="0" dirty="0"/>
           </a:p>
           <a:p>
-            <a:pPr marL="0" indent="0">
-              <a:buNone/>
-            </a:pPr>
             <a:r>
               <a:rPr lang="en-AU" sz="1600" kern="0" dirty="0"/>
-              <a:t>* Use LUIS to identify intents for each step</a:t>
+              <a:t>Use </a:t>
+            </a:r>
+            <a:r>
+              <a:rPr lang="en-AU" sz="1600" kern="0" dirty="0" err="1"/>
+              <a:t>QnA</a:t>
+            </a:r>
+            <a:r>
+              <a:rPr lang="en-AU" sz="1600" kern="0" dirty="0"/>
+              <a:t> Maker for 1 &amp; 2</a:t>
+            </a:r>
+          </a:p>
+          <a:p>
+            <a:r>
+              <a:rPr lang="en-AU" sz="1600" kern="0" dirty="0"/>
+              <a:t>Use LUIS for 3</a:t>
             </a:r>
           </a:p>
           <a:p>
@@ -6307,131 +6789,6 @@
     <p:extLst>
       <p:ext uri="{BB962C8B-B14F-4D97-AF65-F5344CB8AC3E}">
         <p14:creationId xmlns:p14="http://schemas.microsoft.com/office/powerpoint/2010/main" val="3240403607"/>
-      </p:ext>
-    </p:extLst>
-  </p:cSld>
-  <p:clrMapOvr>
-    <a:masterClrMapping/>
-  </p:clrMapOvr>
-</p:sld>
-</file>
-
-<file path=ppt/slides/slide29.xml><?xml version="1.0" encoding="utf-8"?>
-<p:sld xmlns:a="http://schemas.openxmlformats.org/drawingml/2006/main" xmlns:r="http://schemas.openxmlformats.org/officeDocument/2006/relationships" xmlns:p="http://schemas.openxmlformats.org/presentationml/2006/main">
-  <p:cSld>
-    <p:spTree>
-      <p:nvGrpSpPr>
-        <p:cNvPr id="1" name=""/>
-        <p:cNvGrpSpPr/>
-        <p:nvPr/>
-      </p:nvGrpSpPr>
-      <p:grpSpPr>
-        <a:xfrm>
-          <a:off x="0" y="0"/>
-          <a:ext cx="0" cy="0"/>
-          <a:chOff x="0" y="0"/>
-          <a:chExt cx="0" cy="0"/>
-        </a:xfrm>
-      </p:grpSpPr>
-      <p:sp>
-        <p:nvSpPr>
-          <p:cNvPr id="5" name="Title 4">
-            <a:extLst>
-              <a:ext uri="{FF2B5EF4-FFF2-40B4-BE49-F238E27FC236}">
-                <a16:creationId xmlns:a16="http://schemas.microsoft.com/office/drawing/2014/main" id="{934140FD-B6C8-4C68-8F26-7DB96D0333E8}"/>
-              </a:ext>
-            </a:extLst>
-          </p:cNvPr>
-          <p:cNvSpPr>
-            <a:spLocks noGrp="1"/>
-          </p:cNvSpPr>
-          <p:nvPr>
-            <p:ph type="title"/>
-          </p:nvPr>
-        </p:nvSpPr>
-        <p:spPr/>
-        <p:txBody>
-          <a:bodyPr/>
-          <a:lstStyle/>
-          <a:p>
-            <a:r>
-              <a:rPr lang="en-AU" dirty="0"/>
-              <a:t>1. Tell a Q/A Joke</a:t>
-            </a:r>
-          </a:p>
-        </p:txBody>
-      </p:sp>
-      <p:sp>
-        <p:nvSpPr>
-          <p:cNvPr id="6" name="Content Placeholder 5">
-            <a:extLst>
-              <a:ext uri="{FF2B5EF4-FFF2-40B4-BE49-F238E27FC236}">
-                <a16:creationId xmlns:a16="http://schemas.microsoft.com/office/drawing/2014/main" id="{C1F6B9B1-7ACF-475E-91B0-FF2EB8CAEFE8}"/>
-              </a:ext>
-            </a:extLst>
-          </p:cNvPr>
-          <p:cNvSpPr>
-            <a:spLocks noGrp="1"/>
-          </p:cNvSpPr>
-          <p:nvPr>
-            <p:ph idx="1"/>
-          </p:nvPr>
-        </p:nvSpPr>
-        <p:spPr/>
-        <p:txBody>
-          <a:bodyPr/>
-          <a:lstStyle/>
-          <a:p>
-            <a:r>
-              <a:rPr lang="en-AU" dirty="0"/>
-              <a:t>Create LUIS Intent and publish model</a:t>
-            </a:r>
-          </a:p>
-          <a:p>
-            <a:endParaRPr lang="en-AU" dirty="0"/>
-          </a:p>
-          <a:p>
-            <a:r>
-              <a:rPr lang="en-AU" dirty="0"/>
-              <a:t>Update </a:t>
-            </a:r>
-            <a:r>
-              <a:rPr lang="en-AU" dirty="0" err="1"/>
-              <a:t>ConferenceRootDialog</a:t>
-            </a:r>
-            <a:r>
-              <a:rPr lang="en-AU" dirty="0"/>
-              <a:t> with your LUIS keys</a:t>
-            </a:r>
-          </a:p>
-          <a:p>
-            <a:endParaRPr lang="en-AU" dirty="0"/>
-          </a:p>
-          <a:p>
-            <a:r>
-              <a:rPr lang="en-AU" dirty="0"/>
-              <a:t>Create Joke Dialog</a:t>
-            </a:r>
-          </a:p>
-          <a:p>
-            <a:endParaRPr lang="en-AU" dirty="0"/>
-          </a:p>
-          <a:p>
-            <a:r>
-              <a:rPr lang="en-AU" dirty="0" err="1"/>
-              <a:t>Context.Call</a:t>
-            </a:r>
-            <a:r>
-              <a:rPr lang="en-AU" dirty="0"/>
-              <a:t> your Dialog</a:t>
-            </a:r>
-          </a:p>
-        </p:txBody>
-      </p:sp>
-    </p:spTree>
-    <p:extLst>
-      <p:ext uri="{BB962C8B-B14F-4D97-AF65-F5344CB8AC3E}">
-        <p14:creationId xmlns:p14="http://schemas.microsoft.com/office/powerpoint/2010/main" val="3886039999"/>
       </p:ext>
     </p:extLst>
   </p:cSld>
@@ -6536,6 +6893,131 @@
     <p:extLst>
       <p:ext uri="{BB962C8B-B14F-4D97-AF65-F5344CB8AC3E}">
         <p14:creationId xmlns:p14="http://schemas.microsoft.com/office/powerpoint/2010/main" val="3574279519"/>
+      </p:ext>
+    </p:extLst>
+  </p:cSld>
+  <p:clrMapOvr>
+    <a:masterClrMapping/>
+  </p:clrMapOvr>
+</p:sld>
+</file>
+
+<file path=ppt/slides/slide30.xml><?xml version="1.0" encoding="utf-8"?>
+<p:sld xmlns:a="http://schemas.openxmlformats.org/drawingml/2006/main" xmlns:r="http://schemas.openxmlformats.org/officeDocument/2006/relationships" xmlns:p="http://schemas.openxmlformats.org/presentationml/2006/main">
+  <p:cSld>
+    <p:spTree>
+      <p:nvGrpSpPr>
+        <p:cNvPr id="1" name=""/>
+        <p:cNvGrpSpPr/>
+        <p:nvPr/>
+      </p:nvGrpSpPr>
+      <p:grpSpPr>
+        <a:xfrm>
+          <a:off x="0" y="0"/>
+          <a:ext cx="0" cy="0"/>
+          <a:chOff x="0" y="0"/>
+          <a:chExt cx="0" cy="0"/>
+        </a:xfrm>
+      </p:grpSpPr>
+      <p:sp>
+        <p:nvSpPr>
+          <p:cNvPr id="5" name="Title 4">
+            <a:extLst>
+              <a:ext uri="{FF2B5EF4-FFF2-40B4-BE49-F238E27FC236}">
+                <a16:creationId xmlns:a16="http://schemas.microsoft.com/office/drawing/2014/main" id="{934140FD-B6C8-4C68-8F26-7DB96D0333E8}"/>
+              </a:ext>
+            </a:extLst>
+          </p:cNvPr>
+          <p:cNvSpPr>
+            <a:spLocks noGrp="1"/>
+          </p:cNvSpPr>
+          <p:nvPr>
+            <p:ph type="title"/>
+          </p:nvPr>
+        </p:nvSpPr>
+        <p:spPr/>
+        <p:txBody>
+          <a:bodyPr/>
+          <a:lstStyle/>
+          <a:p>
+            <a:r>
+              <a:rPr lang="en-AU" dirty="0"/>
+              <a:t>3. Tell a Q/A Joke</a:t>
+            </a:r>
+          </a:p>
+        </p:txBody>
+      </p:sp>
+      <p:sp>
+        <p:nvSpPr>
+          <p:cNvPr id="6" name="Content Placeholder 5">
+            <a:extLst>
+              <a:ext uri="{FF2B5EF4-FFF2-40B4-BE49-F238E27FC236}">
+                <a16:creationId xmlns:a16="http://schemas.microsoft.com/office/drawing/2014/main" id="{C1F6B9B1-7ACF-475E-91B0-FF2EB8CAEFE8}"/>
+              </a:ext>
+            </a:extLst>
+          </p:cNvPr>
+          <p:cNvSpPr>
+            <a:spLocks noGrp="1"/>
+          </p:cNvSpPr>
+          <p:nvPr>
+            <p:ph idx="1"/>
+          </p:nvPr>
+        </p:nvSpPr>
+        <p:spPr/>
+        <p:txBody>
+          <a:bodyPr/>
+          <a:lstStyle/>
+          <a:p>
+            <a:r>
+              <a:rPr lang="en-AU" dirty="0"/>
+              <a:t>Create LUIS Intent and publish model</a:t>
+            </a:r>
+          </a:p>
+          <a:p>
+            <a:endParaRPr lang="en-AU" dirty="0"/>
+          </a:p>
+          <a:p>
+            <a:r>
+              <a:rPr lang="en-AU" dirty="0"/>
+              <a:t>Update </a:t>
+            </a:r>
+            <a:r>
+              <a:rPr lang="en-AU" dirty="0" err="1"/>
+              <a:t>ConferenceRootDialog</a:t>
+            </a:r>
+            <a:r>
+              <a:rPr lang="en-AU" dirty="0"/>
+              <a:t> with your LUIS keys</a:t>
+            </a:r>
+          </a:p>
+          <a:p>
+            <a:endParaRPr lang="en-AU" dirty="0"/>
+          </a:p>
+          <a:p>
+            <a:r>
+              <a:rPr lang="en-AU" dirty="0"/>
+              <a:t>Create Joke Dialog</a:t>
+            </a:r>
+          </a:p>
+          <a:p>
+            <a:endParaRPr lang="en-AU" dirty="0"/>
+          </a:p>
+          <a:p>
+            <a:r>
+              <a:rPr lang="en-AU" dirty="0" err="1"/>
+              <a:t>Context.Call</a:t>
+            </a:r>
+            <a:r>
+              <a:rPr lang="en-AU" dirty="0"/>
+              <a:t> your Dialog</a:t>
+            </a:r>
+          </a:p>
+        </p:txBody>
+      </p:sp>
+    </p:spTree>
+    <p:extLst>
+      <p:ext uri="{BB962C8B-B14F-4D97-AF65-F5344CB8AC3E}">
+        <p14:creationId xmlns:p14="http://schemas.microsoft.com/office/powerpoint/2010/main" val="3886039999"/>
       </p:ext>
     </p:extLst>
   </p:cSld>
